--- a/MAQUETA.pptx
+++ b/MAQUETA.pptx
@@ -8,7 +8,7 @@
     <p:sldId id="256" r:id="rId2"/>
     <p:sldId id="264" r:id="rId3"/>
     <p:sldId id="260" r:id="rId4"/>
-    <p:sldId id="261" r:id="rId5"/>
+    <p:sldId id="265" r:id="rId5"/>
     <p:sldId id="262" r:id="rId6"/>
     <p:sldId id="263" r:id="rId7"/>
     <p:sldId id="257" r:id="rId8"/>
@@ -303,6 +303,18 @@
   <p:clrMapOvr>
     <a:masterClrMapping/>
   </p:clrMapOvr>
+  <mc:AlternateContent xmlns:mc="http://schemas.openxmlformats.org/markup-compatibility/2006">
+    <mc:Choice xmlns:p14="http://schemas.microsoft.com/office/powerpoint/2010/main" Requires="p14">
+      <p:transition spd="med" p14:dur="700">
+        <p:fade/>
+      </p:transition>
+    </mc:Choice>
+    <mc:Fallback>
+      <p:transition spd="med">
+        <p:fade/>
+      </p:transition>
+    </mc:Fallback>
+  </mc:AlternateContent>
 </p:sldLayout>
 </file>
 
@@ -473,6 +485,18 @@
   <p:clrMapOvr>
     <a:masterClrMapping/>
   </p:clrMapOvr>
+  <mc:AlternateContent xmlns:mc="http://schemas.openxmlformats.org/markup-compatibility/2006">
+    <mc:Choice xmlns:p14="http://schemas.microsoft.com/office/powerpoint/2010/main" Requires="p14">
+      <p:transition spd="med" p14:dur="700">
+        <p:fade/>
+      </p:transition>
+    </mc:Choice>
+    <mc:Fallback>
+      <p:transition spd="med">
+        <p:fade/>
+      </p:transition>
+    </mc:Fallback>
+  </mc:AlternateContent>
 </p:sldLayout>
 </file>
 
@@ -653,6 +677,18 @@
   <p:clrMapOvr>
     <a:masterClrMapping/>
   </p:clrMapOvr>
+  <mc:AlternateContent xmlns:mc="http://schemas.openxmlformats.org/markup-compatibility/2006">
+    <mc:Choice xmlns:p14="http://schemas.microsoft.com/office/powerpoint/2010/main" Requires="p14">
+      <p:transition spd="med" p14:dur="700">
+        <p:fade/>
+      </p:transition>
+    </mc:Choice>
+    <mc:Fallback>
+      <p:transition spd="med">
+        <p:fade/>
+      </p:transition>
+    </mc:Fallback>
+  </mc:AlternateContent>
 </p:sldLayout>
 </file>
 
@@ -823,6 +859,18 @@
   <p:clrMapOvr>
     <a:masterClrMapping/>
   </p:clrMapOvr>
+  <mc:AlternateContent xmlns:mc="http://schemas.openxmlformats.org/markup-compatibility/2006">
+    <mc:Choice xmlns:p14="http://schemas.microsoft.com/office/powerpoint/2010/main" Requires="p14">
+      <p:transition spd="med" p14:dur="700">
+        <p:fade/>
+      </p:transition>
+    </mc:Choice>
+    <mc:Fallback>
+      <p:transition spd="med">
+        <p:fade/>
+      </p:transition>
+    </mc:Fallback>
+  </mc:AlternateContent>
 </p:sldLayout>
 </file>
 
@@ -1069,6 +1117,18 @@
   <p:clrMapOvr>
     <a:masterClrMapping/>
   </p:clrMapOvr>
+  <mc:AlternateContent xmlns:mc="http://schemas.openxmlformats.org/markup-compatibility/2006">
+    <mc:Choice xmlns:p14="http://schemas.microsoft.com/office/powerpoint/2010/main" Requires="p14">
+      <p:transition spd="med" p14:dur="700">
+        <p:fade/>
+      </p:transition>
+    </mc:Choice>
+    <mc:Fallback>
+      <p:transition spd="med">
+        <p:fade/>
+      </p:transition>
+    </mc:Fallback>
+  </mc:AlternateContent>
 </p:sldLayout>
 </file>
 
@@ -1301,6 +1361,18 @@
   <p:clrMapOvr>
     <a:masterClrMapping/>
   </p:clrMapOvr>
+  <mc:AlternateContent xmlns:mc="http://schemas.openxmlformats.org/markup-compatibility/2006">
+    <mc:Choice xmlns:p14="http://schemas.microsoft.com/office/powerpoint/2010/main" Requires="p14">
+      <p:transition spd="med" p14:dur="700">
+        <p:fade/>
+      </p:transition>
+    </mc:Choice>
+    <mc:Fallback>
+      <p:transition spd="med">
+        <p:fade/>
+      </p:transition>
+    </mc:Fallback>
+  </mc:AlternateContent>
 </p:sldLayout>
 </file>
 
@@ -1668,6 +1740,18 @@
   <p:clrMapOvr>
     <a:masterClrMapping/>
   </p:clrMapOvr>
+  <mc:AlternateContent xmlns:mc="http://schemas.openxmlformats.org/markup-compatibility/2006">
+    <mc:Choice xmlns:p14="http://schemas.microsoft.com/office/powerpoint/2010/main" Requires="p14">
+      <p:transition spd="med" p14:dur="700">
+        <p:fade/>
+      </p:transition>
+    </mc:Choice>
+    <mc:Fallback>
+      <p:transition spd="med">
+        <p:fade/>
+      </p:transition>
+    </mc:Fallback>
+  </mc:AlternateContent>
 </p:sldLayout>
 </file>
 
@@ -1786,6 +1870,18 @@
   <p:clrMapOvr>
     <a:masterClrMapping/>
   </p:clrMapOvr>
+  <mc:AlternateContent xmlns:mc="http://schemas.openxmlformats.org/markup-compatibility/2006">
+    <mc:Choice xmlns:p14="http://schemas.microsoft.com/office/powerpoint/2010/main" Requires="p14">
+      <p:transition spd="med" p14:dur="700">
+        <p:fade/>
+      </p:transition>
+    </mc:Choice>
+    <mc:Fallback>
+      <p:transition spd="med">
+        <p:fade/>
+      </p:transition>
+    </mc:Fallback>
+  </mc:AlternateContent>
 </p:sldLayout>
 </file>
 
@@ -1881,6 +1977,18 @@
   <p:clrMapOvr>
     <a:masterClrMapping/>
   </p:clrMapOvr>
+  <mc:AlternateContent xmlns:mc="http://schemas.openxmlformats.org/markup-compatibility/2006">
+    <mc:Choice xmlns:p14="http://schemas.microsoft.com/office/powerpoint/2010/main" Requires="p14">
+      <p:transition spd="med" p14:dur="700">
+        <p:fade/>
+      </p:transition>
+    </mc:Choice>
+    <mc:Fallback>
+      <p:transition spd="med">
+        <p:fade/>
+      </p:transition>
+    </mc:Fallback>
+  </mc:AlternateContent>
 </p:sldLayout>
 </file>
 
@@ -2158,6 +2266,18 @@
   <p:clrMapOvr>
     <a:masterClrMapping/>
   </p:clrMapOvr>
+  <mc:AlternateContent xmlns:mc="http://schemas.openxmlformats.org/markup-compatibility/2006">
+    <mc:Choice xmlns:p14="http://schemas.microsoft.com/office/powerpoint/2010/main" Requires="p14">
+      <p:transition spd="med" p14:dur="700">
+        <p:fade/>
+      </p:transition>
+    </mc:Choice>
+    <mc:Fallback>
+      <p:transition spd="med">
+        <p:fade/>
+      </p:transition>
+    </mc:Fallback>
+  </mc:AlternateContent>
 </p:sldLayout>
 </file>
 
@@ -2411,6 +2531,18 @@
   <p:clrMapOvr>
     <a:masterClrMapping/>
   </p:clrMapOvr>
+  <mc:AlternateContent xmlns:mc="http://schemas.openxmlformats.org/markup-compatibility/2006">
+    <mc:Choice xmlns:p14="http://schemas.microsoft.com/office/powerpoint/2010/main" Requires="p14">
+      <p:transition spd="med" p14:dur="700">
+        <p:fade/>
+      </p:transition>
+    </mc:Choice>
+    <mc:Fallback>
+      <p:transition spd="med">
+        <p:fade/>
+      </p:transition>
+    </mc:Fallback>
+  </mc:AlternateContent>
 </p:sldLayout>
 </file>
 
@@ -2671,6 +2803,18 @@
     <p:sldLayoutId id="2147483658" r:id="rId10"/>
     <p:sldLayoutId id="2147483659" r:id="rId11"/>
   </p:sldLayoutIdLst>
+  <mc:AlternateContent xmlns:mc="http://schemas.openxmlformats.org/markup-compatibility/2006">
+    <mc:Choice xmlns:p14="http://schemas.microsoft.com/office/powerpoint/2010/main" Requires="p14">
+      <p:transition spd="med" p14:dur="700">
+        <p:fade/>
+      </p:transition>
+    </mc:Choice>
+    <mc:Fallback>
+      <p:transition spd="med">
+        <p:fade/>
+      </p:transition>
+    </mc:Fallback>
+  </mc:AlternateContent>
   <p:txStyles>
     <p:titleStyle>
       <a:lvl1pPr algn="l" defTabSz="914400" rtl="0" eaLnBrk="1" latinLnBrk="0" hangingPunct="1">
@@ -3778,6 +3922,18 @@
   <p:clrMapOvr>
     <a:masterClrMapping/>
   </p:clrMapOvr>
+  <mc:AlternateContent xmlns:mc="http://schemas.openxmlformats.org/markup-compatibility/2006">
+    <mc:Choice xmlns:p14="http://schemas.microsoft.com/office/powerpoint/2010/main" Requires="p14">
+      <p:transition spd="med" p14:dur="700">
+        <p:fade/>
+      </p:transition>
+    </mc:Choice>
+    <mc:Fallback>
+      <p:transition spd="med">
+        <p:fade/>
+      </p:transition>
+    </mc:Fallback>
+  </mc:AlternateContent>
   <p:timing>
     <p:tnLst>
       <p:par>
@@ -4497,6 +4653,18 @@
   <p:clrMapOvr>
     <a:masterClrMapping/>
   </p:clrMapOvr>
+  <mc:AlternateContent xmlns:mc="http://schemas.openxmlformats.org/markup-compatibility/2006">
+    <mc:Choice xmlns:p14="http://schemas.microsoft.com/office/powerpoint/2010/main" Requires="p14">
+      <p:transition spd="med" p14:dur="700">
+        <p:fade/>
+      </p:transition>
+    </mc:Choice>
+    <mc:Fallback>
+      <p:transition spd="med">
+        <p:fade/>
+      </p:transition>
+    </mc:Fallback>
+  </mc:AlternateContent>
   <p:timing>
     <p:tnLst>
       <p:par>
@@ -5599,7 +5767,7 @@
           <p:nvPr/>
         </p:nvPicPr>
         <p:blipFill>
-          <a:blip r:embed="rId2">
+          <a:blip r:embed="rId3">
             <a:extLst>
               <a:ext uri="{28A0092B-C50C-407E-A947-70E740481C1C}">
                 <a14:useLocalDpi xmlns:a14="http://schemas.microsoft.com/office/drawing/2010/main" val="0"/>
@@ -6559,7 +6727,6 @@
               <a:rPr lang="es-ES" dirty="0"/>
               <a:t>L</a:t>
             </a:r>
-            <a:endParaRPr lang="es-ES" dirty="0"/>
           </a:p>
         </p:txBody>
       </p:sp>
@@ -6589,7 +6756,6 @@
               <a:rPr lang="es-ES" dirty="0"/>
               <a:t>M</a:t>
             </a:r>
-            <a:endParaRPr lang="es-ES" dirty="0"/>
           </a:p>
         </p:txBody>
       </p:sp>
@@ -6723,6 +6889,18 @@
   <p:clrMapOvr>
     <a:masterClrMapping/>
   </p:clrMapOvr>
+  <mc:AlternateContent xmlns:mc="http://schemas.openxmlformats.org/markup-compatibility/2006">
+    <mc:Choice xmlns:p14="http://schemas.microsoft.com/office/powerpoint/2010/main" Requires="p14">
+      <p:transition spd="med" p14:dur="700">
+        <p:fade/>
+      </p:transition>
+    </mc:Choice>
+    <mc:Fallback>
+      <p:transition spd="med">
+        <p:fade/>
+      </p:transition>
+    </mc:Fallback>
+  </mc:AlternateContent>
   <p:timing>
     <p:tnLst>
       <p:par>
@@ -6750,54 +6928,341 @@
           <a:chExt cx="0" cy="0"/>
         </a:xfrm>
       </p:grpSpPr>
-      <p:sp>
-        <p:nvSpPr>
-          <p:cNvPr id="2" name="Título 1"/>
-          <p:cNvSpPr>
-            <a:spLocks noGrp="1"/>
-          </p:cNvSpPr>
-          <p:nvPr>
-            <p:ph type="title"/>
-          </p:nvPr>
-        </p:nvSpPr>
-        <p:spPr/>
-        <p:txBody>
-          <a:bodyPr/>
-          <a:lstStyle/>
-          <a:p>
-            <a:endParaRPr lang="es-ES"/>
-          </a:p>
-        </p:txBody>
-      </p:sp>
-      <p:sp>
-        <p:nvSpPr>
-          <p:cNvPr id="3" name="Marcador de contenido 2"/>
-          <p:cNvSpPr>
-            <a:spLocks noGrp="1"/>
-          </p:cNvSpPr>
-          <p:nvPr>
-            <p:ph idx="1"/>
-          </p:nvPr>
-        </p:nvSpPr>
-        <p:spPr/>
-        <p:txBody>
-          <a:bodyPr/>
-          <a:lstStyle/>
-          <a:p>
-            <a:endParaRPr lang="es-ES"/>
-          </a:p>
-        </p:txBody>
-      </p:sp>
+      <p:grpSp>
+        <p:nvGrpSpPr>
+          <p:cNvPr id="4" name="3 Grupo"/>
+          <p:cNvGrpSpPr/>
+          <p:nvPr/>
+        </p:nvGrpSpPr>
+        <p:grpSpPr>
+          <a:xfrm>
+            <a:off x="2354039" y="914397"/>
+            <a:ext cx="7585023" cy="5090615"/>
+            <a:chOff x="2098612" y="914400"/>
+            <a:chExt cx="7585023" cy="5090615"/>
+          </a:xfrm>
+        </p:grpSpPr>
+        <p:pic>
+          <p:nvPicPr>
+            <p:cNvPr id="1029" name="Imagen 1028"/>
+            <p:cNvPicPr>
+              <a:picLocks noChangeAspect="1"/>
+            </p:cNvPicPr>
+            <p:nvPr/>
+          </p:nvPicPr>
+          <p:blipFill>
+            <a:blip r:embed="rId2">
+              <a:extLst>
+                <a:ext uri="{28A0092B-C50C-407E-A947-70E740481C1C}">
+                  <a14:useLocalDpi xmlns:a14="http://schemas.microsoft.com/office/drawing/2010/main" val="0"/>
+                </a:ext>
+              </a:extLst>
+            </a:blip>
+            <a:stretch>
+              <a:fillRect/>
+            </a:stretch>
+          </p:blipFill>
+          <p:spPr>
+            <a:xfrm>
+              <a:off x="2412678" y="2741383"/>
+              <a:ext cx="2078356" cy="2078356"/>
+            </a:xfrm>
+            <a:prstGeom prst="rect">
+              <a:avLst/>
+            </a:prstGeom>
+          </p:spPr>
+        </p:pic>
+        <p:sp>
+          <p:nvSpPr>
+            <p:cNvPr id="1036" name="Rectángulo 1035"/>
+            <p:cNvSpPr/>
+            <p:nvPr/>
+          </p:nvSpPr>
+          <p:spPr>
+            <a:xfrm>
+              <a:off x="2098612" y="914400"/>
+              <a:ext cx="7585023" cy="5090615"/>
+            </a:xfrm>
+            <a:prstGeom prst="rect">
+              <a:avLst/>
+            </a:prstGeom>
+            <a:noFill/>
+            <a:ln>
+              <a:solidFill>
+                <a:schemeClr val="tx1"/>
+              </a:solidFill>
+            </a:ln>
+          </p:spPr>
+          <p:style>
+            <a:lnRef idx="2">
+              <a:schemeClr val="accent1">
+                <a:shade val="50000"/>
+              </a:schemeClr>
+            </a:lnRef>
+            <a:fillRef idx="1">
+              <a:schemeClr val="accent1"/>
+            </a:fillRef>
+            <a:effectRef idx="0">
+              <a:schemeClr val="accent1"/>
+            </a:effectRef>
+            <a:fontRef idx="minor">
+              <a:schemeClr val="lt1"/>
+            </a:fontRef>
+          </p:style>
+          <p:txBody>
+            <a:bodyPr rtlCol="0" anchor="ctr"/>
+            <a:lstStyle/>
+            <a:p>
+              <a:pPr algn="ctr"/>
+              <a:endParaRPr lang="es-ES"/>
+            </a:p>
+          </p:txBody>
+        </p:sp>
+        <p:sp>
+          <p:nvSpPr>
+            <p:cNvPr id="1037" name="CuadroTexto 1036"/>
+            <p:cNvSpPr txBox="1"/>
+            <p:nvPr/>
+          </p:nvSpPr>
+          <p:spPr>
+            <a:xfrm>
+              <a:off x="5121912" y="3965227"/>
+              <a:ext cx="2723823" cy="369332"/>
+            </a:xfrm>
+            <a:prstGeom prst="rect">
+              <a:avLst/>
+            </a:prstGeom>
+            <a:noFill/>
+          </p:spPr>
+          <p:txBody>
+            <a:bodyPr wrap="none" rtlCol="0">
+              <a:spAutoFit/>
+            </a:bodyPr>
+            <a:lstStyle/>
+            <a:p>
+              <a:r>
+                <a:rPr lang="es-ES" dirty="0" smtClean="0">
+                  <a:latin typeface="Century Gothic" panose="020B0502020202020204" pitchFamily="34" charset="0"/>
+                </a:rPr>
+                <a:t>Escanee su credencial</a:t>
+              </a:r>
+              <a:endParaRPr lang="es-ES" dirty="0">
+                <a:latin typeface="Century Gothic" panose="020B0502020202020204" pitchFamily="34" charset="0"/>
+              </a:endParaRPr>
+            </a:p>
+          </p:txBody>
+        </p:sp>
+        <p:sp>
+          <p:nvSpPr>
+            <p:cNvPr id="56" name="CuadroTexto 55"/>
+            <p:cNvSpPr txBox="1"/>
+            <p:nvPr/>
+          </p:nvSpPr>
+          <p:spPr>
+            <a:xfrm>
+              <a:off x="4296161" y="2626415"/>
+              <a:ext cx="2610010" cy="369332"/>
+            </a:xfrm>
+            <a:prstGeom prst="rect">
+              <a:avLst/>
+            </a:prstGeom>
+            <a:noFill/>
+          </p:spPr>
+          <p:txBody>
+            <a:bodyPr wrap="none" rtlCol="0">
+              <a:spAutoFit/>
+            </a:bodyPr>
+            <a:lstStyle/>
+            <a:p>
+              <a:r>
+                <a:rPr lang="es-ES" dirty="0" smtClean="0">
+                  <a:latin typeface="Century Gothic" panose="020B0502020202020204" pitchFamily="34" charset="0"/>
+                </a:rPr>
+                <a:t>Ingrese la contraseña</a:t>
+              </a:r>
+              <a:endParaRPr lang="es-ES" dirty="0">
+                <a:latin typeface="Century Gothic" panose="020B0502020202020204" pitchFamily="34" charset="0"/>
+              </a:endParaRPr>
+            </a:p>
+          </p:txBody>
+        </p:sp>
+        <p:sp>
+          <p:nvSpPr>
+            <p:cNvPr id="2" name="1 CuadroTexto"/>
+            <p:cNvSpPr txBox="1"/>
+            <p:nvPr/>
+          </p:nvSpPr>
+          <p:spPr>
+            <a:xfrm>
+              <a:off x="2555447" y="1357439"/>
+              <a:ext cx="6671352" cy="954107"/>
+            </a:xfrm>
+            <a:prstGeom prst="rect">
+              <a:avLst/>
+            </a:prstGeom>
+            <a:noFill/>
+          </p:spPr>
+          <p:txBody>
+            <a:bodyPr wrap="square" rtlCol="0">
+              <a:spAutoFit/>
+            </a:bodyPr>
+            <a:lstStyle/>
+            <a:p>
+              <a:pPr algn="ctr"/>
+              <a:r>
+                <a:rPr lang="es-AR" sz="2800" dirty="0" smtClean="0">
+                  <a:latin typeface="Century Gothic" pitchFamily="34" charset="0"/>
+                </a:rPr>
+                <a:t>Esta acción requiere permisos de administrador</a:t>
+              </a:r>
+              <a:endParaRPr lang="es-AR" sz="2800" dirty="0">
+                <a:latin typeface="Century Gothic" pitchFamily="34" charset="0"/>
+              </a:endParaRPr>
+            </a:p>
+          </p:txBody>
+        </p:sp>
+        <p:sp>
+          <p:nvSpPr>
+            <p:cNvPr id="25" name="Rectángulo redondeado 4"/>
+            <p:cNvSpPr/>
+            <p:nvPr/>
+          </p:nvSpPr>
+          <p:spPr>
+            <a:xfrm>
+              <a:off x="4296161" y="3009168"/>
+              <a:ext cx="4211049" cy="450537"/>
+            </a:xfrm>
+            <a:prstGeom prst="roundRect">
+              <a:avLst/>
+            </a:prstGeom>
+            <a:solidFill>
+              <a:schemeClr val="tx1">
+                <a:alpha val="22000"/>
+              </a:schemeClr>
+            </a:solidFill>
+            <a:ln>
+              <a:noFill/>
+            </a:ln>
+          </p:spPr>
+          <p:style>
+            <a:lnRef idx="2">
+              <a:schemeClr val="accent1">
+                <a:shade val="50000"/>
+              </a:schemeClr>
+            </a:lnRef>
+            <a:fillRef idx="1">
+              <a:schemeClr val="accent1"/>
+            </a:fillRef>
+            <a:effectRef idx="0">
+              <a:schemeClr val="accent1"/>
+            </a:effectRef>
+            <a:fontRef idx="minor">
+              <a:schemeClr val="lt1"/>
+            </a:fontRef>
+          </p:style>
+          <p:txBody>
+            <a:bodyPr rtlCol="0" anchor="ctr"/>
+            <a:lstStyle/>
+            <a:p>
+              <a:pPr algn="r"/>
+              <a:endParaRPr lang="es-ES" dirty="0"/>
+            </a:p>
+          </p:txBody>
+        </p:sp>
+        <p:sp>
+          <p:nvSpPr>
+            <p:cNvPr id="3" name="2 CuadroTexto"/>
+            <p:cNvSpPr txBox="1"/>
+            <p:nvPr/>
+          </p:nvSpPr>
+          <p:spPr>
+            <a:xfrm>
+              <a:off x="6308098" y="3595895"/>
+              <a:ext cx="306494" cy="369332"/>
+            </a:xfrm>
+            <a:prstGeom prst="rect">
+              <a:avLst/>
+            </a:prstGeom>
+            <a:noFill/>
+          </p:spPr>
+          <p:txBody>
+            <a:bodyPr wrap="none" rtlCol="0">
+              <a:spAutoFit/>
+            </a:bodyPr>
+            <a:lstStyle/>
+            <a:p>
+              <a:r>
+                <a:rPr lang="es-AR" dirty="0" smtClean="0"/>
+                <a:t>o</a:t>
+              </a:r>
+              <a:endParaRPr lang="es-AR" dirty="0"/>
+            </a:p>
+          </p:txBody>
+        </p:sp>
+        <p:pic>
+          <p:nvPicPr>
+            <p:cNvPr id="27" name="Picture 2" descr="Resultado de imagen para Codigo de barras png"/>
+            <p:cNvPicPr>
+              <a:picLocks noChangeAspect="1" noChangeArrowheads="1"/>
+            </p:cNvPicPr>
+            <p:nvPr/>
+          </p:nvPicPr>
+          <p:blipFill>
+            <a:blip r:embed="rId3" cstate="print">
+              <a:extLst>
+                <a:ext uri="{28A0092B-C50C-407E-A947-70E740481C1C}">
+                  <a14:useLocalDpi xmlns:a14="http://schemas.microsoft.com/office/drawing/2010/main" val="0"/>
+                </a:ext>
+              </a:extLst>
+            </a:blip>
+            <a:srcRect/>
+            <a:stretch>
+              <a:fillRect/>
+            </a:stretch>
+          </p:blipFill>
+          <p:spPr bwMode="auto">
+            <a:xfrm>
+              <a:off x="5048314" y="4334559"/>
+              <a:ext cx="2871017" cy="1377144"/>
+            </a:xfrm>
+            <a:prstGeom prst="rect">
+              <a:avLst/>
+            </a:prstGeom>
+            <a:noFill/>
+            <a:extLst>
+              <a:ext uri="{909E8E84-426E-40DD-AFC4-6F175D3DCCD1}">
+                <a14:hiddenFill xmlns:a14="http://schemas.microsoft.com/office/drawing/2010/main">
+                  <a:solidFill>
+                    <a:srgbClr val="FFFFFF"/>
+                  </a:solidFill>
+                </a14:hiddenFill>
+              </a:ext>
+            </a:extLst>
+          </p:spPr>
+        </p:pic>
+      </p:grpSp>
     </p:spTree>
     <p:extLst>
       <p:ext uri="{BB962C8B-B14F-4D97-AF65-F5344CB8AC3E}">
-        <p14:creationId xmlns:p14="http://schemas.microsoft.com/office/powerpoint/2010/main" val="1850193752"/>
+        <p14:creationId xmlns:p14="http://schemas.microsoft.com/office/powerpoint/2010/main" val="3877697448"/>
       </p:ext>
     </p:extLst>
   </p:cSld>
   <p:clrMapOvr>
     <a:masterClrMapping/>
   </p:clrMapOvr>
+  <mc:AlternateContent xmlns:mc="http://schemas.openxmlformats.org/markup-compatibility/2006">
+    <mc:Choice xmlns:p14="http://schemas.microsoft.com/office/powerpoint/2010/main" Requires="p14">
+      <p:transition spd="med" p14:dur="700">
+        <p:fade/>
+      </p:transition>
+    </mc:Choice>
+    <mc:Fallback>
+      <p:transition spd="med">
+        <p:fade/>
+      </p:transition>
+    </mc:Fallback>
+  </mc:AlternateContent>
   <p:timing>
     <p:tnLst>
       <p:par>
@@ -6825,44 +7290,284 @@
           <a:chExt cx="0" cy="0"/>
         </a:xfrm>
       </p:grpSpPr>
-      <p:sp>
-        <p:nvSpPr>
-          <p:cNvPr id="2" name="Título 1"/>
-          <p:cNvSpPr>
-            <a:spLocks noGrp="1"/>
-          </p:cNvSpPr>
-          <p:nvPr>
-            <p:ph type="title"/>
-          </p:nvPr>
-        </p:nvSpPr>
-        <p:spPr/>
-        <p:txBody>
-          <a:bodyPr/>
-          <a:lstStyle/>
-          <a:p>
-            <a:endParaRPr lang="es-ES"/>
-          </a:p>
-        </p:txBody>
-      </p:sp>
-      <p:sp>
-        <p:nvSpPr>
-          <p:cNvPr id="3" name="Marcador de contenido 2"/>
-          <p:cNvSpPr>
-            <a:spLocks noGrp="1"/>
-          </p:cNvSpPr>
-          <p:nvPr>
-            <p:ph idx="1"/>
-          </p:nvPr>
-        </p:nvSpPr>
-        <p:spPr/>
-        <p:txBody>
-          <a:bodyPr/>
-          <a:lstStyle/>
-          <a:p>
-            <a:endParaRPr lang="es-ES"/>
-          </a:p>
-        </p:txBody>
-      </p:sp>
+      <p:grpSp>
+        <p:nvGrpSpPr>
+          <p:cNvPr id="16" name="15 Grupo"/>
+          <p:cNvGrpSpPr/>
+          <p:nvPr/>
+        </p:nvGrpSpPr>
+        <p:grpSpPr>
+          <a:xfrm>
+            <a:off x="2555446" y="984256"/>
+            <a:ext cx="7128187" cy="4302177"/>
+            <a:chOff x="2327029" y="914400"/>
+            <a:chExt cx="7128187" cy="4302177"/>
+          </a:xfrm>
+        </p:grpSpPr>
+        <p:pic>
+          <p:nvPicPr>
+            <p:cNvPr id="4" name="Imagen 1028"/>
+            <p:cNvPicPr>
+              <a:picLocks noChangeAspect="1"/>
+            </p:cNvPicPr>
+            <p:nvPr/>
+          </p:nvPicPr>
+          <p:blipFill>
+            <a:blip r:embed="rId2">
+              <a:extLst>
+                <a:ext uri="{28A0092B-C50C-407E-A947-70E740481C1C}">
+                  <a14:useLocalDpi xmlns:a14="http://schemas.microsoft.com/office/drawing/2010/main" val="0"/>
+                </a:ext>
+              </a:extLst>
+            </a:blip>
+            <a:stretch>
+              <a:fillRect/>
+            </a:stretch>
+          </p:blipFill>
+          <p:spPr>
+            <a:xfrm>
+              <a:off x="2641095" y="2741383"/>
+              <a:ext cx="2078356" cy="2078356"/>
+            </a:xfrm>
+            <a:prstGeom prst="rect">
+              <a:avLst/>
+            </a:prstGeom>
+          </p:spPr>
+        </p:pic>
+        <p:sp>
+          <p:nvSpPr>
+            <p:cNvPr id="5" name="Rectángulo 1035"/>
+            <p:cNvSpPr/>
+            <p:nvPr/>
+          </p:nvSpPr>
+          <p:spPr>
+            <a:xfrm>
+              <a:off x="2327029" y="914400"/>
+              <a:ext cx="7128187" cy="4302177"/>
+            </a:xfrm>
+            <a:prstGeom prst="rect">
+              <a:avLst/>
+            </a:prstGeom>
+            <a:noFill/>
+            <a:ln>
+              <a:solidFill>
+                <a:schemeClr val="tx1"/>
+              </a:solidFill>
+            </a:ln>
+          </p:spPr>
+          <p:style>
+            <a:lnRef idx="2">
+              <a:schemeClr val="accent1">
+                <a:shade val="50000"/>
+              </a:schemeClr>
+            </a:lnRef>
+            <a:fillRef idx="1">
+              <a:schemeClr val="accent1"/>
+            </a:fillRef>
+            <a:effectRef idx="0">
+              <a:schemeClr val="accent1"/>
+            </a:effectRef>
+            <a:fontRef idx="minor">
+              <a:schemeClr val="lt1"/>
+            </a:fontRef>
+          </p:style>
+          <p:txBody>
+            <a:bodyPr rtlCol="0" anchor="ctr"/>
+            <a:lstStyle/>
+            <a:p>
+              <a:pPr algn="ctr"/>
+              <a:endParaRPr lang="es-ES"/>
+            </a:p>
+          </p:txBody>
+        </p:sp>
+        <p:sp>
+          <p:nvSpPr>
+            <p:cNvPr id="8" name="7 CuadroTexto"/>
+            <p:cNvSpPr txBox="1"/>
+            <p:nvPr/>
+          </p:nvSpPr>
+          <p:spPr>
+            <a:xfrm>
+              <a:off x="2783864" y="1357439"/>
+              <a:ext cx="6671352" cy="954107"/>
+            </a:xfrm>
+            <a:prstGeom prst="rect">
+              <a:avLst/>
+            </a:prstGeom>
+            <a:noFill/>
+          </p:spPr>
+          <p:txBody>
+            <a:bodyPr wrap="square" rtlCol="0">
+              <a:spAutoFit/>
+            </a:bodyPr>
+            <a:lstStyle/>
+            <a:p>
+              <a:pPr algn="ctr"/>
+              <a:r>
+                <a:rPr lang="es-AR" sz="2800" dirty="0" smtClean="0">
+                  <a:latin typeface="Century Gothic" pitchFamily="34" charset="0"/>
+                </a:rPr>
+                <a:t>Usted está accediendo al área de eliminación de empleados</a:t>
+              </a:r>
+              <a:endParaRPr lang="es-AR" sz="2800" dirty="0">
+                <a:latin typeface="Century Gothic" pitchFamily="34" charset="0"/>
+              </a:endParaRPr>
+            </a:p>
+          </p:txBody>
+        </p:sp>
+        <p:sp>
+          <p:nvSpPr>
+            <p:cNvPr id="12" name="CuadroTexto 16"/>
+            <p:cNvSpPr txBox="1"/>
+            <p:nvPr/>
+          </p:nvSpPr>
+          <p:spPr>
+            <a:xfrm>
+              <a:off x="6499764" y="3090375"/>
+              <a:ext cx="916598" cy="369332"/>
+            </a:xfrm>
+            <a:prstGeom prst="rect">
+              <a:avLst/>
+            </a:prstGeom>
+            <a:noFill/>
+          </p:spPr>
+          <p:txBody>
+            <a:bodyPr wrap="none" rtlCol="0">
+              <a:spAutoFit/>
+            </a:bodyPr>
+            <a:lstStyle/>
+            <a:p>
+              <a:r>
+                <a:rPr lang="es-ES" dirty="0" smtClean="0"/>
+                <a:t>Aceptar</a:t>
+              </a:r>
+              <a:endParaRPr lang="es-ES" dirty="0"/>
+            </a:p>
+          </p:txBody>
+        </p:sp>
+        <p:sp>
+          <p:nvSpPr>
+            <p:cNvPr id="13" name="Rectángulo redondeado 17"/>
+            <p:cNvSpPr/>
+            <p:nvPr/>
+          </p:nvSpPr>
+          <p:spPr>
+            <a:xfrm>
+              <a:off x="5313885" y="3062194"/>
+              <a:ext cx="3176789" cy="425694"/>
+            </a:xfrm>
+            <a:prstGeom prst="roundRect">
+              <a:avLst/>
+            </a:prstGeom>
+            <a:noFill/>
+            <a:ln>
+              <a:solidFill>
+                <a:schemeClr val="tx1"/>
+              </a:solidFill>
+            </a:ln>
+          </p:spPr>
+          <p:style>
+            <a:lnRef idx="2">
+              <a:schemeClr val="accent1">
+                <a:shade val="50000"/>
+              </a:schemeClr>
+            </a:lnRef>
+            <a:fillRef idx="1">
+              <a:schemeClr val="accent1"/>
+            </a:fillRef>
+            <a:effectRef idx="0">
+              <a:schemeClr val="accent1"/>
+            </a:effectRef>
+            <a:fontRef idx="minor">
+              <a:schemeClr val="lt1"/>
+            </a:fontRef>
+          </p:style>
+          <p:txBody>
+            <a:bodyPr rtlCol="0" anchor="ctr"/>
+            <a:lstStyle/>
+            <a:p>
+              <a:pPr algn="r"/>
+              <a:endParaRPr lang="es-ES" dirty="0"/>
+            </a:p>
+          </p:txBody>
+        </p:sp>
+        <p:sp>
+          <p:nvSpPr>
+            <p:cNvPr id="14" name="CuadroTexto 16"/>
+            <p:cNvSpPr txBox="1"/>
+            <p:nvPr/>
+          </p:nvSpPr>
+          <p:spPr>
+            <a:xfrm>
+              <a:off x="6499763" y="3836923"/>
+              <a:ext cx="997389" cy="369332"/>
+            </a:xfrm>
+            <a:prstGeom prst="rect">
+              <a:avLst/>
+            </a:prstGeom>
+            <a:noFill/>
+          </p:spPr>
+          <p:txBody>
+            <a:bodyPr wrap="none" rtlCol="0">
+              <a:spAutoFit/>
+            </a:bodyPr>
+            <a:lstStyle/>
+            <a:p>
+              <a:r>
+                <a:rPr lang="es-ES" dirty="0" smtClean="0"/>
+                <a:t>Cancelar</a:t>
+              </a:r>
+              <a:endParaRPr lang="es-ES" dirty="0"/>
+            </a:p>
+          </p:txBody>
+        </p:sp>
+        <p:sp>
+          <p:nvSpPr>
+            <p:cNvPr id="15" name="Rectángulo redondeado 17"/>
+            <p:cNvSpPr/>
+            <p:nvPr/>
+          </p:nvSpPr>
+          <p:spPr>
+            <a:xfrm>
+              <a:off x="5313884" y="3808742"/>
+              <a:ext cx="3176789" cy="425694"/>
+            </a:xfrm>
+            <a:prstGeom prst="roundRect">
+              <a:avLst/>
+            </a:prstGeom>
+            <a:noFill/>
+            <a:ln>
+              <a:solidFill>
+                <a:schemeClr val="tx1"/>
+              </a:solidFill>
+            </a:ln>
+          </p:spPr>
+          <p:style>
+            <a:lnRef idx="2">
+              <a:schemeClr val="accent1">
+                <a:shade val="50000"/>
+              </a:schemeClr>
+            </a:lnRef>
+            <a:fillRef idx="1">
+              <a:schemeClr val="accent1"/>
+            </a:fillRef>
+            <a:effectRef idx="0">
+              <a:schemeClr val="accent1"/>
+            </a:effectRef>
+            <a:fontRef idx="minor">
+              <a:schemeClr val="lt1"/>
+            </a:fontRef>
+          </p:style>
+          <p:txBody>
+            <a:bodyPr rtlCol="0" anchor="ctr"/>
+            <a:lstStyle/>
+            <a:p>
+              <a:pPr algn="r"/>
+              <a:endParaRPr lang="es-ES" dirty="0"/>
+            </a:p>
+          </p:txBody>
+        </p:sp>
+      </p:grpSp>
     </p:spTree>
     <p:extLst>
       <p:ext uri="{BB962C8B-B14F-4D97-AF65-F5344CB8AC3E}">
@@ -6873,6 +7578,18 @@
   <p:clrMapOvr>
     <a:masterClrMapping/>
   </p:clrMapOvr>
+  <mc:AlternateContent xmlns:mc="http://schemas.openxmlformats.org/markup-compatibility/2006">
+    <mc:Choice xmlns:p14="http://schemas.microsoft.com/office/powerpoint/2010/main" Requires="p14">
+      <p:transition spd="med" p14:dur="700">
+        <p:fade/>
+      </p:transition>
+    </mc:Choice>
+    <mc:Fallback>
+      <p:transition spd="med">
+        <p:fade/>
+      </p:transition>
+    </mc:Fallback>
+  </mc:AlternateContent>
   <p:timing>
     <p:tnLst>
       <p:par>
@@ -6948,6 +7665,18 @@
   <p:clrMapOvr>
     <a:masterClrMapping/>
   </p:clrMapOvr>
+  <mc:AlternateContent xmlns:mc="http://schemas.openxmlformats.org/markup-compatibility/2006">
+    <mc:Choice xmlns:p14="http://schemas.microsoft.com/office/powerpoint/2010/main" Requires="p14">
+      <p:transition spd="med" p14:dur="700">
+        <p:fade/>
+      </p:transition>
+    </mc:Choice>
+    <mc:Fallback>
+      <p:transition spd="med">
+        <p:fade/>
+      </p:transition>
+    </mc:Fallback>
+  </mc:AlternateContent>
 </p:sld>
 </file>
 
@@ -7016,6 +7745,18 @@
   <p:clrMapOvr>
     <a:masterClrMapping/>
   </p:clrMapOvr>
+  <mc:AlternateContent xmlns:mc="http://schemas.openxmlformats.org/markup-compatibility/2006">
+    <mc:Choice xmlns:p14="http://schemas.microsoft.com/office/powerpoint/2010/main" Requires="p14">
+      <p:transition spd="med" p14:dur="700">
+        <p:fade/>
+      </p:transition>
+    </mc:Choice>
+    <mc:Fallback>
+      <p:transition spd="med">
+        <p:fade/>
+      </p:transition>
+    </mc:Fallback>
+  </mc:AlternateContent>
 </p:sld>
 </file>
 
@@ -7084,6 +7825,18 @@
   <p:clrMapOvr>
     <a:masterClrMapping/>
   </p:clrMapOvr>
+  <mc:AlternateContent xmlns:mc="http://schemas.openxmlformats.org/markup-compatibility/2006">
+    <mc:Choice xmlns:p14="http://schemas.microsoft.com/office/powerpoint/2010/main" Requires="p14">
+      <p:transition spd="med" p14:dur="700">
+        <p:fade/>
+      </p:transition>
+    </mc:Choice>
+    <mc:Fallback>
+      <p:transition spd="med">
+        <p:fade/>
+      </p:transition>
+    </mc:Fallback>
+  </mc:AlternateContent>
 </p:sld>
 </file>
 
@@ -7130,7 +7883,7 @@
     </a:clrScheme>
     <a:fontScheme name="Office">
       <a:majorFont>
-        <a:latin typeface="Calibri Light" panose="020F0302020204030204"/>
+        <a:latin typeface="Calibri Light"/>
         <a:ea typeface=""/>
         <a:cs typeface=""/>
         <a:font script="Jpan" typeface="ＭＳ Ｐゴシック"/>
@@ -7165,7 +7918,7 @@
         <a:font script="Geor" typeface="Sylfaen"/>
       </a:majorFont>
       <a:minorFont>
-        <a:latin typeface="Calibri" panose="020F0502020204030204"/>
+        <a:latin typeface="Calibri"/>
         <a:ea typeface=""/>
         <a:cs typeface=""/>
         <a:font script="Jpan" typeface="ＭＳ Ｐゴシック"/>
@@ -7342,7 +8095,7 @@
   <a:extraClrSchemeLst/>
   <a:extLst>
     <a:ext uri="{05A4C25C-085E-4340-85A3-A5531E510DB2}">
-      <thm15:themeFamily xmlns:thm15="http://schemas.microsoft.com/office/thememl/2012/main" name="Office Theme" id="{62F939B6-93AF-4DB8-9C6B-D6C7DFDC589F}" vid="{4A3C46E8-61CC-4603-A589-7422A47A8E4A}"/>
+      <thm15:themeFamily xmlns:thm15="http://schemas.microsoft.com/office/thememl/2012/main" xmlns="" name="Office Theme" id="{62F939B6-93AF-4DB8-9C6B-D6C7DFDC589F}" vid="{4A3C46E8-61CC-4603-A589-7422A47A8E4A}"/>
     </a:ext>
   </a:extLst>
 </a:theme>

--- a/MAQUETA.pptx
+++ b/MAQUETA.pptx
@@ -5,14 +5,15 @@
     <p:sldMasterId id="2147483648" r:id="rId1"/>
   </p:sldMasterIdLst>
   <p:sldIdLst>
-    <p:sldId id="256" r:id="rId2"/>
-    <p:sldId id="264" r:id="rId3"/>
-    <p:sldId id="260" r:id="rId4"/>
+    <p:sldId id="263" r:id="rId2"/>
+    <p:sldId id="256" r:id="rId3"/>
+    <p:sldId id="264" r:id="rId4"/>
     <p:sldId id="265" r:id="rId5"/>
     <p:sldId id="262" r:id="rId6"/>
-    <p:sldId id="263" r:id="rId7"/>
-    <p:sldId id="257" r:id="rId8"/>
-    <p:sldId id="258" r:id="rId9"/>
+    <p:sldId id="257" r:id="rId7"/>
+    <p:sldId id="260" r:id="rId8"/>
+    <p:sldId id="266" r:id="rId9"/>
+    <p:sldId id="258" r:id="rId10"/>
   </p:sldIdLst>
   <p:sldSz cx="12192000" cy="6858000"/>
   <p:notesSz cx="6858000" cy="9144000"/>
@@ -111,6 +112,22 @@
       </a:defRPr>
     </a:lvl9pPr>
   </p:defaultTextStyle>
+  <p:extLst>
+    <p:ext uri="{EFAFB233-063F-42B5-8137-9DF3F51BA10A}">
+      <p15:sldGuideLst xmlns:p15="http://schemas.microsoft.com/office/powerpoint/2012/main">
+        <p15:guide id="1" orient="horz" pos="2160">
+          <p15:clr>
+            <a:srgbClr val="A4A3A4"/>
+          </p15:clr>
+        </p15:guide>
+        <p15:guide id="2" pos="3840">
+          <p15:clr>
+            <a:srgbClr val="A4A3A4"/>
+          </p15:clr>
+        </p15:guide>
+      </p15:sldGuideLst>
+    </p:ext>
+  </p:extLst>
 </p:presentation>
 </file>
 
@@ -245,7 +262,7 @@
           <a:p>
             <a:fld id="{5403F854-43D2-4A0C-BD4F-F565DCE2BE7D}" type="datetimeFigureOut">
               <a:rPr lang="es-ES" smtClean="0"/>
-              <a:t>14/08/2019</a:t>
+              <a:t>21/08/2019</a:t>
             </a:fld>
             <a:endParaRPr lang="es-ES"/>
           </a:p>
@@ -303,13 +320,13 @@
   <p:clrMapOvr>
     <a:masterClrMapping/>
   </p:clrMapOvr>
-  <mc:AlternateContent xmlns:mc="http://schemas.openxmlformats.org/markup-compatibility/2006">
-    <mc:Choice xmlns:p14="http://schemas.microsoft.com/office/powerpoint/2010/main" Requires="p14">
+  <mc:AlternateContent xmlns:mc="http://schemas.openxmlformats.org/markup-compatibility/2006" xmlns:p14="http://schemas.microsoft.com/office/powerpoint/2010/main">
+    <mc:Choice Requires="p14">
       <p:transition spd="med" p14:dur="700">
         <p:fade/>
       </p:transition>
     </mc:Choice>
-    <mc:Fallback>
+    <mc:Fallback xmlns="">
       <p:transition spd="med">
         <p:fade/>
       </p:transition>
@@ -427,7 +444,7 @@
           <a:p>
             <a:fld id="{5403F854-43D2-4A0C-BD4F-F565DCE2BE7D}" type="datetimeFigureOut">
               <a:rPr lang="es-ES" smtClean="0"/>
-              <a:t>14/08/2019</a:t>
+              <a:t>21/08/2019</a:t>
             </a:fld>
             <a:endParaRPr lang="es-ES"/>
           </a:p>
@@ -485,13 +502,13 @@
   <p:clrMapOvr>
     <a:masterClrMapping/>
   </p:clrMapOvr>
-  <mc:AlternateContent xmlns:mc="http://schemas.openxmlformats.org/markup-compatibility/2006">
-    <mc:Choice xmlns:p14="http://schemas.microsoft.com/office/powerpoint/2010/main" Requires="p14">
+  <mc:AlternateContent xmlns:mc="http://schemas.openxmlformats.org/markup-compatibility/2006" xmlns:p14="http://schemas.microsoft.com/office/powerpoint/2010/main">
+    <mc:Choice Requires="p14">
       <p:transition spd="med" p14:dur="700">
         <p:fade/>
       </p:transition>
     </mc:Choice>
-    <mc:Fallback>
+    <mc:Fallback xmlns="">
       <p:transition spd="med">
         <p:fade/>
       </p:transition>
@@ -619,7 +636,7 @@
           <a:p>
             <a:fld id="{5403F854-43D2-4A0C-BD4F-F565DCE2BE7D}" type="datetimeFigureOut">
               <a:rPr lang="es-ES" smtClean="0"/>
-              <a:t>14/08/2019</a:t>
+              <a:t>21/08/2019</a:t>
             </a:fld>
             <a:endParaRPr lang="es-ES"/>
           </a:p>
@@ -677,13 +694,13 @@
   <p:clrMapOvr>
     <a:masterClrMapping/>
   </p:clrMapOvr>
-  <mc:AlternateContent xmlns:mc="http://schemas.openxmlformats.org/markup-compatibility/2006">
-    <mc:Choice xmlns:p14="http://schemas.microsoft.com/office/powerpoint/2010/main" Requires="p14">
+  <mc:AlternateContent xmlns:mc="http://schemas.openxmlformats.org/markup-compatibility/2006" xmlns:p14="http://schemas.microsoft.com/office/powerpoint/2010/main">
+    <mc:Choice Requires="p14">
       <p:transition spd="med" p14:dur="700">
         <p:fade/>
       </p:transition>
     </mc:Choice>
-    <mc:Fallback>
+    <mc:Fallback xmlns="">
       <p:transition spd="med">
         <p:fade/>
       </p:transition>
@@ -801,7 +818,7 @@
           <a:p>
             <a:fld id="{5403F854-43D2-4A0C-BD4F-F565DCE2BE7D}" type="datetimeFigureOut">
               <a:rPr lang="es-ES" smtClean="0"/>
-              <a:t>14/08/2019</a:t>
+              <a:t>21/08/2019</a:t>
             </a:fld>
             <a:endParaRPr lang="es-ES"/>
           </a:p>
@@ -859,13 +876,13 @@
   <p:clrMapOvr>
     <a:masterClrMapping/>
   </p:clrMapOvr>
-  <mc:AlternateContent xmlns:mc="http://schemas.openxmlformats.org/markup-compatibility/2006">
-    <mc:Choice xmlns:p14="http://schemas.microsoft.com/office/powerpoint/2010/main" Requires="p14">
+  <mc:AlternateContent xmlns:mc="http://schemas.openxmlformats.org/markup-compatibility/2006" xmlns:p14="http://schemas.microsoft.com/office/powerpoint/2010/main">
+    <mc:Choice Requires="p14">
       <p:transition spd="med" p14:dur="700">
         <p:fade/>
       </p:transition>
     </mc:Choice>
-    <mc:Fallback>
+    <mc:Fallback xmlns="">
       <p:transition spd="med">
         <p:fade/>
       </p:transition>
@@ -1059,7 +1076,7 @@
           <a:p>
             <a:fld id="{5403F854-43D2-4A0C-BD4F-F565DCE2BE7D}" type="datetimeFigureOut">
               <a:rPr lang="es-ES" smtClean="0"/>
-              <a:t>14/08/2019</a:t>
+              <a:t>21/08/2019</a:t>
             </a:fld>
             <a:endParaRPr lang="es-ES"/>
           </a:p>
@@ -1117,13 +1134,13 @@
   <p:clrMapOvr>
     <a:masterClrMapping/>
   </p:clrMapOvr>
-  <mc:AlternateContent xmlns:mc="http://schemas.openxmlformats.org/markup-compatibility/2006">
-    <mc:Choice xmlns:p14="http://schemas.microsoft.com/office/powerpoint/2010/main" Requires="p14">
+  <mc:AlternateContent xmlns:mc="http://schemas.openxmlformats.org/markup-compatibility/2006" xmlns:p14="http://schemas.microsoft.com/office/powerpoint/2010/main">
+    <mc:Choice Requires="p14">
       <p:transition spd="med" p14:dur="700">
         <p:fade/>
       </p:transition>
     </mc:Choice>
-    <mc:Fallback>
+    <mc:Fallback xmlns="">
       <p:transition spd="med">
         <p:fade/>
       </p:transition>
@@ -1303,7 +1320,7 @@
           <a:p>
             <a:fld id="{5403F854-43D2-4A0C-BD4F-F565DCE2BE7D}" type="datetimeFigureOut">
               <a:rPr lang="es-ES" smtClean="0"/>
-              <a:t>14/08/2019</a:t>
+              <a:t>21/08/2019</a:t>
             </a:fld>
             <a:endParaRPr lang="es-ES"/>
           </a:p>
@@ -1361,13 +1378,13 @@
   <p:clrMapOvr>
     <a:masterClrMapping/>
   </p:clrMapOvr>
-  <mc:AlternateContent xmlns:mc="http://schemas.openxmlformats.org/markup-compatibility/2006">
-    <mc:Choice xmlns:p14="http://schemas.microsoft.com/office/powerpoint/2010/main" Requires="p14">
+  <mc:AlternateContent xmlns:mc="http://schemas.openxmlformats.org/markup-compatibility/2006" xmlns:p14="http://schemas.microsoft.com/office/powerpoint/2010/main">
+    <mc:Choice Requires="p14">
       <p:transition spd="med" p14:dur="700">
         <p:fade/>
       </p:transition>
     </mc:Choice>
-    <mc:Fallback>
+    <mc:Fallback xmlns="">
       <p:transition spd="med">
         <p:fade/>
       </p:transition>
@@ -1682,7 +1699,7 @@
           <a:p>
             <a:fld id="{5403F854-43D2-4A0C-BD4F-F565DCE2BE7D}" type="datetimeFigureOut">
               <a:rPr lang="es-ES" smtClean="0"/>
-              <a:t>14/08/2019</a:t>
+              <a:t>21/08/2019</a:t>
             </a:fld>
             <a:endParaRPr lang="es-ES"/>
           </a:p>
@@ -1740,13 +1757,13 @@
   <p:clrMapOvr>
     <a:masterClrMapping/>
   </p:clrMapOvr>
-  <mc:AlternateContent xmlns:mc="http://schemas.openxmlformats.org/markup-compatibility/2006">
-    <mc:Choice xmlns:p14="http://schemas.microsoft.com/office/powerpoint/2010/main" Requires="p14">
+  <mc:AlternateContent xmlns:mc="http://schemas.openxmlformats.org/markup-compatibility/2006" xmlns:p14="http://schemas.microsoft.com/office/powerpoint/2010/main">
+    <mc:Choice Requires="p14">
       <p:transition spd="med" p14:dur="700">
         <p:fade/>
       </p:transition>
     </mc:Choice>
-    <mc:Fallback>
+    <mc:Fallback xmlns="">
       <p:transition spd="med">
         <p:fade/>
       </p:transition>
@@ -1812,7 +1829,7 @@
           <a:p>
             <a:fld id="{5403F854-43D2-4A0C-BD4F-F565DCE2BE7D}" type="datetimeFigureOut">
               <a:rPr lang="es-ES" smtClean="0"/>
-              <a:t>14/08/2019</a:t>
+              <a:t>21/08/2019</a:t>
             </a:fld>
             <a:endParaRPr lang="es-ES"/>
           </a:p>
@@ -1870,13 +1887,13 @@
   <p:clrMapOvr>
     <a:masterClrMapping/>
   </p:clrMapOvr>
-  <mc:AlternateContent xmlns:mc="http://schemas.openxmlformats.org/markup-compatibility/2006">
-    <mc:Choice xmlns:p14="http://schemas.microsoft.com/office/powerpoint/2010/main" Requires="p14">
+  <mc:AlternateContent xmlns:mc="http://schemas.openxmlformats.org/markup-compatibility/2006" xmlns:p14="http://schemas.microsoft.com/office/powerpoint/2010/main">
+    <mc:Choice Requires="p14">
       <p:transition spd="med" p14:dur="700">
         <p:fade/>
       </p:transition>
     </mc:Choice>
-    <mc:Fallback>
+    <mc:Fallback xmlns="">
       <p:transition spd="med">
         <p:fade/>
       </p:transition>
@@ -1919,7 +1936,7 @@
           <a:p>
             <a:fld id="{5403F854-43D2-4A0C-BD4F-F565DCE2BE7D}" type="datetimeFigureOut">
               <a:rPr lang="es-ES" smtClean="0"/>
-              <a:t>14/08/2019</a:t>
+              <a:t>21/08/2019</a:t>
             </a:fld>
             <a:endParaRPr lang="es-ES"/>
           </a:p>
@@ -1977,13 +1994,13 @@
   <p:clrMapOvr>
     <a:masterClrMapping/>
   </p:clrMapOvr>
-  <mc:AlternateContent xmlns:mc="http://schemas.openxmlformats.org/markup-compatibility/2006">
-    <mc:Choice xmlns:p14="http://schemas.microsoft.com/office/powerpoint/2010/main" Requires="p14">
+  <mc:AlternateContent xmlns:mc="http://schemas.openxmlformats.org/markup-compatibility/2006" xmlns:p14="http://schemas.microsoft.com/office/powerpoint/2010/main">
+    <mc:Choice Requires="p14">
       <p:transition spd="med" p14:dur="700">
         <p:fade/>
       </p:transition>
     </mc:Choice>
-    <mc:Fallback>
+    <mc:Fallback xmlns="">
       <p:transition spd="med">
         <p:fade/>
       </p:transition>
@@ -2208,7 +2225,7 @@
           <a:p>
             <a:fld id="{5403F854-43D2-4A0C-BD4F-F565DCE2BE7D}" type="datetimeFigureOut">
               <a:rPr lang="es-ES" smtClean="0"/>
-              <a:t>14/08/2019</a:t>
+              <a:t>21/08/2019</a:t>
             </a:fld>
             <a:endParaRPr lang="es-ES"/>
           </a:p>
@@ -2266,13 +2283,13 @@
   <p:clrMapOvr>
     <a:masterClrMapping/>
   </p:clrMapOvr>
-  <mc:AlternateContent xmlns:mc="http://schemas.openxmlformats.org/markup-compatibility/2006">
-    <mc:Choice xmlns:p14="http://schemas.microsoft.com/office/powerpoint/2010/main" Requires="p14">
+  <mc:AlternateContent xmlns:mc="http://schemas.openxmlformats.org/markup-compatibility/2006" xmlns:p14="http://schemas.microsoft.com/office/powerpoint/2010/main">
+    <mc:Choice Requires="p14">
       <p:transition spd="med" p14:dur="700">
         <p:fade/>
       </p:transition>
     </mc:Choice>
-    <mc:Fallback>
+    <mc:Fallback xmlns="">
       <p:transition spd="med">
         <p:fade/>
       </p:transition>
@@ -2473,7 +2490,7 @@
           <a:p>
             <a:fld id="{5403F854-43D2-4A0C-BD4F-F565DCE2BE7D}" type="datetimeFigureOut">
               <a:rPr lang="es-ES" smtClean="0"/>
-              <a:t>14/08/2019</a:t>
+              <a:t>21/08/2019</a:t>
             </a:fld>
             <a:endParaRPr lang="es-ES"/>
           </a:p>
@@ -2531,13 +2548,13 @@
   <p:clrMapOvr>
     <a:masterClrMapping/>
   </p:clrMapOvr>
-  <mc:AlternateContent xmlns:mc="http://schemas.openxmlformats.org/markup-compatibility/2006">
-    <mc:Choice xmlns:p14="http://schemas.microsoft.com/office/powerpoint/2010/main" Requires="p14">
+  <mc:AlternateContent xmlns:mc="http://schemas.openxmlformats.org/markup-compatibility/2006" xmlns:p14="http://schemas.microsoft.com/office/powerpoint/2010/main">
+    <mc:Choice Requires="p14">
       <p:transition spd="med" p14:dur="700">
         <p:fade/>
       </p:transition>
     </mc:Choice>
-    <mc:Fallback>
+    <mc:Fallback xmlns="">
       <p:transition spd="med">
         <p:fade/>
       </p:transition>
@@ -2698,7 +2715,7 @@
           <a:p>
             <a:fld id="{5403F854-43D2-4A0C-BD4F-F565DCE2BE7D}" type="datetimeFigureOut">
               <a:rPr lang="es-ES" smtClean="0"/>
-              <a:t>14/08/2019</a:t>
+              <a:t>21/08/2019</a:t>
             </a:fld>
             <a:endParaRPr lang="es-ES"/>
           </a:p>
@@ -2803,13 +2820,13 @@
     <p:sldLayoutId id="2147483658" r:id="rId10"/>
     <p:sldLayoutId id="2147483659" r:id="rId11"/>
   </p:sldLayoutIdLst>
-  <mc:AlternateContent xmlns:mc="http://schemas.openxmlformats.org/markup-compatibility/2006">
-    <mc:Choice xmlns:p14="http://schemas.microsoft.com/office/powerpoint/2010/main" Requires="p14">
+  <mc:AlternateContent xmlns:mc="http://schemas.openxmlformats.org/markup-compatibility/2006" xmlns:p14="http://schemas.microsoft.com/office/powerpoint/2010/main">
+    <mc:Choice Requires="p14">
       <p:transition spd="med" p14:dur="700">
         <p:fade/>
       </p:transition>
     </mc:Choice>
-    <mc:Fallback>
+    <mc:Fallback xmlns="">
       <p:transition spd="med">
         <p:fade/>
       </p:transition>
@@ -3117,59 +3134,23 @@
       </p:grpSpPr>
       <p:sp>
         <p:nvSpPr>
-          <p:cNvPr id="2" name="Título 1"/>
-          <p:cNvSpPr>
-            <a:spLocks noGrp="1"/>
-          </p:cNvSpPr>
-          <p:nvPr>
-            <p:ph type="ctrTitle"/>
-          </p:nvPr>
-        </p:nvSpPr>
-        <p:spPr>
-          <a:xfrm>
-            <a:off x="4159854" y="413801"/>
-            <a:ext cx="3995565" cy="508206"/>
-          </a:xfrm>
-        </p:spPr>
-        <p:txBody>
-          <a:bodyPr>
-            <a:noAutofit/>
-          </a:bodyPr>
-          <a:lstStyle/>
-          <a:p>
-            <a:r>
-              <a:rPr lang="es-ES" sz="2400" dirty="0" smtClean="0">
-                <a:latin typeface="Century Gothic" panose="020B0502020202020204" pitchFamily="34" charset="0"/>
-              </a:rPr>
-              <a:t>Añadir Empleados</a:t>
-            </a:r>
-            <a:endParaRPr lang="es-ES" sz="2400" dirty="0">
-              <a:latin typeface="Century Gothic" panose="020B0502020202020204" pitchFamily="34" charset="0"/>
-            </a:endParaRPr>
-          </a:p>
-        </p:txBody>
-      </p:sp>
-      <p:sp>
-        <p:nvSpPr>
-          <p:cNvPr id="5" name="Rectángulo redondeado 4"/>
+          <p:cNvPr id="6" name="Rectángulo 5"/>
           <p:cNvSpPr/>
           <p:nvPr/>
         </p:nvSpPr>
         <p:spPr>
           <a:xfrm>
-            <a:off x="5085470" y="2168722"/>
-            <a:ext cx="3176789" cy="425694"/>
-          </a:xfrm>
-          <a:prstGeom prst="roundRect">
+            <a:off x="109471" y="3437589"/>
+            <a:ext cx="3871979" cy="3013654"/>
+          </a:xfrm>
+          <a:prstGeom prst="rect">
             <a:avLst/>
           </a:prstGeom>
-          <a:solidFill>
-            <a:schemeClr val="tx1">
-              <a:alpha val="22000"/>
-            </a:schemeClr>
-          </a:solidFill>
+          <a:noFill/>
           <a:ln>
-            <a:noFill/>
+            <a:solidFill>
+              <a:schemeClr val="tx1"/>
+            </a:solidFill>
           </a:ln>
         </p:spPr>
         <p:style>
@@ -3192,146 +3173,31 @@
           <a:bodyPr rtlCol="0" anchor="ctr"/>
           <a:lstStyle/>
           <a:p>
-            <a:pPr algn="r"/>
-            <a:endParaRPr lang="es-ES" dirty="0"/>
-          </a:p>
-        </p:txBody>
-      </p:sp>
-      <p:sp>
-        <p:nvSpPr>
-          <p:cNvPr id="6" name="CuadroTexto 5"/>
-          <p:cNvSpPr txBox="1"/>
-          <p:nvPr/>
-        </p:nvSpPr>
-        <p:spPr>
-          <a:xfrm>
-            <a:off x="5059713" y="1016513"/>
-            <a:ext cx="993820" cy="338554"/>
+            <a:pPr algn="ctr"/>
+            <a:endParaRPr lang="es-ES"/>
+          </a:p>
+        </p:txBody>
+      </p:sp>
+      <p:sp>
+        <p:nvSpPr>
+          <p:cNvPr id="7" name="Rectángulo 6"/>
+          <p:cNvSpPr/>
+          <p:nvPr/>
+        </p:nvSpPr>
+        <p:spPr>
+          <a:xfrm>
+            <a:off x="109471" y="347735"/>
+            <a:ext cx="3871979" cy="3013654"/>
           </a:xfrm>
           <a:prstGeom prst="rect">
             <a:avLst/>
           </a:prstGeom>
           <a:noFill/>
-        </p:spPr>
-        <p:txBody>
-          <a:bodyPr wrap="square" rtlCol="0">
-            <a:spAutoFit/>
-          </a:bodyPr>
-          <a:lstStyle/>
-          <a:p>
-            <a:r>
-              <a:rPr lang="es-ES" sz="1600" dirty="0" smtClean="0"/>
-              <a:t>Nombre</a:t>
-            </a:r>
-            <a:endParaRPr lang="es-ES" sz="1600" dirty="0"/>
-          </a:p>
-        </p:txBody>
-      </p:sp>
-      <p:sp>
-        <p:nvSpPr>
-          <p:cNvPr id="7" name="CuadroTexto 6"/>
-          <p:cNvSpPr txBox="1"/>
-          <p:nvPr/>
-        </p:nvSpPr>
-        <p:spPr>
-          <a:xfrm>
-            <a:off x="5059713" y="1866194"/>
-            <a:ext cx="1427408" cy="338554"/>
-          </a:xfrm>
-          <a:prstGeom prst="rect">
-            <a:avLst/>
-          </a:prstGeom>
-          <a:noFill/>
-        </p:spPr>
-        <p:txBody>
-          <a:bodyPr wrap="square" rtlCol="0">
-            <a:spAutoFit/>
-          </a:bodyPr>
-          <a:lstStyle/>
-          <a:p>
-            <a:r>
-              <a:rPr lang="es-ES" sz="1600" dirty="0" smtClean="0"/>
-              <a:t>Apellido</a:t>
-            </a:r>
-            <a:endParaRPr lang="es-ES" sz="1600" dirty="0"/>
-          </a:p>
-        </p:txBody>
-      </p:sp>
-      <p:pic>
-        <p:nvPicPr>
-          <p:cNvPr id="8" name="Imagen 7"/>
-          <p:cNvPicPr>
-            <a:picLocks noChangeAspect="1"/>
-          </p:cNvPicPr>
-          <p:nvPr/>
-        </p:nvPicPr>
-        <p:blipFill>
-          <a:blip r:embed="rId2" cstate="print">
-            <a:extLst>
-              <a:ext uri="{28A0092B-C50C-407E-A947-70E740481C1C}">
-                <a14:useLocalDpi xmlns:a14="http://schemas.microsoft.com/office/drawing/2010/main" val="0"/>
-              </a:ext>
-            </a:extLst>
-          </a:blip>
-          <a:stretch>
-            <a:fillRect/>
-          </a:stretch>
-        </p:blipFill>
-        <p:spPr>
-          <a:xfrm>
-            <a:off x="3048823" y="696253"/>
-            <a:ext cx="1824421" cy="1820858"/>
-          </a:xfrm>
-          <a:prstGeom prst="rect">
-            <a:avLst/>
-          </a:prstGeom>
-        </p:spPr>
-      </p:pic>
-      <p:cxnSp>
-        <p:nvCxnSpPr>
-          <p:cNvPr id="10" name="Conector recto 9"/>
-          <p:cNvCxnSpPr/>
-          <p:nvPr/>
-        </p:nvCxnSpPr>
-        <p:spPr>
-          <a:xfrm>
-            <a:off x="4813233" y="923409"/>
-            <a:ext cx="2656711" cy="0"/>
-          </a:xfrm>
-          <a:prstGeom prst="line">
-            <a:avLst/>
-          </a:prstGeom>
-        </p:spPr>
-        <p:style>
-          <a:lnRef idx="1">
-            <a:schemeClr val="dk1"/>
-          </a:lnRef>
-          <a:fillRef idx="0">
-            <a:schemeClr val="dk1"/>
-          </a:fillRef>
-          <a:effectRef idx="0">
-            <a:schemeClr val="dk1"/>
-          </a:effectRef>
-          <a:fontRef idx="minor">
-            <a:schemeClr val="tx1"/>
-          </a:fontRef>
-        </p:style>
-      </p:cxnSp>
-      <p:sp>
-        <p:nvSpPr>
-          <p:cNvPr id="13" name="Rectángulo 12"/>
-          <p:cNvSpPr/>
-          <p:nvPr/>
-        </p:nvSpPr>
-        <p:spPr>
-          <a:xfrm>
-            <a:off x="2902502" y="200910"/>
-            <a:ext cx="6237162" cy="6104586"/>
-          </a:xfrm>
-          <a:prstGeom prst="rect">
-            <a:avLst/>
-          </a:prstGeom>
-          <a:noFill/>
+          <a:ln>
+            <a:solidFill>
+              <a:schemeClr val="tx1"/>
+            </a:solidFill>
+          </a:ln>
         </p:spPr>
         <p:style>
           <a:lnRef idx="2">
@@ -3360,25 +3226,23 @@
       </p:sp>
       <p:sp>
         <p:nvSpPr>
-          <p:cNvPr id="14" name="Rectángulo redondeado 13"/>
+          <p:cNvPr id="13" name="Rectángulo 12"/>
           <p:cNvSpPr/>
           <p:nvPr/>
         </p:nvSpPr>
         <p:spPr>
           <a:xfrm>
-            <a:off x="5085470" y="1305519"/>
-            <a:ext cx="3176789" cy="425694"/>
-          </a:xfrm>
-          <a:prstGeom prst="roundRect">
+            <a:off x="4057650" y="3437589"/>
+            <a:ext cx="3871979" cy="3013654"/>
+          </a:xfrm>
+          <a:prstGeom prst="rect">
             <a:avLst/>
           </a:prstGeom>
-          <a:solidFill>
-            <a:schemeClr val="tx1">
-              <a:alpha val="22000"/>
-            </a:schemeClr>
-          </a:solidFill>
+          <a:noFill/>
           <a:ln>
-            <a:noFill/>
+            <a:solidFill>
+              <a:schemeClr val="tx1"/>
+            </a:solidFill>
           </a:ln>
         </p:spPr>
         <p:style>
@@ -3401,53 +3265,23 @@
           <a:bodyPr rtlCol="0" anchor="ctr"/>
           <a:lstStyle/>
           <a:p>
-            <a:pPr algn="r"/>
-            <a:endParaRPr lang="es-ES" dirty="0"/>
-          </a:p>
-        </p:txBody>
-      </p:sp>
-      <p:sp>
-        <p:nvSpPr>
-          <p:cNvPr id="17" name="CuadroTexto 16"/>
-          <p:cNvSpPr txBox="1"/>
-          <p:nvPr/>
-        </p:nvSpPr>
-        <p:spPr>
-          <a:xfrm>
-            <a:off x="6271349" y="5768926"/>
-            <a:ext cx="805029" cy="369332"/>
+            <a:pPr algn="ctr"/>
+            <a:endParaRPr lang="es-ES"/>
+          </a:p>
+        </p:txBody>
+      </p:sp>
+      <p:sp>
+        <p:nvSpPr>
+          <p:cNvPr id="14" name="Rectángulo 13"/>
+          <p:cNvSpPr/>
+          <p:nvPr/>
+        </p:nvSpPr>
+        <p:spPr>
+          <a:xfrm>
+            <a:off x="4057650" y="347735"/>
+            <a:ext cx="3871979" cy="3013654"/>
           </a:xfrm>
           <a:prstGeom prst="rect">
-            <a:avLst/>
-          </a:prstGeom>
-          <a:noFill/>
-        </p:spPr>
-        <p:txBody>
-          <a:bodyPr wrap="none" rtlCol="0">
-            <a:spAutoFit/>
-          </a:bodyPr>
-          <a:lstStyle/>
-          <a:p>
-            <a:r>
-              <a:rPr lang="es-ES" dirty="0" smtClean="0"/>
-              <a:t>Añadir</a:t>
-            </a:r>
-            <a:endParaRPr lang="es-ES" dirty="0"/>
-          </a:p>
-        </p:txBody>
-      </p:sp>
-      <p:sp>
-        <p:nvSpPr>
-          <p:cNvPr id="18" name="Rectángulo redondeado 17"/>
-          <p:cNvSpPr/>
-          <p:nvPr/>
-        </p:nvSpPr>
-        <p:spPr>
-          <a:xfrm>
-            <a:off x="5085470" y="5740745"/>
-            <a:ext cx="3176789" cy="425694"/>
-          </a:xfrm>
-          <a:prstGeom prst="roundRect">
             <a:avLst/>
           </a:prstGeom>
           <a:noFill/>
@@ -3477,32 +3311,30 @@
           <a:bodyPr rtlCol="0" anchor="ctr"/>
           <a:lstStyle/>
           <a:p>
-            <a:pPr algn="r"/>
-            <a:endParaRPr lang="es-ES" dirty="0"/>
-          </a:p>
-        </p:txBody>
-      </p:sp>
-      <p:sp>
-        <p:nvSpPr>
-          <p:cNvPr id="44" name="Rectángulo redondeado 43"/>
+            <a:pPr algn="ctr"/>
+            <a:endParaRPr lang="es-ES"/>
+          </a:p>
+        </p:txBody>
+      </p:sp>
+      <p:sp>
+        <p:nvSpPr>
+          <p:cNvPr id="15" name="Rectángulo 14"/>
           <p:cNvSpPr/>
           <p:nvPr/>
         </p:nvSpPr>
         <p:spPr>
           <a:xfrm>
-            <a:off x="5085470" y="3868286"/>
-            <a:ext cx="3176789" cy="425694"/>
-          </a:xfrm>
-          <a:prstGeom prst="roundRect">
+            <a:off x="8005829" y="3437589"/>
+            <a:ext cx="3871979" cy="3013654"/>
+          </a:xfrm>
+          <a:prstGeom prst="rect">
             <a:avLst/>
           </a:prstGeom>
-          <a:solidFill>
-            <a:schemeClr val="tx1">
-              <a:alpha val="22000"/>
-            </a:schemeClr>
-          </a:solidFill>
+          <a:noFill/>
           <a:ln>
-            <a:noFill/>
+            <a:solidFill>
+              <a:schemeClr val="tx1"/>
+            </a:solidFill>
           </a:ln>
         </p:spPr>
         <p:style>
@@ -3525,92 +3357,30 @@
           <a:bodyPr rtlCol="0" anchor="ctr"/>
           <a:lstStyle/>
           <a:p>
-            <a:pPr algn="r"/>
-            <a:endParaRPr lang="es-ES" dirty="0"/>
-          </a:p>
-        </p:txBody>
-      </p:sp>
-      <p:sp>
-        <p:nvSpPr>
-          <p:cNvPr id="45" name="CuadroTexto 44"/>
-          <p:cNvSpPr txBox="1"/>
-          <p:nvPr/>
-        </p:nvSpPr>
-        <p:spPr>
-          <a:xfrm>
-            <a:off x="5059713" y="2716077"/>
-            <a:ext cx="993820" cy="338554"/>
+            <a:pPr algn="ctr"/>
+            <a:endParaRPr lang="es-ES"/>
+          </a:p>
+        </p:txBody>
+      </p:sp>
+      <p:sp>
+        <p:nvSpPr>
+          <p:cNvPr id="16" name="Rectángulo 15"/>
+          <p:cNvSpPr/>
+          <p:nvPr/>
+        </p:nvSpPr>
+        <p:spPr>
+          <a:xfrm>
+            <a:off x="8005829" y="347735"/>
+            <a:ext cx="3871979" cy="3013654"/>
           </a:xfrm>
           <a:prstGeom prst="rect">
             <a:avLst/>
           </a:prstGeom>
           <a:noFill/>
-        </p:spPr>
-        <p:txBody>
-          <a:bodyPr wrap="square" rtlCol="0">
-            <a:spAutoFit/>
-          </a:bodyPr>
-          <a:lstStyle/>
-          <a:p>
-            <a:r>
-              <a:rPr lang="es-ES" sz="1600" dirty="0" smtClean="0"/>
-              <a:t>DNI</a:t>
-            </a:r>
-            <a:endParaRPr lang="es-ES" sz="1600" dirty="0"/>
-          </a:p>
-        </p:txBody>
-      </p:sp>
-      <p:sp>
-        <p:nvSpPr>
-          <p:cNvPr id="46" name="CuadroTexto 45"/>
-          <p:cNvSpPr txBox="1"/>
-          <p:nvPr/>
-        </p:nvSpPr>
-        <p:spPr>
-          <a:xfrm>
-            <a:off x="5059713" y="3565849"/>
-            <a:ext cx="2195848" cy="338554"/>
-          </a:xfrm>
-          <a:prstGeom prst="rect">
-            <a:avLst/>
-          </a:prstGeom>
-          <a:noFill/>
-        </p:spPr>
-        <p:txBody>
-          <a:bodyPr wrap="square" rtlCol="0">
-            <a:spAutoFit/>
-          </a:bodyPr>
-          <a:lstStyle/>
-          <a:p>
-            <a:r>
-              <a:rPr lang="es-ES" sz="1600" dirty="0" smtClean="0"/>
-              <a:t>Fecha de nacimiento</a:t>
-            </a:r>
-            <a:endParaRPr lang="es-ES" sz="1600" dirty="0"/>
-          </a:p>
-        </p:txBody>
-      </p:sp>
-      <p:sp>
-        <p:nvSpPr>
-          <p:cNvPr id="47" name="Rectángulo redondeado 46"/>
-          <p:cNvSpPr/>
-          <p:nvPr/>
-        </p:nvSpPr>
-        <p:spPr>
-          <a:xfrm>
-            <a:off x="5085470" y="3005083"/>
-            <a:ext cx="3176789" cy="425694"/>
-          </a:xfrm>
-          <a:prstGeom prst="roundRect">
-            <a:avLst/>
-          </a:prstGeom>
-          <a:solidFill>
-            <a:schemeClr val="tx1">
-              <a:alpha val="22000"/>
-            </a:schemeClr>
-          </a:solidFill>
           <a:ln>
-            <a:noFill/>
+            <a:solidFill>
+              <a:schemeClr val="tx1"/>
+            </a:solidFill>
           </a:ln>
         </p:spPr>
         <p:style>
@@ -3633,20 +3403,403 @@
           <a:bodyPr rtlCol="0" anchor="ctr"/>
           <a:lstStyle/>
           <a:p>
-            <a:pPr algn="r"/>
-            <a:endParaRPr lang="es-ES" dirty="0"/>
-          </a:p>
-        </p:txBody>
-      </p:sp>
-      <p:sp>
-        <p:nvSpPr>
-          <p:cNvPr id="48" name="Rectángulo redondeado 47"/>
+            <a:pPr algn="ctr"/>
+            <a:endParaRPr lang="es-ES"/>
+          </a:p>
+        </p:txBody>
+      </p:sp>
+      <p:sp>
+        <p:nvSpPr>
+          <p:cNvPr id="17" name="CuadroTexto 16"/>
+          <p:cNvSpPr txBox="1"/>
+          <p:nvPr/>
+        </p:nvSpPr>
+        <p:spPr>
+          <a:xfrm>
+            <a:off x="692364" y="1623729"/>
+            <a:ext cx="2706190" cy="461665"/>
+          </a:xfrm>
+          <a:prstGeom prst="rect">
+            <a:avLst/>
+          </a:prstGeom>
+          <a:noFill/>
+        </p:spPr>
+        <p:txBody>
+          <a:bodyPr wrap="none" rtlCol="0">
+            <a:spAutoFit/>
+          </a:bodyPr>
+          <a:lstStyle/>
+          <a:p>
+            <a:pPr algn="ctr"/>
+            <a:r>
+              <a:rPr lang="es-ES" sz="2400" dirty="0" smtClean="0">
+                <a:latin typeface="Century Gothic" panose="020B0502020202020204" pitchFamily="34" charset="0"/>
+              </a:rPr>
+              <a:t>Registrar llegada</a:t>
+            </a:r>
+            <a:endParaRPr lang="es-ES" sz="2400" dirty="0">
+              <a:latin typeface="Century Gothic" panose="020B0502020202020204" pitchFamily="34" charset="0"/>
+            </a:endParaRPr>
+          </a:p>
+        </p:txBody>
+      </p:sp>
+      <p:sp>
+        <p:nvSpPr>
+          <p:cNvPr id="18" name="CuadroTexto 17"/>
+          <p:cNvSpPr txBox="1"/>
+          <p:nvPr/>
+        </p:nvSpPr>
+        <p:spPr>
+          <a:xfrm>
+            <a:off x="563323" y="4710023"/>
+            <a:ext cx="2964273" cy="461665"/>
+          </a:xfrm>
+          <a:prstGeom prst="rect">
+            <a:avLst/>
+          </a:prstGeom>
+          <a:noFill/>
+        </p:spPr>
+        <p:txBody>
+          <a:bodyPr wrap="none" rtlCol="0">
+            <a:spAutoFit/>
+          </a:bodyPr>
+          <a:lstStyle/>
+          <a:p>
+            <a:pPr algn="ctr"/>
+            <a:r>
+              <a:rPr lang="es-ES" sz="2400" dirty="0" smtClean="0">
+                <a:latin typeface="Century Gothic" panose="020B0502020202020204" pitchFamily="34" charset="0"/>
+              </a:rPr>
+              <a:t>Añadir empleados</a:t>
+            </a:r>
+            <a:endParaRPr lang="es-ES" sz="2400" dirty="0">
+              <a:latin typeface="Century Gothic" panose="020B0502020202020204" pitchFamily="34" charset="0"/>
+            </a:endParaRPr>
+          </a:p>
+        </p:txBody>
+      </p:sp>
+      <p:sp>
+        <p:nvSpPr>
+          <p:cNvPr id="19" name="CuadroTexto 18"/>
+          <p:cNvSpPr txBox="1"/>
+          <p:nvPr/>
+        </p:nvSpPr>
+        <p:spPr>
+          <a:xfrm>
+            <a:off x="5012446" y="4710023"/>
+            <a:ext cx="1962397" cy="461665"/>
+          </a:xfrm>
+          <a:prstGeom prst="rect">
+            <a:avLst/>
+          </a:prstGeom>
+          <a:noFill/>
+        </p:spPr>
+        <p:txBody>
+          <a:bodyPr wrap="none" rtlCol="0">
+            <a:spAutoFit/>
+          </a:bodyPr>
+          <a:lstStyle/>
+          <a:p>
+            <a:pPr algn="ctr"/>
+            <a:r>
+              <a:rPr lang="es-ES" sz="2400" dirty="0" smtClean="0">
+                <a:latin typeface="Century Gothic" panose="020B0502020202020204" pitchFamily="34" charset="0"/>
+              </a:rPr>
+              <a:t>Editar datos</a:t>
+            </a:r>
+            <a:endParaRPr lang="es-ES" sz="2400" dirty="0">
+              <a:latin typeface="Century Gothic" panose="020B0502020202020204" pitchFamily="34" charset="0"/>
+            </a:endParaRPr>
+          </a:p>
+        </p:txBody>
+      </p:sp>
+      <p:sp>
+        <p:nvSpPr>
+          <p:cNvPr id="20" name="CuadroTexto 19"/>
+          <p:cNvSpPr txBox="1"/>
+          <p:nvPr/>
+        </p:nvSpPr>
+        <p:spPr>
+          <a:xfrm>
+            <a:off x="4314332" y="1639116"/>
+            <a:ext cx="3358613" cy="446276"/>
+          </a:xfrm>
+          <a:prstGeom prst="rect">
+            <a:avLst/>
+          </a:prstGeom>
+          <a:noFill/>
+        </p:spPr>
+        <p:txBody>
+          <a:bodyPr wrap="none" rtlCol="0">
+            <a:spAutoFit/>
+          </a:bodyPr>
+          <a:lstStyle/>
+          <a:p>
+            <a:pPr algn="ctr"/>
+            <a:r>
+              <a:rPr lang="es-ES" sz="2300" dirty="0" smtClean="0">
+                <a:latin typeface="Century Gothic" panose="020B0502020202020204" pitchFamily="34" charset="0"/>
+              </a:rPr>
+              <a:t>Informe de asistencias</a:t>
+            </a:r>
+            <a:endParaRPr lang="es-ES" sz="2300" dirty="0">
+              <a:latin typeface="Century Gothic" panose="020B0502020202020204" pitchFamily="34" charset="0"/>
+            </a:endParaRPr>
+          </a:p>
+        </p:txBody>
+      </p:sp>
+      <p:sp>
+        <p:nvSpPr>
+          <p:cNvPr id="21" name="CuadroTexto 20"/>
+          <p:cNvSpPr txBox="1"/>
+          <p:nvPr/>
+        </p:nvSpPr>
+        <p:spPr>
+          <a:xfrm>
+            <a:off x="8732191" y="1608338"/>
+            <a:ext cx="2419253" cy="461665"/>
+          </a:xfrm>
+          <a:prstGeom prst="rect">
+            <a:avLst/>
+          </a:prstGeom>
+          <a:noFill/>
+        </p:spPr>
+        <p:txBody>
+          <a:bodyPr wrap="none" rtlCol="0">
+            <a:spAutoFit/>
+          </a:bodyPr>
+          <a:lstStyle/>
+          <a:p>
+            <a:pPr algn="ctr"/>
+            <a:r>
+              <a:rPr lang="es-ES" sz="2400" dirty="0" smtClean="0">
+                <a:latin typeface="Century Gothic" panose="020B0502020202020204" pitchFamily="34" charset="0"/>
+              </a:rPr>
+              <a:t>Registrar salida</a:t>
+            </a:r>
+            <a:endParaRPr lang="es-ES" sz="2400" dirty="0">
+              <a:latin typeface="Century Gothic" panose="020B0502020202020204" pitchFamily="34" charset="0"/>
+            </a:endParaRPr>
+          </a:p>
+        </p:txBody>
+      </p:sp>
+      <p:sp>
+        <p:nvSpPr>
+          <p:cNvPr id="22" name="CuadroTexto 21"/>
+          <p:cNvSpPr txBox="1"/>
+          <p:nvPr/>
+        </p:nvSpPr>
+        <p:spPr>
+          <a:xfrm>
+            <a:off x="8391558" y="4714625"/>
+            <a:ext cx="3100529" cy="461665"/>
+          </a:xfrm>
+          <a:prstGeom prst="rect">
+            <a:avLst/>
+          </a:prstGeom>
+          <a:noFill/>
+        </p:spPr>
+        <p:txBody>
+          <a:bodyPr wrap="none" rtlCol="0">
+            <a:spAutoFit/>
+          </a:bodyPr>
+          <a:lstStyle/>
+          <a:p>
+            <a:pPr algn="ctr"/>
+            <a:r>
+              <a:rPr lang="es-ES" sz="2400" dirty="0" smtClean="0">
+                <a:latin typeface="Century Gothic" panose="020B0502020202020204" pitchFamily="34" charset="0"/>
+              </a:rPr>
+              <a:t>Eliminar empleados</a:t>
+            </a:r>
+            <a:endParaRPr lang="es-ES" sz="2400" dirty="0">
+              <a:latin typeface="Century Gothic" panose="020B0502020202020204" pitchFamily="34" charset="0"/>
+            </a:endParaRPr>
+          </a:p>
+        </p:txBody>
+      </p:sp>
+      <p:pic>
+        <p:nvPicPr>
+          <p:cNvPr id="24" name="Imagen 23"/>
+          <p:cNvPicPr>
+            <a:picLocks noChangeAspect="1"/>
+          </p:cNvPicPr>
+          <p:nvPr/>
+        </p:nvPicPr>
+        <p:blipFill>
+          <a:blip r:embed="rId2" cstate="print">
+            <a:extLst>
+              <a:ext uri="{28A0092B-C50C-407E-A947-70E740481C1C}">
+                <a14:useLocalDpi xmlns:a14="http://schemas.microsoft.com/office/drawing/2010/main" val="0"/>
+              </a:ext>
+            </a:extLst>
+          </a:blip>
+          <a:stretch>
+            <a:fillRect/>
+          </a:stretch>
+        </p:blipFill>
+        <p:spPr>
+          <a:xfrm>
+            <a:off x="227577" y="3547299"/>
+            <a:ext cx="452087" cy="452087"/>
+          </a:xfrm>
+          <a:prstGeom prst="rect">
+            <a:avLst/>
+          </a:prstGeom>
+        </p:spPr>
+      </p:pic>
+      <p:pic>
+        <p:nvPicPr>
+          <p:cNvPr id="26" name="Imagen 25"/>
+          <p:cNvPicPr>
+            <a:picLocks noChangeAspect="1"/>
+          </p:cNvPicPr>
+          <p:nvPr/>
+        </p:nvPicPr>
+        <p:blipFill>
+          <a:blip r:embed="rId2" cstate="print">
+            <a:extLst>
+              <a:ext uri="{28A0092B-C50C-407E-A947-70E740481C1C}">
+                <a14:useLocalDpi xmlns:a14="http://schemas.microsoft.com/office/drawing/2010/main" val="0"/>
+              </a:ext>
+            </a:extLst>
+          </a:blip>
+          <a:stretch>
+            <a:fillRect/>
+          </a:stretch>
+        </p:blipFill>
+        <p:spPr>
+          <a:xfrm>
+            <a:off x="4149232" y="3547298"/>
+            <a:ext cx="452087" cy="452087"/>
+          </a:xfrm>
+          <a:prstGeom prst="rect">
+            <a:avLst/>
+          </a:prstGeom>
+        </p:spPr>
+      </p:pic>
+      <p:pic>
+        <p:nvPicPr>
+          <p:cNvPr id="27" name="Imagen 26"/>
+          <p:cNvPicPr>
+            <a:picLocks noChangeAspect="1"/>
+          </p:cNvPicPr>
+          <p:nvPr/>
+        </p:nvPicPr>
+        <p:blipFill>
+          <a:blip r:embed="rId2" cstate="print">
+            <a:extLst>
+              <a:ext uri="{28A0092B-C50C-407E-A947-70E740481C1C}">
+                <a14:useLocalDpi xmlns:a14="http://schemas.microsoft.com/office/drawing/2010/main" val="0"/>
+              </a:ext>
+            </a:extLst>
+          </a:blip>
+          <a:stretch>
+            <a:fillRect/>
+          </a:stretch>
+        </p:blipFill>
+        <p:spPr>
+          <a:xfrm>
+            <a:off x="8086758" y="3546778"/>
+            <a:ext cx="452087" cy="452087"/>
+          </a:xfrm>
+          <a:prstGeom prst="rect">
+            <a:avLst/>
+          </a:prstGeom>
+        </p:spPr>
+      </p:pic>
+    </p:spTree>
+    <p:extLst>
+      <p:ext uri="{BB962C8B-B14F-4D97-AF65-F5344CB8AC3E}">
+        <p14:creationId xmlns:p14="http://schemas.microsoft.com/office/powerpoint/2010/main" val="1264111085"/>
+      </p:ext>
+    </p:extLst>
+  </p:cSld>
+  <p:clrMapOvr>
+    <a:masterClrMapping/>
+  </p:clrMapOvr>
+  <mc:AlternateContent xmlns:mc="http://schemas.openxmlformats.org/markup-compatibility/2006" xmlns:p14="http://schemas.microsoft.com/office/powerpoint/2010/main">
+    <mc:Choice Requires="p14">
+      <p:transition spd="med" p14:dur="700">
+        <p:fade/>
+      </p:transition>
+    </mc:Choice>
+    <mc:Fallback xmlns="">
+      <p:transition spd="med">
+        <p:fade/>
+      </p:transition>
+    </mc:Fallback>
+  </mc:AlternateContent>
+  <p:timing>
+    <p:tnLst>
+      <p:par>
+        <p:cTn id="1" dur="indefinite" restart="never" nodeType="tmRoot"/>
+      </p:par>
+    </p:tnLst>
+  </p:timing>
+</p:sld>
+</file>
+
+<file path=ppt/slides/slide2.xml><?xml version="1.0" encoding="utf-8"?>
+<p:sld xmlns:a="http://schemas.openxmlformats.org/drawingml/2006/main" xmlns:r="http://schemas.openxmlformats.org/officeDocument/2006/relationships" xmlns:p="http://schemas.openxmlformats.org/presentationml/2006/main">
+  <p:cSld>
+    <p:spTree>
+      <p:nvGrpSpPr>
+        <p:cNvPr id="1" name=""/>
+        <p:cNvGrpSpPr/>
+        <p:nvPr/>
+      </p:nvGrpSpPr>
+      <p:grpSpPr>
+        <a:xfrm>
+          <a:off x="0" y="0"/>
+          <a:ext cx="0" cy="0"/>
+          <a:chOff x="0" y="0"/>
+          <a:chExt cx="0" cy="0"/>
+        </a:xfrm>
+      </p:grpSpPr>
+      <p:sp>
+        <p:nvSpPr>
+          <p:cNvPr id="2" name="Título 1"/>
+          <p:cNvSpPr>
+            <a:spLocks noGrp="1"/>
+          </p:cNvSpPr>
+          <p:nvPr>
+            <p:ph type="ctrTitle"/>
+          </p:nvPr>
+        </p:nvSpPr>
+        <p:spPr>
+          <a:xfrm>
+            <a:off x="4159854" y="413801"/>
+            <a:ext cx="3995565" cy="508206"/>
+          </a:xfrm>
+        </p:spPr>
+        <p:txBody>
+          <a:bodyPr>
+            <a:noAutofit/>
+          </a:bodyPr>
+          <a:lstStyle/>
+          <a:p>
+            <a:r>
+              <a:rPr lang="es-ES" sz="2400" dirty="0" smtClean="0">
+                <a:latin typeface="Century Gothic" panose="020B0502020202020204" pitchFamily="34" charset="0"/>
+              </a:rPr>
+              <a:t>Añadir Empleados</a:t>
+            </a:r>
+            <a:endParaRPr lang="es-ES" sz="2400" dirty="0">
+              <a:latin typeface="Century Gothic" panose="020B0502020202020204" pitchFamily="34" charset="0"/>
+            </a:endParaRPr>
+          </a:p>
+        </p:txBody>
+      </p:sp>
+      <p:sp>
+        <p:nvSpPr>
+          <p:cNvPr id="5" name="Rectángulo redondeado 4"/>
           <p:cNvSpPr/>
           <p:nvPr/>
         </p:nvSpPr>
         <p:spPr>
           <a:xfrm>
-            <a:off x="5085470" y="4698652"/>
+            <a:off x="5085470" y="2168722"/>
             <a:ext cx="3176789" cy="425694"/>
           </a:xfrm>
           <a:prstGeom prst="roundRect">
@@ -3688,14 +3841,14 @@
       </p:sp>
       <p:sp>
         <p:nvSpPr>
-          <p:cNvPr id="49" name="CuadroTexto 48"/>
+          <p:cNvPr id="6" name="CuadroTexto 5"/>
           <p:cNvSpPr txBox="1"/>
           <p:nvPr/>
         </p:nvSpPr>
         <p:spPr>
           <a:xfrm>
-            <a:off x="5059713" y="4396215"/>
-            <a:ext cx="2195848" cy="338554"/>
+            <a:off x="5059713" y="1016513"/>
+            <a:ext cx="993820" cy="338554"/>
           </a:xfrm>
           <a:prstGeom prst="rect">
             <a:avLst/>
@@ -3710,7 +3863,7 @@
           <a:p>
             <a:r>
               <a:rPr lang="es-ES" sz="1600" dirty="0" smtClean="0"/>
-              <a:t>Cargo</a:t>
+              <a:t>Nombre</a:t>
             </a:r>
             <a:endParaRPr lang="es-ES" sz="1600" dirty="0"/>
           </a:p>
@@ -3718,13 +3871,13 @@
       </p:sp>
       <p:sp>
         <p:nvSpPr>
-          <p:cNvPr id="50" name="CuadroTexto 49"/>
+          <p:cNvPr id="7" name="CuadroTexto 6"/>
           <p:cNvSpPr txBox="1"/>
           <p:nvPr/>
         </p:nvSpPr>
         <p:spPr>
           <a:xfrm>
-            <a:off x="3247329" y="2425139"/>
+            <a:off x="5059713" y="1866194"/>
             <a:ext cx="1427408" cy="338554"/>
           </a:xfrm>
           <a:prstGeom prst="rect">
@@ -3738,55 +3891,84 @@
           </a:bodyPr>
           <a:lstStyle/>
           <a:p>
-            <a:pPr algn="ctr"/>
             <a:r>
               <a:rPr lang="es-ES" sz="1600" dirty="0" smtClean="0"/>
-              <a:t>Imagen</a:t>
+              <a:t>Apellido</a:t>
             </a:r>
             <a:endParaRPr lang="es-ES" sz="1600" dirty="0"/>
           </a:p>
         </p:txBody>
       </p:sp>
-      <p:sp>
-        <p:nvSpPr>
-          <p:cNvPr id="51" name="CuadroTexto 50"/>
-          <p:cNvSpPr txBox="1"/>
-          <p:nvPr/>
-        </p:nvSpPr>
-        <p:spPr>
-          <a:xfrm>
-            <a:off x="5372287" y="5270621"/>
-            <a:ext cx="1427408" cy="338554"/>
+      <p:pic>
+        <p:nvPicPr>
+          <p:cNvPr id="8" name="Imagen 7"/>
+          <p:cNvPicPr>
+            <a:picLocks noChangeAspect="1"/>
+          </p:cNvPicPr>
+          <p:nvPr/>
+        </p:nvPicPr>
+        <p:blipFill>
+          <a:blip r:embed="rId2" cstate="print">
+            <a:extLst>
+              <a:ext uri="{28A0092B-C50C-407E-A947-70E740481C1C}">
+                <a14:useLocalDpi xmlns:a14="http://schemas.microsoft.com/office/drawing/2010/main" val="0"/>
+              </a:ext>
+            </a:extLst>
+          </a:blip>
+          <a:stretch>
+            <a:fillRect/>
+          </a:stretch>
+        </p:blipFill>
+        <p:spPr>
+          <a:xfrm>
+            <a:off x="3048823" y="696253"/>
+            <a:ext cx="1824421" cy="1820858"/>
           </a:xfrm>
           <a:prstGeom prst="rect">
             <a:avLst/>
           </a:prstGeom>
-          <a:noFill/>
-        </p:spPr>
-        <p:txBody>
-          <a:bodyPr wrap="square" rtlCol="0">
-            <a:spAutoFit/>
-          </a:bodyPr>
-          <a:lstStyle/>
-          <a:p>
-            <a:r>
-              <a:rPr lang="es-ES" sz="1600" dirty="0" smtClean="0"/>
-              <a:t>Administrador</a:t>
-            </a:r>
-            <a:endParaRPr lang="es-ES" sz="1600" dirty="0"/>
-          </a:p>
-        </p:txBody>
-      </p:sp>
-      <p:sp>
-        <p:nvSpPr>
-          <p:cNvPr id="52" name="Rectángulo 51"/>
+        </p:spPr>
+      </p:pic>
+      <p:cxnSp>
+        <p:nvCxnSpPr>
+          <p:cNvPr id="10" name="Conector recto 9"/>
+          <p:cNvCxnSpPr/>
+          <p:nvPr/>
+        </p:nvCxnSpPr>
+        <p:spPr>
+          <a:xfrm>
+            <a:off x="4813233" y="923409"/>
+            <a:ext cx="2656711" cy="0"/>
+          </a:xfrm>
+          <a:prstGeom prst="line">
+            <a:avLst/>
+          </a:prstGeom>
+        </p:spPr>
+        <p:style>
+          <a:lnRef idx="1">
+            <a:schemeClr val="dk1"/>
+          </a:lnRef>
+          <a:fillRef idx="0">
+            <a:schemeClr val="dk1"/>
+          </a:fillRef>
+          <a:effectRef idx="0">
+            <a:schemeClr val="dk1"/>
+          </a:effectRef>
+          <a:fontRef idx="minor">
+            <a:schemeClr val="tx1"/>
+          </a:fontRef>
+        </p:style>
+      </p:cxnSp>
+      <p:sp>
+        <p:nvSpPr>
+          <p:cNvPr id="13" name="Rectángulo 12"/>
           <p:cNvSpPr/>
           <p:nvPr/>
         </p:nvSpPr>
         <p:spPr>
           <a:xfrm>
-            <a:off x="5085470" y="5326278"/>
-            <a:ext cx="212535" cy="212535"/>
+            <a:off x="2902502" y="200910"/>
+            <a:ext cx="6237162" cy="6104586"/>
           </a:xfrm>
           <a:prstGeom prst="rect">
             <a:avLst/>
@@ -3797,11 +3979,6 @@
               <a:schemeClr val="tx1"/>
             </a:solidFill>
           </a:ln>
-          <a:effectLst>
-            <a:innerShdw blurRad="114300">
-              <a:prstClr val="black"/>
-            </a:innerShdw>
-          </a:effectLst>
         </p:spPr>
         <p:style>
           <a:lnRef idx="2">
@@ -3830,23 +4007,25 @@
       </p:sp>
       <p:sp>
         <p:nvSpPr>
-          <p:cNvPr id="53" name="Rectángulo redondeado 52"/>
+          <p:cNvPr id="14" name="Rectángulo redondeado 13"/>
           <p:cNvSpPr/>
           <p:nvPr/>
         </p:nvSpPr>
         <p:spPr>
           <a:xfrm>
-            <a:off x="3247329" y="3527660"/>
-            <a:ext cx="1427408" cy="928467"/>
+            <a:off x="5085470" y="1305519"/>
+            <a:ext cx="3176789" cy="425694"/>
           </a:xfrm>
           <a:prstGeom prst="roundRect">
             <a:avLst/>
           </a:prstGeom>
-          <a:noFill/>
+          <a:solidFill>
+            <a:schemeClr val="tx1">
+              <a:alpha val="22000"/>
+            </a:schemeClr>
+          </a:solidFill>
           <a:ln>
-            <a:solidFill>
-              <a:schemeClr val="tx1"/>
-            </a:solidFill>
+            <a:noFill/>
           </a:ln>
         </p:spPr>
         <p:style>
@@ -3869,6 +4048,474 @@
           <a:bodyPr rtlCol="0" anchor="ctr"/>
           <a:lstStyle/>
           <a:p>
+            <a:pPr algn="r"/>
+            <a:endParaRPr lang="es-ES" dirty="0"/>
+          </a:p>
+        </p:txBody>
+      </p:sp>
+      <p:sp>
+        <p:nvSpPr>
+          <p:cNvPr id="17" name="CuadroTexto 16"/>
+          <p:cNvSpPr txBox="1"/>
+          <p:nvPr/>
+        </p:nvSpPr>
+        <p:spPr>
+          <a:xfrm>
+            <a:off x="6271349" y="5768926"/>
+            <a:ext cx="805029" cy="369332"/>
+          </a:xfrm>
+          <a:prstGeom prst="rect">
+            <a:avLst/>
+          </a:prstGeom>
+          <a:noFill/>
+        </p:spPr>
+        <p:txBody>
+          <a:bodyPr wrap="none" rtlCol="0">
+            <a:spAutoFit/>
+          </a:bodyPr>
+          <a:lstStyle/>
+          <a:p>
+            <a:r>
+              <a:rPr lang="es-ES" dirty="0" smtClean="0"/>
+              <a:t>Añadir</a:t>
+            </a:r>
+            <a:endParaRPr lang="es-ES" dirty="0"/>
+          </a:p>
+        </p:txBody>
+      </p:sp>
+      <p:sp>
+        <p:nvSpPr>
+          <p:cNvPr id="18" name="Rectángulo redondeado 17"/>
+          <p:cNvSpPr/>
+          <p:nvPr/>
+        </p:nvSpPr>
+        <p:spPr>
+          <a:xfrm>
+            <a:off x="5085470" y="5740745"/>
+            <a:ext cx="3176789" cy="425694"/>
+          </a:xfrm>
+          <a:prstGeom prst="roundRect">
+            <a:avLst/>
+          </a:prstGeom>
+          <a:noFill/>
+          <a:ln>
+            <a:solidFill>
+              <a:schemeClr val="tx1"/>
+            </a:solidFill>
+          </a:ln>
+        </p:spPr>
+        <p:style>
+          <a:lnRef idx="2">
+            <a:schemeClr val="accent1">
+              <a:shade val="50000"/>
+            </a:schemeClr>
+          </a:lnRef>
+          <a:fillRef idx="1">
+            <a:schemeClr val="accent1"/>
+          </a:fillRef>
+          <a:effectRef idx="0">
+            <a:schemeClr val="accent1"/>
+          </a:effectRef>
+          <a:fontRef idx="minor">
+            <a:schemeClr val="lt1"/>
+          </a:fontRef>
+        </p:style>
+        <p:txBody>
+          <a:bodyPr rtlCol="0" anchor="ctr"/>
+          <a:lstStyle/>
+          <a:p>
+            <a:pPr algn="r"/>
+            <a:endParaRPr lang="es-ES" dirty="0"/>
+          </a:p>
+        </p:txBody>
+      </p:sp>
+      <p:sp>
+        <p:nvSpPr>
+          <p:cNvPr id="44" name="Rectángulo redondeado 43"/>
+          <p:cNvSpPr/>
+          <p:nvPr/>
+        </p:nvSpPr>
+        <p:spPr>
+          <a:xfrm>
+            <a:off x="5085470" y="3868286"/>
+            <a:ext cx="3176789" cy="425694"/>
+          </a:xfrm>
+          <a:prstGeom prst="roundRect">
+            <a:avLst/>
+          </a:prstGeom>
+          <a:solidFill>
+            <a:schemeClr val="tx1">
+              <a:alpha val="22000"/>
+            </a:schemeClr>
+          </a:solidFill>
+          <a:ln>
+            <a:noFill/>
+          </a:ln>
+        </p:spPr>
+        <p:style>
+          <a:lnRef idx="2">
+            <a:schemeClr val="accent1">
+              <a:shade val="50000"/>
+            </a:schemeClr>
+          </a:lnRef>
+          <a:fillRef idx="1">
+            <a:schemeClr val="accent1"/>
+          </a:fillRef>
+          <a:effectRef idx="0">
+            <a:schemeClr val="accent1"/>
+          </a:effectRef>
+          <a:fontRef idx="minor">
+            <a:schemeClr val="lt1"/>
+          </a:fontRef>
+        </p:style>
+        <p:txBody>
+          <a:bodyPr rtlCol="0" anchor="ctr"/>
+          <a:lstStyle/>
+          <a:p>
+            <a:pPr algn="r"/>
+            <a:endParaRPr lang="es-ES" dirty="0"/>
+          </a:p>
+        </p:txBody>
+      </p:sp>
+      <p:sp>
+        <p:nvSpPr>
+          <p:cNvPr id="45" name="CuadroTexto 44"/>
+          <p:cNvSpPr txBox="1"/>
+          <p:nvPr/>
+        </p:nvSpPr>
+        <p:spPr>
+          <a:xfrm>
+            <a:off x="5059713" y="2716077"/>
+            <a:ext cx="993820" cy="338554"/>
+          </a:xfrm>
+          <a:prstGeom prst="rect">
+            <a:avLst/>
+          </a:prstGeom>
+          <a:noFill/>
+        </p:spPr>
+        <p:txBody>
+          <a:bodyPr wrap="square" rtlCol="0">
+            <a:spAutoFit/>
+          </a:bodyPr>
+          <a:lstStyle/>
+          <a:p>
+            <a:r>
+              <a:rPr lang="es-ES" sz="1600" dirty="0" smtClean="0"/>
+              <a:t>DNI</a:t>
+            </a:r>
+            <a:endParaRPr lang="es-ES" sz="1600" dirty="0"/>
+          </a:p>
+        </p:txBody>
+      </p:sp>
+      <p:sp>
+        <p:nvSpPr>
+          <p:cNvPr id="46" name="CuadroTexto 45"/>
+          <p:cNvSpPr txBox="1"/>
+          <p:nvPr/>
+        </p:nvSpPr>
+        <p:spPr>
+          <a:xfrm>
+            <a:off x="5059713" y="3565849"/>
+            <a:ext cx="2195848" cy="338554"/>
+          </a:xfrm>
+          <a:prstGeom prst="rect">
+            <a:avLst/>
+          </a:prstGeom>
+          <a:noFill/>
+        </p:spPr>
+        <p:txBody>
+          <a:bodyPr wrap="square" rtlCol="0">
+            <a:spAutoFit/>
+          </a:bodyPr>
+          <a:lstStyle/>
+          <a:p>
+            <a:r>
+              <a:rPr lang="es-ES" sz="1600" dirty="0" smtClean="0"/>
+              <a:t>Fecha de nacimiento</a:t>
+            </a:r>
+            <a:endParaRPr lang="es-ES" sz="1600" dirty="0"/>
+          </a:p>
+        </p:txBody>
+      </p:sp>
+      <p:sp>
+        <p:nvSpPr>
+          <p:cNvPr id="47" name="Rectángulo redondeado 46"/>
+          <p:cNvSpPr/>
+          <p:nvPr/>
+        </p:nvSpPr>
+        <p:spPr>
+          <a:xfrm>
+            <a:off x="5085470" y="3005083"/>
+            <a:ext cx="3176789" cy="425694"/>
+          </a:xfrm>
+          <a:prstGeom prst="roundRect">
+            <a:avLst/>
+          </a:prstGeom>
+          <a:solidFill>
+            <a:schemeClr val="tx1">
+              <a:alpha val="22000"/>
+            </a:schemeClr>
+          </a:solidFill>
+          <a:ln>
+            <a:noFill/>
+          </a:ln>
+        </p:spPr>
+        <p:style>
+          <a:lnRef idx="2">
+            <a:schemeClr val="accent1">
+              <a:shade val="50000"/>
+            </a:schemeClr>
+          </a:lnRef>
+          <a:fillRef idx="1">
+            <a:schemeClr val="accent1"/>
+          </a:fillRef>
+          <a:effectRef idx="0">
+            <a:schemeClr val="accent1"/>
+          </a:effectRef>
+          <a:fontRef idx="minor">
+            <a:schemeClr val="lt1"/>
+          </a:fontRef>
+        </p:style>
+        <p:txBody>
+          <a:bodyPr rtlCol="0" anchor="ctr"/>
+          <a:lstStyle/>
+          <a:p>
+            <a:pPr algn="r"/>
+            <a:endParaRPr lang="es-ES" dirty="0"/>
+          </a:p>
+        </p:txBody>
+      </p:sp>
+      <p:sp>
+        <p:nvSpPr>
+          <p:cNvPr id="48" name="Rectángulo redondeado 47"/>
+          <p:cNvSpPr/>
+          <p:nvPr/>
+        </p:nvSpPr>
+        <p:spPr>
+          <a:xfrm>
+            <a:off x="5085470" y="4698652"/>
+            <a:ext cx="3176789" cy="425694"/>
+          </a:xfrm>
+          <a:prstGeom prst="roundRect">
+            <a:avLst/>
+          </a:prstGeom>
+          <a:solidFill>
+            <a:schemeClr val="tx1">
+              <a:alpha val="22000"/>
+            </a:schemeClr>
+          </a:solidFill>
+          <a:ln>
+            <a:noFill/>
+          </a:ln>
+        </p:spPr>
+        <p:style>
+          <a:lnRef idx="2">
+            <a:schemeClr val="accent1">
+              <a:shade val="50000"/>
+            </a:schemeClr>
+          </a:lnRef>
+          <a:fillRef idx="1">
+            <a:schemeClr val="accent1"/>
+          </a:fillRef>
+          <a:effectRef idx="0">
+            <a:schemeClr val="accent1"/>
+          </a:effectRef>
+          <a:fontRef idx="minor">
+            <a:schemeClr val="lt1"/>
+          </a:fontRef>
+        </p:style>
+        <p:txBody>
+          <a:bodyPr rtlCol="0" anchor="ctr"/>
+          <a:lstStyle/>
+          <a:p>
+            <a:pPr algn="r"/>
+            <a:endParaRPr lang="es-ES" dirty="0"/>
+          </a:p>
+        </p:txBody>
+      </p:sp>
+      <p:sp>
+        <p:nvSpPr>
+          <p:cNvPr id="49" name="CuadroTexto 48"/>
+          <p:cNvSpPr txBox="1"/>
+          <p:nvPr/>
+        </p:nvSpPr>
+        <p:spPr>
+          <a:xfrm>
+            <a:off x="5059713" y="4396215"/>
+            <a:ext cx="2195848" cy="338554"/>
+          </a:xfrm>
+          <a:prstGeom prst="rect">
+            <a:avLst/>
+          </a:prstGeom>
+          <a:noFill/>
+        </p:spPr>
+        <p:txBody>
+          <a:bodyPr wrap="square" rtlCol="0">
+            <a:spAutoFit/>
+          </a:bodyPr>
+          <a:lstStyle/>
+          <a:p>
+            <a:r>
+              <a:rPr lang="es-ES" sz="1600" dirty="0" smtClean="0"/>
+              <a:t>Cargo</a:t>
+            </a:r>
+            <a:endParaRPr lang="es-ES" sz="1600" dirty="0"/>
+          </a:p>
+        </p:txBody>
+      </p:sp>
+      <p:sp>
+        <p:nvSpPr>
+          <p:cNvPr id="50" name="CuadroTexto 49"/>
+          <p:cNvSpPr txBox="1"/>
+          <p:nvPr/>
+        </p:nvSpPr>
+        <p:spPr>
+          <a:xfrm>
+            <a:off x="3247329" y="2425139"/>
+            <a:ext cx="1427408" cy="338554"/>
+          </a:xfrm>
+          <a:prstGeom prst="rect">
+            <a:avLst/>
+          </a:prstGeom>
+          <a:noFill/>
+        </p:spPr>
+        <p:txBody>
+          <a:bodyPr wrap="square" rtlCol="0">
+            <a:spAutoFit/>
+          </a:bodyPr>
+          <a:lstStyle/>
+          <a:p>
+            <a:pPr algn="ctr"/>
+            <a:r>
+              <a:rPr lang="es-ES" sz="1600" dirty="0" smtClean="0"/>
+              <a:t>Imagen</a:t>
+            </a:r>
+            <a:endParaRPr lang="es-ES" sz="1600" dirty="0"/>
+          </a:p>
+        </p:txBody>
+      </p:sp>
+      <p:sp>
+        <p:nvSpPr>
+          <p:cNvPr id="51" name="CuadroTexto 50"/>
+          <p:cNvSpPr txBox="1"/>
+          <p:nvPr/>
+        </p:nvSpPr>
+        <p:spPr>
+          <a:xfrm>
+            <a:off x="5372287" y="5270621"/>
+            <a:ext cx="1427408" cy="338554"/>
+          </a:xfrm>
+          <a:prstGeom prst="rect">
+            <a:avLst/>
+          </a:prstGeom>
+          <a:noFill/>
+        </p:spPr>
+        <p:txBody>
+          <a:bodyPr wrap="square" rtlCol="0">
+            <a:spAutoFit/>
+          </a:bodyPr>
+          <a:lstStyle/>
+          <a:p>
+            <a:r>
+              <a:rPr lang="es-ES" sz="1600" dirty="0" smtClean="0"/>
+              <a:t>Administrador</a:t>
+            </a:r>
+            <a:endParaRPr lang="es-ES" sz="1600" dirty="0"/>
+          </a:p>
+        </p:txBody>
+      </p:sp>
+      <p:sp>
+        <p:nvSpPr>
+          <p:cNvPr id="52" name="Rectángulo 51"/>
+          <p:cNvSpPr/>
+          <p:nvPr/>
+        </p:nvSpPr>
+        <p:spPr>
+          <a:xfrm>
+            <a:off x="5085470" y="5326278"/>
+            <a:ext cx="212535" cy="212535"/>
+          </a:xfrm>
+          <a:prstGeom prst="rect">
+            <a:avLst/>
+          </a:prstGeom>
+          <a:noFill/>
+          <a:ln>
+            <a:solidFill>
+              <a:schemeClr val="tx1"/>
+            </a:solidFill>
+          </a:ln>
+          <a:effectLst>
+            <a:innerShdw blurRad="114300">
+              <a:prstClr val="black"/>
+            </a:innerShdw>
+          </a:effectLst>
+        </p:spPr>
+        <p:style>
+          <a:lnRef idx="2">
+            <a:schemeClr val="accent1">
+              <a:shade val="50000"/>
+            </a:schemeClr>
+          </a:lnRef>
+          <a:fillRef idx="1">
+            <a:schemeClr val="accent1"/>
+          </a:fillRef>
+          <a:effectRef idx="0">
+            <a:schemeClr val="accent1"/>
+          </a:effectRef>
+          <a:fontRef idx="minor">
+            <a:schemeClr val="lt1"/>
+          </a:fontRef>
+        </p:style>
+        <p:txBody>
+          <a:bodyPr rtlCol="0" anchor="ctr"/>
+          <a:lstStyle/>
+          <a:p>
+            <a:pPr algn="ctr"/>
+            <a:endParaRPr lang="es-ES"/>
+          </a:p>
+        </p:txBody>
+      </p:sp>
+      <p:sp>
+        <p:nvSpPr>
+          <p:cNvPr id="53" name="Rectángulo redondeado 52"/>
+          <p:cNvSpPr/>
+          <p:nvPr/>
+        </p:nvSpPr>
+        <p:spPr>
+          <a:xfrm>
+            <a:off x="3247329" y="3527660"/>
+            <a:ext cx="1427408" cy="928467"/>
+          </a:xfrm>
+          <a:prstGeom prst="roundRect">
+            <a:avLst/>
+          </a:prstGeom>
+          <a:noFill/>
+          <a:ln>
+            <a:solidFill>
+              <a:schemeClr val="tx1"/>
+            </a:solidFill>
+          </a:ln>
+        </p:spPr>
+        <p:style>
+          <a:lnRef idx="2">
+            <a:schemeClr val="accent1">
+              <a:shade val="50000"/>
+            </a:schemeClr>
+          </a:lnRef>
+          <a:fillRef idx="1">
+            <a:schemeClr val="accent1"/>
+          </a:fillRef>
+          <a:effectRef idx="0">
+            <a:schemeClr val="accent1"/>
+          </a:effectRef>
+          <a:fontRef idx="minor">
+            <a:schemeClr val="lt1"/>
+          </a:fontRef>
+        </p:style>
+        <p:txBody>
+          <a:bodyPr rtlCol="0" anchor="ctr"/>
+          <a:lstStyle/>
+          <a:p>
             <a:pPr algn="ctr"/>
             <a:endParaRPr lang="es-ES"/>
           </a:p>
@@ -3922,13 +4569,13 @@
   <p:clrMapOvr>
     <a:masterClrMapping/>
   </p:clrMapOvr>
-  <mc:AlternateContent xmlns:mc="http://schemas.openxmlformats.org/markup-compatibility/2006">
-    <mc:Choice xmlns:p14="http://schemas.microsoft.com/office/powerpoint/2010/main" Requires="p14">
+  <mc:AlternateContent xmlns:mc="http://schemas.openxmlformats.org/markup-compatibility/2006" xmlns:p14="http://schemas.microsoft.com/office/powerpoint/2010/main">
+    <mc:Choice Requires="p14">
       <p:transition spd="med" p14:dur="700">
         <p:fade/>
       </p:transition>
     </mc:Choice>
-    <mc:Fallback>
+    <mc:Fallback xmlns="">
       <p:transition spd="med">
         <p:fade/>
       </p:transition>
@@ -3944,7 +4591,7 @@
 </p:sld>
 </file>
 
-<file path=ppt/slides/slide2.xml><?xml version="1.0" encoding="utf-8"?>
+<file path=ppt/slides/slide3.xml><?xml version="1.0" encoding="utf-8"?>
 <p:sld xmlns:a="http://schemas.openxmlformats.org/drawingml/2006/main" xmlns:r="http://schemas.openxmlformats.org/officeDocument/2006/relationships" xmlns:p="http://schemas.openxmlformats.org/presentationml/2006/main">
   <p:cSld>
     <p:spTree>
@@ -4653,13 +5300,13 @@
   <p:clrMapOvr>
     <a:masterClrMapping/>
   </p:clrMapOvr>
-  <mc:AlternateContent xmlns:mc="http://schemas.openxmlformats.org/markup-compatibility/2006">
-    <mc:Choice xmlns:p14="http://schemas.microsoft.com/office/powerpoint/2010/main" Requires="p14">
+  <mc:AlternateContent xmlns:mc="http://schemas.openxmlformats.org/markup-compatibility/2006" xmlns:p14="http://schemas.microsoft.com/office/powerpoint/2010/main">
+    <mc:Choice Requires="p14">
       <p:transition spd="med" p14:dur="700">
         <p:fade/>
       </p:transition>
     </mc:Choice>
-    <mc:Fallback>
+    <mc:Fallback xmlns="">
       <p:transition spd="med">
         <p:fade/>
       </p:transition>
@@ -4675,7 +5322,922 @@
 </p:sld>
 </file>
 
-<file path=ppt/slides/slide3.xml><?xml version="1.0" encoding="utf-8"?>
+<file path=ppt/slides/slide4.xml><?xml version="1.0" encoding="utf-8"?>
+<p:sld xmlns:a="http://schemas.openxmlformats.org/drawingml/2006/main" xmlns:r="http://schemas.openxmlformats.org/officeDocument/2006/relationships" xmlns:p="http://schemas.openxmlformats.org/presentationml/2006/main">
+  <p:cSld>
+    <p:spTree>
+      <p:nvGrpSpPr>
+        <p:cNvPr id="1" name=""/>
+        <p:cNvGrpSpPr/>
+        <p:nvPr/>
+      </p:nvGrpSpPr>
+      <p:grpSpPr>
+        <a:xfrm>
+          <a:off x="0" y="0"/>
+          <a:ext cx="0" cy="0"/>
+          <a:chOff x="0" y="0"/>
+          <a:chExt cx="0" cy="0"/>
+        </a:xfrm>
+      </p:grpSpPr>
+      <p:grpSp>
+        <p:nvGrpSpPr>
+          <p:cNvPr id="4" name="3 Grupo"/>
+          <p:cNvGrpSpPr/>
+          <p:nvPr/>
+        </p:nvGrpSpPr>
+        <p:grpSpPr>
+          <a:xfrm>
+            <a:off x="2354039" y="914397"/>
+            <a:ext cx="7585023" cy="5090615"/>
+            <a:chOff x="2098612" y="914400"/>
+            <a:chExt cx="7585023" cy="5090615"/>
+          </a:xfrm>
+        </p:grpSpPr>
+        <p:pic>
+          <p:nvPicPr>
+            <p:cNvPr id="1029" name="Imagen 1028"/>
+            <p:cNvPicPr>
+              <a:picLocks noChangeAspect="1"/>
+            </p:cNvPicPr>
+            <p:nvPr/>
+          </p:nvPicPr>
+          <p:blipFill>
+            <a:blip r:embed="rId2">
+              <a:extLst>
+                <a:ext uri="{28A0092B-C50C-407E-A947-70E740481C1C}">
+                  <a14:useLocalDpi xmlns:a14="http://schemas.microsoft.com/office/drawing/2010/main" val="0"/>
+                </a:ext>
+              </a:extLst>
+            </a:blip>
+            <a:stretch>
+              <a:fillRect/>
+            </a:stretch>
+          </p:blipFill>
+          <p:spPr>
+            <a:xfrm>
+              <a:off x="2412678" y="2741383"/>
+              <a:ext cx="2078356" cy="2078356"/>
+            </a:xfrm>
+            <a:prstGeom prst="rect">
+              <a:avLst/>
+            </a:prstGeom>
+          </p:spPr>
+        </p:pic>
+        <p:sp>
+          <p:nvSpPr>
+            <p:cNvPr id="1036" name="Rectángulo 1035"/>
+            <p:cNvSpPr/>
+            <p:nvPr/>
+          </p:nvSpPr>
+          <p:spPr>
+            <a:xfrm>
+              <a:off x="2098612" y="914400"/>
+              <a:ext cx="7585023" cy="5090615"/>
+            </a:xfrm>
+            <a:prstGeom prst="rect">
+              <a:avLst/>
+            </a:prstGeom>
+            <a:noFill/>
+            <a:ln>
+              <a:solidFill>
+                <a:schemeClr val="tx1"/>
+              </a:solidFill>
+            </a:ln>
+          </p:spPr>
+          <p:style>
+            <a:lnRef idx="2">
+              <a:schemeClr val="accent1">
+                <a:shade val="50000"/>
+              </a:schemeClr>
+            </a:lnRef>
+            <a:fillRef idx="1">
+              <a:schemeClr val="accent1"/>
+            </a:fillRef>
+            <a:effectRef idx="0">
+              <a:schemeClr val="accent1"/>
+            </a:effectRef>
+            <a:fontRef idx="minor">
+              <a:schemeClr val="lt1"/>
+            </a:fontRef>
+          </p:style>
+          <p:txBody>
+            <a:bodyPr rtlCol="0" anchor="ctr"/>
+            <a:lstStyle/>
+            <a:p>
+              <a:pPr algn="ctr"/>
+              <a:endParaRPr lang="es-ES"/>
+            </a:p>
+          </p:txBody>
+        </p:sp>
+        <p:sp>
+          <p:nvSpPr>
+            <p:cNvPr id="1037" name="CuadroTexto 1036"/>
+            <p:cNvSpPr txBox="1"/>
+            <p:nvPr/>
+          </p:nvSpPr>
+          <p:spPr>
+            <a:xfrm>
+              <a:off x="5121912" y="3965227"/>
+              <a:ext cx="2723823" cy="369332"/>
+            </a:xfrm>
+            <a:prstGeom prst="rect">
+              <a:avLst/>
+            </a:prstGeom>
+            <a:noFill/>
+          </p:spPr>
+          <p:txBody>
+            <a:bodyPr wrap="none" rtlCol="0">
+              <a:spAutoFit/>
+            </a:bodyPr>
+            <a:lstStyle/>
+            <a:p>
+              <a:r>
+                <a:rPr lang="es-ES" dirty="0" smtClean="0">
+                  <a:latin typeface="Century Gothic" panose="020B0502020202020204" pitchFamily="34" charset="0"/>
+                </a:rPr>
+                <a:t>Escanee su credencial</a:t>
+              </a:r>
+              <a:endParaRPr lang="es-ES" dirty="0">
+                <a:latin typeface="Century Gothic" panose="020B0502020202020204" pitchFamily="34" charset="0"/>
+              </a:endParaRPr>
+            </a:p>
+          </p:txBody>
+        </p:sp>
+        <p:sp>
+          <p:nvSpPr>
+            <p:cNvPr id="56" name="CuadroTexto 55"/>
+            <p:cNvSpPr txBox="1"/>
+            <p:nvPr/>
+          </p:nvSpPr>
+          <p:spPr>
+            <a:xfrm>
+              <a:off x="4296161" y="2626415"/>
+              <a:ext cx="2610010" cy="369332"/>
+            </a:xfrm>
+            <a:prstGeom prst="rect">
+              <a:avLst/>
+            </a:prstGeom>
+            <a:noFill/>
+          </p:spPr>
+          <p:txBody>
+            <a:bodyPr wrap="none" rtlCol="0">
+              <a:spAutoFit/>
+            </a:bodyPr>
+            <a:lstStyle/>
+            <a:p>
+              <a:r>
+                <a:rPr lang="es-ES" dirty="0" smtClean="0">
+                  <a:latin typeface="Century Gothic" panose="020B0502020202020204" pitchFamily="34" charset="0"/>
+                </a:rPr>
+                <a:t>Ingrese la contraseña</a:t>
+              </a:r>
+              <a:endParaRPr lang="es-ES" dirty="0">
+                <a:latin typeface="Century Gothic" panose="020B0502020202020204" pitchFamily="34" charset="0"/>
+              </a:endParaRPr>
+            </a:p>
+          </p:txBody>
+        </p:sp>
+        <p:sp>
+          <p:nvSpPr>
+            <p:cNvPr id="2" name="1 CuadroTexto"/>
+            <p:cNvSpPr txBox="1"/>
+            <p:nvPr/>
+          </p:nvSpPr>
+          <p:spPr>
+            <a:xfrm>
+              <a:off x="2555447" y="1357439"/>
+              <a:ext cx="6671352" cy="954107"/>
+            </a:xfrm>
+            <a:prstGeom prst="rect">
+              <a:avLst/>
+            </a:prstGeom>
+            <a:noFill/>
+          </p:spPr>
+          <p:txBody>
+            <a:bodyPr wrap="square" rtlCol="0">
+              <a:spAutoFit/>
+            </a:bodyPr>
+            <a:lstStyle/>
+            <a:p>
+              <a:pPr algn="ctr"/>
+              <a:r>
+                <a:rPr lang="es-AR" sz="2800" dirty="0" smtClean="0">
+                  <a:latin typeface="Century Gothic" pitchFamily="34" charset="0"/>
+                </a:rPr>
+                <a:t>Esta acción requiere permisos de administrador</a:t>
+              </a:r>
+              <a:endParaRPr lang="es-AR" sz="2800" dirty="0">
+                <a:latin typeface="Century Gothic" pitchFamily="34" charset="0"/>
+              </a:endParaRPr>
+            </a:p>
+          </p:txBody>
+        </p:sp>
+        <p:sp>
+          <p:nvSpPr>
+            <p:cNvPr id="25" name="Rectángulo redondeado 4"/>
+            <p:cNvSpPr/>
+            <p:nvPr/>
+          </p:nvSpPr>
+          <p:spPr>
+            <a:xfrm>
+              <a:off x="4296161" y="3009168"/>
+              <a:ext cx="4211049" cy="450537"/>
+            </a:xfrm>
+            <a:prstGeom prst="roundRect">
+              <a:avLst/>
+            </a:prstGeom>
+            <a:solidFill>
+              <a:schemeClr val="tx1">
+                <a:alpha val="22000"/>
+              </a:schemeClr>
+            </a:solidFill>
+            <a:ln>
+              <a:noFill/>
+            </a:ln>
+          </p:spPr>
+          <p:style>
+            <a:lnRef idx="2">
+              <a:schemeClr val="accent1">
+                <a:shade val="50000"/>
+              </a:schemeClr>
+            </a:lnRef>
+            <a:fillRef idx="1">
+              <a:schemeClr val="accent1"/>
+            </a:fillRef>
+            <a:effectRef idx="0">
+              <a:schemeClr val="accent1"/>
+            </a:effectRef>
+            <a:fontRef idx="minor">
+              <a:schemeClr val="lt1"/>
+            </a:fontRef>
+          </p:style>
+          <p:txBody>
+            <a:bodyPr rtlCol="0" anchor="ctr"/>
+            <a:lstStyle/>
+            <a:p>
+              <a:pPr algn="r"/>
+              <a:endParaRPr lang="es-ES" dirty="0"/>
+            </a:p>
+          </p:txBody>
+        </p:sp>
+        <p:sp>
+          <p:nvSpPr>
+            <p:cNvPr id="3" name="2 CuadroTexto"/>
+            <p:cNvSpPr txBox="1"/>
+            <p:nvPr/>
+          </p:nvSpPr>
+          <p:spPr>
+            <a:xfrm>
+              <a:off x="6308098" y="3595895"/>
+              <a:ext cx="306494" cy="369332"/>
+            </a:xfrm>
+            <a:prstGeom prst="rect">
+              <a:avLst/>
+            </a:prstGeom>
+            <a:noFill/>
+          </p:spPr>
+          <p:txBody>
+            <a:bodyPr wrap="none" rtlCol="0">
+              <a:spAutoFit/>
+            </a:bodyPr>
+            <a:lstStyle/>
+            <a:p>
+              <a:r>
+                <a:rPr lang="es-AR" dirty="0" smtClean="0"/>
+                <a:t>o</a:t>
+              </a:r>
+              <a:endParaRPr lang="es-AR" dirty="0"/>
+            </a:p>
+          </p:txBody>
+        </p:sp>
+        <p:pic>
+          <p:nvPicPr>
+            <p:cNvPr id="27" name="Picture 2" descr="Resultado de imagen para Codigo de barras png"/>
+            <p:cNvPicPr>
+              <a:picLocks noChangeAspect="1" noChangeArrowheads="1"/>
+            </p:cNvPicPr>
+            <p:nvPr/>
+          </p:nvPicPr>
+          <p:blipFill>
+            <a:blip r:embed="rId3" cstate="print">
+              <a:extLst>
+                <a:ext uri="{28A0092B-C50C-407E-A947-70E740481C1C}">
+                  <a14:useLocalDpi xmlns:a14="http://schemas.microsoft.com/office/drawing/2010/main" val="0"/>
+                </a:ext>
+              </a:extLst>
+            </a:blip>
+            <a:srcRect/>
+            <a:stretch>
+              <a:fillRect/>
+            </a:stretch>
+          </p:blipFill>
+          <p:spPr bwMode="auto">
+            <a:xfrm>
+              <a:off x="5048314" y="4334559"/>
+              <a:ext cx="2871017" cy="1377144"/>
+            </a:xfrm>
+            <a:prstGeom prst="rect">
+              <a:avLst/>
+            </a:prstGeom>
+            <a:noFill/>
+            <a:extLst>
+              <a:ext uri="{909E8E84-426E-40DD-AFC4-6F175D3DCCD1}">
+                <a14:hiddenFill xmlns:a14="http://schemas.microsoft.com/office/drawing/2010/main">
+                  <a:solidFill>
+                    <a:srgbClr val="FFFFFF"/>
+                  </a:solidFill>
+                </a14:hiddenFill>
+              </a:ext>
+            </a:extLst>
+          </p:spPr>
+        </p:pic>
+      </p:grpSp>
+    </p:spTree>
+    <p:extLst>
+      <p:ext uri="{BB962C8B-B14F-4D97-AF65-F5344CB8AC3E}">
+        <p14:creationId xmlns:p14="http://schemas.microsoft.com/office/powerpoint/2010/main" val="3877697448"/>
+      </p:ext>
+    </p:extLst>
+  </p:cSld>
+  <p:clrMapOvr>
+    <a:masterClrMapping/>
+  </p:clrMapOvr>
+  <mc:AlternateContent xmlns:mc="http://schemas.openxmlformats.org/markup-compatibility/2006" xmlns:p14="http://schemas.microsoft.com/office/powerpoint/2010/main">
+    <mc:Choice Requires="p14">
+      <p:transition spd="med" p14:dur="700">
+        <p:fade/>
+      </p:transition>
+    </mc:Choice>
+    <mc:Fallback xmlns="">
+      <p:transition spd="med">
+        <p:fade/>
+      </p:transition>
+    </mc:Fallback>
+  </mc:AlternateContent>
+  <p:timing>
+    <p:tnLst>
+      <p:par>
+        <p:cTn id="1" dur="indefinite" restart="never" nodeType="tmRoot"/>
+      </p:par>
+    </p:tnLst>
+  </p:timing>
+</p:sld>
+</file>
+
+<file path=ppt/slides/slide5.xml><?xml version="1.0" encoding="utf-8"?>
+<p:sld xmlns:a="http://schemas.openxmlformats.org/drawingml/2006/main" xmlns:r="http://schemas.openxmlformats.org/officeDocument/2006/relationships" xmlns:p="http://schemas.openxmlformats.org/presentationml/2006/main">
+  <p:cSld>
+    <p:spTree>
+      <p:nvGrpSpPr>
+        <p:cNvPr id="1" name=""/>
+        <p:cNvGrpSpPr/>
+        <p:nvPr/>
+      </p:nvGrpSpPr>
+      <p:grpSpPr>
+        <a:xfrm>
+          <a:off x="0" y="0"/>
+          <a:ext cx="0" cy="0"/>
+          <a:chOff x="0" y="0"/>
+          <a:chExt cx="0" cy="0"/>
+        </a:xfrm>
+      </p:grpSpPr>
+      <p:grpSp>
+        <p:nvGrpSpPr>
+          <p:cNvPr id="16" name="15 Grupo"/>
+          <p:cNvGrpSpPr/>
+          <p:nvPr/>
+        </p:nvGrpSpPr>
+        <p:grpSpPr>
+          <a:xfrm>
+            <a:off x="2555446" y="984256"/>
+            <a:ext cx="7128187" cy="4302177"/>
+            <a:chOff x="2327029" y="914400"/>
+            <a:chExt cx="7128187" cy="4302177"/>
+          </a:xfrm>
+        </p:grpSpPr>
+        <p:pic>
+          <p:nvPicPr>
+            <p:cNvPr id="4" name="Imagen 1028"/>
+            <p:cNvPicPr>
+              <a:picLocks noChangeAspect="1"/>
+            </p:cNvPicPr>
+            <p:nvPr/>
+          </p:nvPicPr>
+          <p:blipFill>
+            <a:blip r:embed="rId2">
+              <a:extLst>
+                <a:ext uri="{28A0092B-C50C-407E-A947-70E740481C1C}">
+                  <a14:useLocalDpi xmlns:a14="http://schemas.microsoft.com/office/drawing/2010/main" val="0"/>
+                </a:ext>
+              </a:extLst>
+            </a:blip>
+            <a:stretch>
+              <a:fillRect/>
+            </a:stretch>
+          </p:blipFill>
+          <p:spPr>
+            <a:xfrm>
+              <a:off x="2641095" y="2741383"/>
+              <a:ext cx="2078356" cy="2078356"/>
+            </a:xfrm>
+            <a:prstGeom prst="rect">
+              <a:avLst/>
+            </a:prstGeom>
+          </p:spPr>
+        </p:pic>
+        <p:sp>
+          <p:nvSpPr>
+            <p:cNvPr id="5" name="Rectángulo 1035"/>
+            <p:cNvSpPr/>
+            <p:nvPr/>
+          </p:nvSpPr>
+          <p:spPr>
+            <a:xfrm>
+              <a:off x="2327029" y="914400"/>
+              <a:ext cx="7128187" cy="4302177"/>
+            </a:xfrm>
+            <a:prstGeom prst="rect">
+              <a:avLst/>
+            </a:prstGeom>
+            <a:noFill/>
+            <a:ln>
+              <a:solidFill>
+                <a:schemeClr val="tx1"/>
+              </a:solidFill>
+            </a:ln>
+          </p:spPr>
+          <p:style>
+            <a:lnRef idx="2">
+              <a:schemeClr val="accent1">
+                <a:shade val="50000"/>
+              </a:schemeClr>
+            </a:lnRef>
+            <a:fillRef idx="1">
+              <a:schemeClr val="accent1"/>
+            </a:fillRef>
+            <a:effectRef idx="0">
+              <a:schemeClr val="accent1"/>
+            </a:effectRef>
+            <a:fontRef idx="minor">
+              <a:schemeClr val="lt1"/>
+            </a:fontRef>
+          </p:style>
+          <p:txBody>
+            <a:bodyPr rtlCol="0" anchor="ctr"/>
+            <a:lstStyle/>
+            <a:p>
+              <a:pPr algn="ctr"/>
+              <a:endParaRPr lang="es-ES"/>
+            </a:p>
+          </p:txBody>
+        </p:sp>
+        <p:sp>
+          <p:nvSpPr>
+            <p:cNvPr id="8" name="7 CuadroTexto"/>
+            <p:cNvSpPr txBox="1"/>
+            <p:nvPr/>
+          </p:nvSpPr>
+          <p:spPr>
+            <a:xfrm>
+              <a:off x="2783864" y="1357439"/>
+              <a:ext cx="6671352" cy="954107"/>
+            </a:xfrm>
+            <a:prstGeom prst="rect">
+              <a:avLst/>
+            </a:prstGeom>
+            <a:noFill/>
+          </p:spPr>
+          <p:txBody>
+            <a:bodyPr wrap="square" rtlCol="0">
+              <a:spAutoFit/>
+            </a:bodyPr>
+            <a:lstStyle/>
+            <a:p>
+              <a:pPr algn="ctr"/>
+              <a:r>
+                <a:rPr lang="es-AR" sz="2800" dirty="0" smtClean="0">
+                  <a:latin typeface="Century Gothic" pitchFamily="34" charset="0"/>
+                </a:rPr>
+                <a:t>Usted está accediendo al área de eliminación de empleados</a:t>
+              </a:r>
+              <a:endParaRPr lang="es-AR" sz="2800" dirty="0">
+                <a:latin typeface="Century Gothic" pitchFamily="34" charset="0"/>
+              </a:endParaRPr>
+            </a:p>
+          </p:txBody>
+        </p:sp>
+        <p:sp>
+          <p:nvSpPr>
+            <p:cNvPr id="12" name="CuadroTexto 16"/>
+            <p:cNvSpPr txBox="1"/>
+            <p:nvPr/>
+          </p:nvSpPr>
+          <p:spPr>
+            <a:xfrm>
+              <a:off x="6499764" y="3090375"/>
+              <a:ext cx="916598" cy="369332"/>
+            </a:xfrm>
+            <a:prstGeom prst="rect">
+              <a:avLst/>
+            </a:prstGeom>
+            <a:noFill/>
+          </p:spPr>
+          <p:txBody>
+            <a:bodyPr wrap="none" rtlCol="0">
+              <a:spAutoFit/>
+            </a:bodyPr>
+            <a:lstStyle/>
+            <a:p>
+              <a:r>
+                <a:rPr lang="es-ES" dirty="0" smtClean="0"/>
+                <a:t>Aceptar</a:t>
+              </a:r>
+              <a:endParaRPr lang="es-ES" dirty="0"/>
+            </a:p>
+          </p:txBody>
+        </p:sp>
+        <p:sp>
+          <p:nvSpPr>
+            <p:cNvPr id="13" name="Rectángulo redondeado 17"/>
+            <p:cNvSpPr/>
+            <p:nvPr/>
+          </p:nvSpPr>
+          <p:spPr>
+            <a:xfrm>
+              <a:off x="5313885" y="3062194"/>
+              <a:ext cx="3176789" cy="425694"/>
+            </a:xfrm>
+            <a:prstGeom prst="roundRect">
+              <a:avLst/>
+            </a:prstGeom>
+            <a:noFill/>
+            <a:ln>
+              <a:solidFill>
+                <a:schemeClr val="tx1"/>
+              </a:solidFill>
+            </a:ln>
+          </p:spPr>
+          <p:style>
+            <a:lnRef idx="2">
+              <a:schemeClr val="accent1">
+                <a:shade val="50000"/>
+              </a:schemeClr>
+            </a:lnRef>
+            <a:fillRef idx="1">
+              <a:schemeClr val="accent1"/>
+            </a:fillRef>
+            <a:effectRef idx="0">
+              <a:schemeClr val="accent1"/>
+            </a:effectRef>
+            <a:fontRef idx="minor">
+              <a:schemeClr val="lt1"/>
+            </a:fontRef>
+          </p:style>
+          <p:txBody>
+            <a:bodyPr rtlCol="0" anchor="ctr"/>
+            <a:lstStyle/>
+            <a:p>
+              <a:pPr algn="r"/>
+              <a:endParaRPr lang="es-ES" dirty="0"/>
+            </a:p>
+          </p:txBody>
+        </p:sp>
+        <p:sp>
+          <p:nvSpPr>
+            <p:cNvPr id="14" name="CuadroTexto 16"/>
+            <p:cNvSpPr txBox="1"/>
+            <p:nvPr/>
+          </p:nvSpPr>
+          <p:spPr>
+            <a:xfrm>
+              <a:off x="6499763" y="3836923"/>
+              <a:ext cx="997389" cy="369332"/>
+            </a:xfrm>
+            <a:prstGeom prst="rect">
+              <a:avLst/>
+            </a:prstGeom>
+            <a:noFill/>
+          </p:spPr>
+          <p:txBody>
+            <a:bodyPr wrap="none" rtlCol="0">
+              <a:spAutoFit/>
+            </a:bodyPr>
+            <a:lstStyle/>
+            <a:p>
+              <a:r>
+                <a:rPr lang="es-ES" dirty="0" smtClean="0"/>
+                <a:t>Cancelar</a:t>
+              </a:r>
+              <a:endParaRPr lang="es-ES" dirty="0"/>
+            </a:p>
+          </p:txBody>
+        </p:sp>
+        <p:sp>
+          <p:nvSpPr>
+            <p:cNvPr id="15" name="Rectángulo redondeado 17"/>
+            <p:cNvSpPr/>
+            <p:nvPr/>
+          </p:nvSpPr>
+          <p:spPr>
+            <a:xfrm>
+              <a:off x="5313884" y="3808742"/>
+              <a:ext cx="3176789" cy="425694"/>
+            </a:xfrm>
+            <a:prstGeom prst="roundRect">
+              <a:avLst/>
+            </a:prstGeom>
+            <a:noFill/>
+            <a:ln>
+              <a:solidFill>
+                <a:schemeClr val="tx1"/>
+              </a:solidFill>
+            </a:ln>
+          </p:spPr>
+          <p:style>
+            <a:lnRef idx="2">
+              <a:schemeClr val="accent1">
+                <a:shade val="50000"/>
+              </a:schemeClr>
+            </a:lnRef>
+            <a:fillRef idx="1">
+              <a:schemeClr val="accent1"/>
+            </a:fillRef>
+            <a:effectRef idx="0">
+              <a:schemeClr val="accent1"/>
+            </a:effectRef>
+            <a:fontRef idx="minor">
+              <a:schemeClr val="lt1"/>
+            </a:fontRef>
+          </p:style>
+          <p:txBody>
+            <a:bodyPr rtlCol="0" anchor="ctr"/>
+            <a:lstStyle/>
+            <a:p>
+              <a:pPr algn="r"/>
+              <a:endParaRPr lang="es-ES" dirty="0"/>
+            </a:p>
+          </p:txBody>
+        </p:sp>
+      </p:grpSp>
+    </p:spTree>
+    <p:extLst>
+      <p:ext uri="{BB962C8B-B14F-4D97-AF65-F5344CB8AC3E}">
+        <p14:creationId xmlns:p14="http://schemas.microsoft.com/office/powerpoint/2010/main" val="1239175053"/>
+      </p:ext>
+    </p:extLst>
+  </p:cSld>
+  <p:clrMapOvr>
+    <a:masterClrMapping/>
+  </p:clrMapOvr>
+  <mc:AlternateContent xmlns:mc="http://schemas.openxmlformats.org/markup-compatibility/2006" xmlns:p14="http://schemas.microsoft.com/office/powerpoint/2010/main">
+    <mc:Choice Requires="p14">
+      <p:transition spd="med" p14:dur="700">
+        <p:fade/>
+      </p:transition>
+    </mc:Choice>
+    <mc:Fallback xmlns="">
+      <p:transition spd="med">
+        <p:fade/>
+      </p:transition>
+    </mc:Fallback>
+  </mc:AlternateContent>
+  <p:timing>
+    <p:tnLst>
+      <p:par>
+        <p:cTn id="1" dur="indefinite" restart="never" nodeType="tmRoot"/>
+      </p:par>
+    </p:tnLst>
+  </p:timing>
+</p:sld>
+</file>
+
+<file path=ppt/slides/slide6.xml><?xml version="1.0" encoding="utf-8"?>
+<p:sld xmlns:a="http://schemas.openxmlformats.org/drawingml/2006/main" xmlns:r="http://schemas.openxmlformats.org/officeDocument/2006/relationships" xmlns:p="http://schemas.openxmlformats.org/presentationml/2006/main">
+  <p:cSld>
+    <p:spTree>
+      <p:nvGrpSpPr>
+        <p:cNvPr id="1" name=""/>
+        <p:cNvGrpSpPr/>
+        <p:nvPr/>
+      </p:nvGrpSpPr>
+      <p:grpSpPr>
+        <a:xfrm>
+          <a:off x="0" y="0"/>
+          <a:ext cx="0" cy="0"/>
+          <a:chOff x="0" y="0"/>
+          <a:chExt cx="0" cy="0"/>
+        </a:xfrm>
+      </p:grpSpPr>
+      <p:grpSp>
+        <p:nvGrpSpPr>
+          <p:cNvPr id="9" name="Grupo 8"/>
+          <p:cNvGrpSpPr/>
+          <p:nvPr/>
+        </p:nvGrpSpPr>
+        <p:grpSpPr>
+          <a:xfrm>
+            <a:off x="2116071" y="1795535"/>
+            <a:ext cx="7820158" cy="3013654"/>
+            <a:chOff x="2039871" y="1871735"/>
+            <a:chExt cx="7820158" cy="3013654"/>
+          </a:xfrm>
+        </p:grpSpPr>
+        <p:sp>
+          <p:nvSpPr>
+            <p:cNvPr id="4" name="Rectángulo 3"/>
+            <p:cNvSpPr/>
+            <p:nvPr/>
+          </p:nvSpPr>
+          <p:spPr>
+            <a:xfrm>
+              <a:off x="2039871" y="1871735"/>
+              <a:ext cx="3871979" cy="3013654"/>
+            </a:xfrm>
+            <a:prstGeom prst="rect">
+              <a:avLst/>
+            </a:prstGeom>
+            <a:noFill/>
+            <a:ln>
+              <a:solidFill>
+                <a:schemeClr val="tx1"/>
+              </a:solidFill>
+            </a:ln>
+          </p:spPr>
+          <p:style>
+            <a:lnRef idx="2">
+              <a:schemeClr val="accent1">
+                <a:shade val="50000"/>
+              </a:schemeClr>
+            </a:lnRef>
+            <a:fillRef idx="1">
+              <a:schemeClr val="accent1"/>
+            </a:fillRef>
+            <a:effectRef idx="0">
+              <a:schemeClr val="accent1"/>
+            </a:effectRef>
+            <a:fontRef idx="minor">
+              <a:schemeClr val="lt1"/>
+            </a:fontRef>
+          </p:style>
+          <p:txBody>
+            <a:bodyPr rtlCol="0" anchor="ctr"/>
+            <a:lstStyle/>
+            <a:p>
+              <a:pPr algn="ctr"/>
+              <a:endParaRPr lang="es-ES"/>
+            </a:p>
+          </p:txBody>
+        </p:sp>
+        <p:sp>
+          <p:nvSpPr>
+            <p:cNvPr id="5" name="Rectángulo 4"/>
+            <p:cNvSpPr/>
+            <p:nvPr/>
+          </p:nvSpPr>
+          <p:spPr>
+            <a:xfrm>
+              <a:off x="5988050" y="1871735"/>
+              <a:ext cx="3871979" cy="3013654"/>
+            </a:xfrm>
+            <a:prstGeom prst="rect">
+              <a:avLst/>
+            </a:prstGeom>
+            <a:noFill/>
+            <a:ln>
+              <a:solidFill>
+                <a:schemeClr val="tx1"/>
+              </a:solidFill>
+            </a:ln>
+          </p:spPr>
+          <p:style>
+            <a:lnRef idx="2">
+              <a:schemeClr val="accent1">
+                <a:shade val="50000"/>
+              </a:schemeClr>
+            </a:lnRef>
+            <a:fillRef idx="1">
+              <a:schemeClr val="accent1"/>
+            </a:fillRef>
+            <a:effectRef idx="0">
+              <a:schemeClr val="accent1"/>
+            </a:effectRef>
+            <a:fontRef idx="minor">
+              <a:schemeClr val="lt1"/>
+            </a:fontRef>
+          </p:style>
+          <p:txBody>
+            <a:bodyPr rtlCol="0" anchor="ctr"/>
+            <a:lstStyle/>
+            <a:p>
+              <a:pPr algn="ctr"/>
+              <a:endParaRPr lang="es-ES"/>
+            </a:p>
+          </p:txBody>
+        </p:sp>
+        <p:sp>
+          <p:nvSpPr>
+            <p:cNvPr id="7" name="CuadroTexto 6"/>
+            <p:cNvSpPr txBox="1"/>
+            <p:nvPr/>
+          </p:nvSpPr>
+          <p:spPr>
+            <a:xfrm>
+              <a:off x="2630783" y="3147729"/>
+              <a:ext cx="2690160" cy="461665"/>
+            </a:xfrm>
+            <a:prstGeom prst="rect">
+              <a:avLst/>
+            </a:prstGeom>
+            <a:noFill/>
+          </p:spPr>
+          <p:txBody>
+            <a:bodyPr wrap="none" rtlCol="0">
+              <a:spAutoFit/>
+            </a:bodyPr>
+            <a:lstStyle/>
+            <a:p>
+              <a:pPr algn="ctr"/>
+              <a:r>
+                <a:rPr lang="es-ES" sz="2400" dirty="0" smtClean="0">
+                  <a:latin typeface="Century Gothic" panose="020B0502020202020204" pitchFamily="34" charset="0"/>
+                </a:rPr>
+                <a:t>Informe personal</a:t>
+              </a:r>
+              <a:endParaRPr lang="es-ES" sz="2400" dirty="0">
+                <a:latin typeface="Century Gothic" panose="020B0502020202020204" pitchFamily="34" charset="0"/>
+              </a:endParaRPr>
+            </a:p>
+          </p:txBody>
+        </p:sp>
+        <p:sp>
+          <p:nvSpPr>
+            <p:cNvPr id="8" name="CuadroTexto 7"/>
+            <p:cNvSpPr txBox="1"/>
+            <p:nvPr/>
+          </p:nvSpPr>
+          <p:spPr>
+            <a:xfrm>
+              <a:off x="6641478" y="3147729"/>
+              <a:ext cx="2565126" cy="461665"/>
+            </a:xfrm>
+            <a:prstGeom prst="rect">
+              <a:avLst/>
+            </a:prstGeom>
+            <a:noFill/>
+          </p:spPr>
+          <p:txBody>
+            <a:bodyPr wrap="none" rtlCol="0">
+              <a:spAutoFit/>
+            </a:bodyPr>
+            <a:lstStyle/>
+            <a:p>
+              <a:pPr algn="ctr"/>
+              <a:r>
+                <a:rPr lang="es-ES" sz="2400" dirty="0" smtClean="0">
+                  <a:latin typeface="Century Gothic" panose="020B0502020202020204" pitchFamily="34" charset="0"/>
+                </a:rPr>
+                <a:t>Informe general</a:t>
+              </a:r>
+              <a:endParaRPr lang="es-ES" sz="2400" dirty="0">
+                <a:latin typeface="Century Gothic" panose="020B0502020202020204" pitchFamily="34" charset="0"/>
+              </a:endParaRPr>
+            </a:p>
+          </p:txBody>
+        </p:sp>
+      </p:grpSp>
+    </p:spTree>
+    <p:extLst>
+      <p:ext uri="{BB962C8B-B14F-4D97-AF65-F5344CB8AC3E}">
+        <p14:creationId xmlns:p14="http://schemas.microsoft.com/office/powerpoint/2010/main" val="3342289920"/>
+      </p:ext>
+    </p:extLst>
+  </p:cSld>
+  <p:clrMapOvr>
+    <a:masterClrMapping/>
+  </p:clrMapOvr>
+  <mc:AlternateContent xmlns:mc="http://schemas.openxmlformats.org/markup-compatibility/2006" xmlns:p14="http://schemas.microsoft.com/office/powerpoint/2010/main">
+    <mc:Choice Requires="p14">
+      <p:transition spd="med" p14:dur="700">
+        <p:fade/>
+      </p:transition>
+    </mc:Choice>
+    <mc:Fallback xmlns="">
+      <p:transition spd="med">
+        <p:fade/>
+      </p:transition>
+    </mc:Fallback>
+  </mc:AlternateContent>
+  <p:timing>
+    <p:tnLst>
+      <p:par>
+        <p:cTn id="1" dur="indefinite" restart="never" nodeType="tmRoot"/>
+      </p:par>
+    </p:tnLst>
+  </p:timing>
+</p:sld>
+</file>
+
+<file path=ppt/slides/slide7.xml><?xml version="1.0" encoding="utf-8"?>
 <p:sld xmlns:a="http://schemas.openxmlformats.org/drawingml/2006/main" xmlns:r="http://schemas.openxmlformats.org/officeDocument/2006/relationships" xmlns:p="http://schemas.openxmlformats.org/presentationml/2006/main">
   <p:cSld>
     <p:spTree>
@@ -6889,13 +8451,13 @@
   <p:clrMapOvr>
     <a:masterClrMapping/>
   </p:clrMapOvr>
-  <mc:AlternateContent xmlns:mc="http://schemas.openxmlformats.org/markup-compatibility/2006">
-    <mc:Choice xmlns:p14="http://schemas.microsoft.com/office/powerpoint/2010/main" Requires="p14">
+  <mc:AlternateContent xmlns:mc="http://schemas.openxmlformats.org/markup-compatibility/2006" xmlns:p14="http://schemas.microsoft.com/office/powerpoint/2010/main">
+    <mc:Choice Requires="p14">
       <p:transition spd="med" p14:dur="700">
         <p:fade/>
       </p:transition>
     </mc:Choice>
-    <mc:Fallback>
+    <mc:Fallback xmlns="">
       <p:transition spd="med">
         <p:fade/>
       </p:transition>
@@ -6911,7 +8473,1477 @@
 </p:sld>
 </file>
 
-<file path=ppt/slides/slide4.xml><?xml version="1.0" encoding="utf-8"?>
+<file path=ppt/slides/slide8.xml><?xml version="1.0" encoding="utf-8"?>
+<p:sld xmlns:a="http://schemas.openxmlformats.org/drawingml/2006/main" xmlns:r="http://schemas.openxmlformats.org/officeDocument/2006/relationships" xmlns:p="http://schemas.openxmlformats.org/presentationml/2006/main">
+  <p:cSld>
+    <p:spTree>
+      <p:nvGrpSpPr>
+        <p:cNvPr id="1" name=""/>
+        <p:cNvGrpSpPr/>
+        <p:nvPr/>
+      </p:nvGrpSpPr>
+      <p:grpSpPr>
+        <a:xfrm>
+          <a:off x="0" y="0"/>
+          <a:ext cx="0" cy="0"/>
+          <a:chOff x="0" y="0"/>
+          <a:chExt cx="0" cy="0"/>
+        </a:xfrm>
+      </p:grpSpPr>
+      <p:sp>
+        <p:nvSpPr>
+          <p:cNvPr id="5" name="Rectángulo 4"/>
+          <p:cNvSpPr/>
+          <p:nvPr/>
+        </p:nvSpPr>
+        <p:spPr>
+          <a:xfrm>
+            <a:off x="0" y="0"/>
+            <a:ext cx="3530600" cy="6858000"/>
+          </a:xfrm>
+          <a:prstGeom prst="rect">
+            <a:avLst/>
+          </a:prstGeom>
+          <a:solidFill>
+            <a:schemeClr val="tx1">
+              <a:lumMod val="85000"/>
+              <a:lumOff val="15000"/>
+            </a:schemeClr>
+          </a:solidFill>
+          <a:ln>
+            <a:noFill/>
+          </a:ln>
+        </p:spPr>
+        <p:style>
+          <a:lnRef idx="2">
+            <a:schemeClr val="accent1">
+              <a:shade val="50000"/>
+            </a:schemeClr>
+          </a:lnRef>
+          <a:fillRef idx="1">
+            <a:schemeClr val="accent1"/>
+          </a:fillRef>
+          <a:effectRef idx="0">
+            <a:schemeClr val="accent1"/>
+          </a:effectRef>
+          <a:fontRef idx="minor">
+            <a:schemeClr val="lt1"/>
+          </a:fontRef>
+        </p:style>
+        <p:txBody>
+          <a:bodyPr rtlCol="0" anchor="ctr"/>
+          <a:lstStyle/>
+          <a:p>
+            <a:pPr algn="ctr"/>
+            <a:endParaRPr lang="es-ES" dirty="0"/>
+          </a:p>
+        </p:txBody>
+      </p:sp>
+      <p:grpSp>
+        <p:nvGrpSpPr>
+          <p:cNvPr id="2" name="Grupo 1"/>
+          <p:cNvGrpSpPr/>
+          <p:nvPr/>
+        </p:nvGrpSpPr>
+        <p:grpSpPr>
+          <a:xfrm>
+            <a:off x="81387" y="281642"/>
+            <a:ext cx="2835353" cy="752810"/>
+            <a:chOff x="144887" y="256242"/>
+            <a:chExt cx="2835353" cy="752810"/>
+          </a:xfrm>
+        </p:grpSpPr>
+        <p:sp>
+          <p:nvSpPr>
+            <p:cNvPr id="2055" name="Rectángulo redondeado 2054"/>
+            <p:cNvSpPr/>
+            <p:nvPr/>
+          </p:nvSpPr>
+          <p:spPr>
+            <a:xfrm>
+              <a:off x="144887" y="256242"/>
+              <a:ext cx="2835353" cy="752810"/>
+            </a:xfrm>
+            <a:prstGeom prst="roundRect">
+              <a:avLst/>
+            </a:prstGeom>
+            <a:solidFill>
+              <a:schemeClr val="bg1">
+                <a:alpha val="27000"/>
+              </a:schemeClr>
+            </a:solidFill>
+            <a:ln>
+              <a:noFill/>
+            </a:ln>
+          </p:spPr>
+          <p:style>
+            <a:lnRef idx="2">
+              <a:schemeClr val="accent1">
+                <a:shade val="50000"/>
+              </a:schemeClr>
+            </a:lnRef>
+            <a:fillRef idx="1">
+              <a:schemeClr val="accent1"/>
+            </a:fillRef>
+            <a:effectRef idx="0">
+              <a:schemeClr val="accent1"/>
+            </a:effectRef>
+            <a:fontRef idx="minor">
+              <a:schemeClr val="lt1"/>
+            </a:fontRef>
+          </p:style>
+          <p:txBody>
+            <a:bodyPr rtlCol="0" anchor="ctr"/>
+            <a:lstStyle/>
+            <a:p>
+              <a:pPr algn="ctr"/>
+              <a:endParaRPr lang="es-ES"/>
+            </a:p>
+          </p:txBody>
+        </p:sp>
+        <p:grpSp>
+          <p:nvGrpSpPr>
+            <p:cNvPr id="23" name="Grupo 22"/>
+            <p:cNvGrpSpPr/>
+            <p:nvPr/>
+          </p:nvGrpSpPr>
+          <p:grpSpPr>
+            <a:xfrm>
+              <a:off x="226454" y="369725"/>
+              <a:ext cx="2219055" cy="520700"/>
+              <a:chOff x="317500" y="450214"/>
+              <a:chExt cx="2219055" cy="520700"/>
+            </a:xfrm>
+          </p:grpSpPr>
+          <p:sp>
+            <p:nvSpPr>
+              <p:cNvPr id="4" name="Elipse 3"/>
+              <p:cNvSpPr/>
+              <p:nvPr/>
+            </p:nvSpPr>
+            <p:spPr>
+              <a:xfrm>
+                <a:off x="317500" y="450214"/>
+                <a:ext cx="520700" cy="520700"/>
+              </a:xfrm>
+              <a:prstGeom prst="ellipse">
+                <a:avLst/>
+              </a:prstGeom>
+              <a:noFill/>
+              <a:ln>
+                <a:solidFill>
+                  <a:schemeClr val="bg1"/>
+                </a:solidFill>
+              </a:ln>
+            </p:spPr>
+            <p:style>
+              <a:lnRef idx="2">
+                <a:schemeClr val="accent1">
+                  <a:shade val="50000"/>
+                </a:schemeClr>
+              </a:lnRef>
+              <a:fillRef idx="1">
+                <a:schemeClr val="accent1"/>
+              </a:fillRef>
+              <a:effectRef idx="0">
+                <a:schemeClr val="accent1"/>
+              </a:effectRef>
+              <a:fontRef idx="minor">
+                <a:schemeClr val="lt1"/>
+              </a:fontRef>
+            </p:style>
+            <p:txBody>
+              <a:bodyPr rtlCol="0" anchor="ctr"/>
+              <a:lstStyle/>
+              <a:p>
+                <a:pPr algn="ctr"/>
+                <a:endParaRPr lang="es-ES" sz="1400"/>
+              </a:p>
+            </p:txBody>
+          </p:sp>
+          <p:pic>
+            <p:nvPicPr>
+              <p:cNvPr id="13" name="Imagen 12"/>
+              <p:cNvPicPr>
+                <a:picLocks noChangeAspect="1"/>
+              </p:cNvPicPr>
+              <p:nvPr/>
+            </p:nvPicPr>
+            <p:blipFill>
+              <a:blip r:embed="rId2" cstate="print">
+                <a:extLst>
+                  <a:ext uri="{28A0092B-C50C-407E-A947-70E740481C1C}">
+                    <a14:useLocalDpi xmlns:a14="http://schemas.microsoft.com/office/drawing/2010/main" val="0"/>
+                  </a:ext>
+                </a:extLst>
+              </a:blip>
+              <a:stretch>
+                <a:fillRect/>
+              </a:stretch>
+            </p:blipFill>
+            <p:spPr>
+              <a:xfrm>
+                <a:off x="342900" y="450214"/>
+                <a:ext cx="469900" cy="469900"/>
+              </a:xfrm>
+              <a:prstGeom prst="rect">
+                <a:avLst/>
+              </a:prstGeom>
+            </p:spPr>
+          </p:pic>
+          <p:sp>
+            <p:nvSpPr>
+              <p:cNvPr id="16" name="CuadroTexto 15"/>
+              <p:cNvSpPr txBox="1"/>
+              <p:nvPr/>
+            </p:nvSpPr>
+            <p:spPr>
+              <a:xfrm>
+                <a:off x="919766" y="528651"/>
+                <a:ext cx="1616789" cy="338554"/>
+              </a:xfrm>
+              <a:prstGeom prst="rect">
+                <a:avLst/>
+              </a:prstGeom>
+              <a:noFill/>
+            </p:spPr>
+            <p:txBody>
+              <a:bodyPr wrap="none" rtlCol="0">
+                <a:spAutoFit/>
+              </a:bodyPr>
+              <a:lstStyle/>
+              <a:p>
+                <a:r>
+                  <a:rPr lang="es-ES" sz="1600" dirty="0" smtClean="0">
+                    <a:solidFill>
+                      <a:schemeClr val="bg1"/>
+                    </a:solidFill>
+                    <a:latin typeface="Euphemia" panose="020B0503040102020104" pitchFamily="34" charset="0"/>
+                    <a:cs typeface="Estrangelo Edessa" panose="03080600000000000000" pitchFamily="66" charset="0"/>
+                  </a:rPr>
+                  <a:t>Gustavo Unrein</a:t>
+                </a:r>
+                <a:endParaRPr lang="es-ES" sz="1600" dirty="0">
+                  <a:solidFill>
+                    <a:schemeClr val="bg1"/>
+                  </a:solidFill>
+                  <a:latin typeface="Euphemia" panose="020B0503040102020104" pitchFamily="34" charset="0"/>
+                  <a:cs typeface="Estrangelo Edessa" panose="03080600000000000000" pitchFamily="66" charset="0"/>
+                </a:endParaRPr>
+              </a:p>
+            </p:txBody>
+          </p:sp>
+        </p:grpSp>
+      </p:grpSp>
+      <p:sp>
+        <p:nvSpPr>
+          <p:cNvPr id="40" name="Elipse 39"/>
+          <p:cNvSpPr/>
+          <p:nvPr/>
+        </p:nvSpPr>
+        <p:spPr>
+          <a:xfrm>
+            <a:off x="3774216" y="161722"/>
+            <a:ext cx="1750903" cy="1750903"/>
+          </a:xfrm>
+          <a:prstGeom prst="ellipse">
+            <a:avLst/>
+          </a:prstGeom>
+          <a:noFill/>
+          <a:ln>
+            <a:solidFill>
+              <a:schemeClr val="tx1">
+                <a:lumMod val="50000"/>
+                <a:lumOff val="50000"/>
+              </a:schemeClr>
+            </a:solidFill>
+          </a:ln>
+        </p:spPr>
+        <p:style>
+          <a:lnRef idx="2">
+            <a:schemeClr val="accent1">
+              <a:shade val="50000"/>
+            </a:schemeClr>
+          </a:lnRef>
+          <a:fillRef idx="1">
+            <a:schemeClr val="accent1"/>
+          </a:fillRef>
+          <a:effectRef idx="0">
+            <a:schemeClr val="accent1"/>
+          </a:effectRef>
+          <a:fontRef idx="minor">
+            <a:schemeClr val="lt1"/>
+          </a:fontRef>
+        </p:style>
+        <p:txBody>
+          <a:bodyPr rtlCol="0" anchor="ctr"/>
+          <a:lstStyle/>
+          <a:p>
+            <a:pPr algn="ctr"/>
+            <a:endParaRPr lang="es-ES" sz="1600">
+              <a:ln>
+                <a:solidFill>
+                  <a:schemeClr val="tx1"/>
+                </a:solidFill>
+              </a:ln>
+            </a:endParaRPr>
+          </a:p>
+        </p:txBody>
+      </p:sp>
+      <p:pic>
+        <p:nvPicPr>
+          <p:cNvPr id="41" name="Imagen 40"/>
+          <p:cNvPicPr>
+            <a:picLocks noChangeAspect="1"/>
+          </p:cNvPicPr>
+          <p:nvPr/>
+        </p:nvPicPr>
+        <p:blipFill>
+          <a:blip r:embed="rId3">
+            <a:extLst>
+              <a:ext uri="{28A0092B-C50C-407E-A947-70E740481C1C}">
+                <a14:useLocalDpi xmlns:a14="http://schemas.microsoft.com/office/drawing/2010/main" val="0"/>
+              </a:ext>
+            </a:extLst>
+          </a:blip>
+          <a:stretch>
+            <a:fillRect/>
+          </a:stretch>
+        </p:blipFill>
+        <p:spPr>
+          <a:xfrm>
+            <a:off x="3863116" y="161722"/>
+            <a:ext cx="1580083" cy="1580083"/>
+          </a:xfrm>
+          <a:prstGeom prst="rect">
+            <a:avLst/>
+          </a:prstGeom>
+        </p:spPr>
+      </p:pic>
+      <p:sp>
+        <p:nvSpPr>
+          <p:cNvPr id="2056" name="CuadroTexto 2055"/>
+          <p:cNvSpPr txBox="1"/>
+          <p:nvPr/>
+        </p:nvSpPr>
+        <p:spPr>
+          <a:xfrm>
+            <a:off x="5657564" y="256242"/>
+            <a:ext cx="3471926" cy="646331"/>
+          </a:xfrm>
+          <a:prstGeom prst="rect">
+            <a:avLst/>
+          </a:prstGeom>
+          <a:noFill/>
+        </p:spPr>
+        <p:txBody>
+          <a:bodyPr wrap="square" rtlCol="0">
+            <a:spAutoFit/>
+          </a:bodyPr>
+          <a:lstStyle/>
+          <a:p>
+            <a:r>
+              <a:rPr lang="es-ES" sz="3600" dirty="0" smtClean="0">
+                <a:latin typeface="Euphemia" panose="020B0503040102020104" pitchFamily="34" charset="0"/>
+              </a:rPr>
+              <a:t>Gustavo Unrein</a:t>
+            </a:r>
+            <a:endParaRPr lang="es-ES" sz="3600" dirty="0">
+              <a:latin typeface="Euphemia" panose="020B0503040102020104" pitchFamily="34" charset="0"/>
+            </a:endParaRPr>
+          </a:p>
+        </p:txBody>
+      </p:sp>
+      <p:sp>
+        <p:nvSpPr>
+          <p:cNvPr id="44" name="CuadroTexto 43"/>
+          <p:cNvSpPr txBox="1"/>
+          <p:nvPr/>
+        </p:nvSpPr>
+        <p:spPr>
+          <a:xfrm>
+            <a:off x="5706265" y="774630"/>
+            <a:ext cx="3471926" cy="461665"/>
+          </a:xfrm>
+          <a:prstGeom prst="rect">
+            <a:avLst/>
+          </a:prstGeom>
+          <a:noFill/>
+        </p:spPr>
+        <p:txBody>
+          <a:bodyPr wrap="square" rtlCol="0">
+            <a:spAutoFit/>
+          </a:bodyPr>
+          <a:lstStyle/>
+          <a:p>
+            <a:r>
+              <a:rPr lang="es-ES" sz="2400" dirty="0" smtClean="0">
+                <a:solidFill>
+                  <a:schemeClr val="bg1">
+                    <a:lumMod val="50000"/>
+                  </a:schemeClr>
+                </a:solidFill>
+                <a:latin typeface="+mj-lt"/>
+              </a:rPr>
+              <a:t>Profesor</a:t>
+            </a:r>
+            <a:endParaRPr lang="es-ES" sz="2400" dirty="0">
+              <a:solidFill>
+                <a:schemeClr val="bg1">
+                  <a:lumMod val="50000"/>
+                </a:schemeClr>
+              </a:solidFill>
+              <a:latin typeface="+mj-lt"/>
+            </a:endParaRPr>
+          </a:p>
+        </p:txBody>
+      </p:sp>
+      <p:sp>
+        <p:nvSpPr>
+          <p:cNvPr id="2070" name="CuadroTexto 2069"/>
+          <p:cNvSpPr txBox="1"/>
+          <p:nvPr/>
+        </p:nvSpPr>
+        <p:spPr>
+          <a:xfrm>
+            <a:off x="3936812" y="2971393"/>
+            <a:ext cx="2153322" cy="369332"/>
+          </a:xfrm>
+          <a:prstGeom prst="rect">
+            <a:avLst/>
+          </a:prstGeom>
+          <a:noFill/>
+        </p:spPr>
+        <p:txBody>
+          <a:bodyPr wrap="square" rtlCol="0">
+            <a:spAutoFit/>
+          </a:bodyPr>
+          <a:lstStyle>
+            <a:defPPr>
+              <a:defRPr lang="es-ES"/>
+            </a:defPPr>
+            <a:lvl1pPr>
+              <a:defRPr sz="2400">
+                <a:solidFill>
+                  <a:schemeClr val="bg1">
+                    <a:lumMod val="50000"/>
+                  </a:schemeClr>
+                </a:solidFill>
+                <a:latin typeface="Euphemia" panose="020B0503040102020104" pitchFamily="34" charset="0"/>
+              </a:defRPr>
+            </a:lvl1pPr>
+          </a:lstStyle>
+          <a:p>
+            <a:r>
+              <a:rPr lang="es-ES" sz="1800" dirty="0"/>
+              <a:t>Inasistencias</a:t>
+            </a:r>
+          </a:p>
+        </p:txBody>
+      </p:sp>
+      <p:sp>
+        <p:nvSpPr>
+          <p:cNvPr id="59" name="CuadroTexto 58"/>
+          <p:cNvSpPr txBox="1"/>
+          <p:nvPr/>
+        </p:nvSpPr>
+        <p:spPr>
+          <a:xfrm>
+            <a:off x="3936812" y="3512508"/>
+            <a:ext cx="2347970" cy="369332"/>
+          </a:xfrm>
+          <a:prstGeom prst="rect">
+            <a:avLst/>
+          </a:prstGeom>
+          <a:noFill/>
+        </p:spPr>
+        <p:txBody>
+          <a:bodyPr wrap="square" rtlCol="0">
+            <a:spAutoFit/>
+          </a:bodyPr>
+          <a:lstStyle>
+            <a:defPPr>
+              <a:defRPr lang="es-ES"/>
+            </a:defPPr>
+            <a:lvl1pPr>
+              <a:defRPr sz="3600">
+                <a:latin typeface="Euphemia" panose="020B0503040102020104" pitchFamily="34" charset="0"/>
+              </a:defRPr>
+            </a:lvl1pPr>
+          </a:lstStyle>
+          <a:p>
+            <a:r>
+              <a:rPr lang="es-ES" sz="1800" dirty="0" smtClean="0">
+                <a:solidFill>
+                  <a:schemeClr val="bg1">
+                    <a:lumMod val="50000"/>
+                  </a:schemeClr>
+                </a:solidFill>
+              </a:rPr>
+              <a:t>Llegadas tarde</a:t>
+            </a:r>
+            <a:endParaRPr lang="es-ES" sz="1800" dirty="0">
+              <a:solidFill>
+                <a:schemeClr val="bg1">
+                  <a:lumMod val="50000"/>
+                </a:schemeClr>
+              </a:solidFill>
+            </a:endParaRPr>
+          </a:p>
+        </p:txBody>
+      </p:sp>
+      <p:sp>
+        <p:nvSpPr>
+          <p:cNvPr id="60" name="CuadroTexto 59"/>
+          <p:cNvSpPr txBox="1"/>
+          <p:nvPr/>
+        </p:nvSpPr>
+        <p:spPr>
+          <a:xfrm>
+            <a:off x="7716084" y="2971393"/>
+            <a:ext cx="1036033" cy="369332"/>
+          </a:xfrm>
+          <a:prstGeom prst="rect">
+            <a:avLst/>
+          </a:prstGeom>
+          <a:noFill/>
+        </p:spPr>
+        <p:txBody>
+          <a:bodyPr wrap="square" rtlCol="0">
+            <a:spAutoFit/>
+          </a:bodyPr>
+          <a:lstStyle>
+            <a:defPPr>
+              <a:defRPr lang="es-ES"/>
+            </a:defPPr>
+            <a:lvl1pPr>
+              <a:defRPr sz="2400">
+                <a:solidFill>
+                  <a:schemeClr val="tx1">
+                    <a:lumMod val="75000"/>
+                    <a:lumOff val="25000"/>
+                  </a:schemeClr>
+                </a:solidFill>
+                <a:latin typeface="Euphemia" panose="020B0503040102020104" pitchFamily="34" charset="0"/>
+              </a:defRPr>
+            </a:lvl1pPr>
+          </a:lstStyle>
+          <a:p>
+            <a:r>
+              <a:rPr lang="es-ES" sz="1800" dirty="0"/>
+              <a:t>8/10</a:t>
+            </a:r>
+          </a:p>
+        </p:txBody>
+      </p:sp>
+      <p:sp>
+        <p:nvSpPr>
+          <p:cNvPr id="61" name="CuadroTexto 60"/>
+          <p:cNvSpPr txBox="1"/>
+          <p:nvPr/>
+        </p:nvSpPr>
+        <p:spPr>
+          <a:xfrm>
+            <a:off x="7716084" y="3512508"/>
+            <a:ext cx="1036033" cy="369332"/>
+          </a:xfrm>
+          <a:prstGeom prst="rect">
+            <a:avLst/>
+          </a:prstGeom>
+          <a:noFill/>
+        </p:spPr>
+        <p:txBody>
+          <a:bodyPr wrap="square" rtlCol="0">
+            <a:spAutoFit/>
+          </a:bodyPr>
+          <a:lstStyle>
+            <a:defPPr>
+              <a:defRPr lang="es-ES"/>
+            </a:defPPr>
+            <a:lvl1pPr>
+              <a:defRPr sz="3600">
+                <a:latin typeface="Euphemia" panose="020B0503040102020104" pitchFamily="34" charset="0"/>
+              </a:defRPr>
+            </a:lvl1pPr>
+          </a:lstStyle>
+          <a:p>
+            <a:r>
+              <a:rPr lang="es-ES" sz="1800" dirty="0">
+                <a:solidFill>
+                  <a:schemeClr val="tx1">
+                    <a:lumMod val="75000"/>
+                    <a:lumOff val="25000"/>
+                  </a:schemeClr>
+                </a:solidFill>
+              </a:rPr>
+              <a:t>1</a:t>
+            </a:r>
+            <a:r>
+              <a:rPr lang="es-ES" sz="1800" dirty="0" smtClean="0">
+                <a:solidFill>
+                  <a:schemeClr val="tx1">
+                    <a:lumMod val="75000"/>
+                    <a:lumOff val="25000"/>
+                  </a:schemeClr>
+                </a:solidFill>
+              </a:rPr>
+              <a:t>/10</a:t>
+            </a:r>
+            <a:endParaRPr lang="es-ES" sz="1800" dirty="0">
+              <a:solidFill>
+                <a:schemeClr val="tx1">
+                  <a:lumMod val="75000"/>
+                  <a:lumOff val="25000"/>
+                </a:schemeClr>
+              </a:solidFill>
+            </a:endParaRPr>
+          </a:p>
+        </p:txBody>
+      </p:sp>
+      <p:sp>
+        <p:nvSpPr>
+          <p:cNvPr id="62" name="CuadroTexto 61"/>
+          <p:cNvSpPr txBox="1"/>
+          <p:nvPr/>
+        </p:nvSpPr>
+        <p:spPr>
+          <a:xfrm>
+            <a:off x="3936812" y="4271329"/>
+            <a:ext cx="1349828" cy="369332"/>
+          </a:xfrm>
+          <a:prstGeom prst="rect">
+            <a:avLst/>
+          </a:prstGeom>
+          <a:noFill/>
+        </p:spPr>
+        <p:txBody>
+          <a:bodyPr wrap="square" rtlCol="0">
+            <a:spAutoFit/>
+          </a:bodyPr>
+          <a:lstStyle>
+            <a:defPPr>
+              <a:defRPr lang="es-ES"/>
+            </a:defPPr>
+            <a:lvl1pPr>
+              <a:defRPr sz="3600">
+                <a:latin typeface="Euphemia" panose="020B0503040102020104" pitchFamily="34" charset="0"/>
+              </a:defRPr>
+            </a:lvl1pPr>
+          </a:lstStyle>
+          <a:p>
+            <a:r>
+              <a:rPr lang="es-ES" sz="1800" dirty="0" smtClean="0">
+                <a:solidFill>
+                  <a:schemeClr val="bg1">
+                    <a:lumMod val="50000"/>
+                  </a:schemeClr>
+                </a:solidFill>
+              </a:rPr>
+              <a:t>H. Ingreso</a:t>
+            </a:r>
+            <a:endParaRPr lang="es-ES" sz="1800" dirty="0">
+              <a:solidFill>
+                <a:schemeClr val="bg1">
+                  <a:lumMod val="50000"/>
+                </a:schemeClr>
+              </a:solidFill>
+            </a:endParaRPr>
+          </a:p>
+        </p:txBody>
+      </p:sp>
+      <p:sp>
+        <p:nvSpPr>
+          <p:cNvPr id="63" name="CuadroTexto 62"/>
+          <p:cNvSpPr txBox="1"/>
+          <p:nvPr/>
+        </p:nvSpPr>
+        <p:spPr>
+          <a:xfrm>
+            <a:off x="7716084" y="4271329"/>
+            <a:ext cx="1036033" cy="369332"/>
+          </a:xfrm>
+          <a:prstGeom prst="rect">
+            <a:avLst/>
+          </a:prstGeom>
+          <a:noFill/>
+        </p:spPr>
+        <p:txBody>
+          <a:bodyPr wrap="square" rtlCol="0">
+            <a:spAutoFit/>
+          </a:bodyPr>
+          <a:lstStyle>
+            <a:defPPr>
+              <a:defRPr lang="es-ES"/>
+            </a:defPPr>
+            <a:lvl1pPr>
+              <a:defRPr sz="3600">
+                <a:latin typeface="Euphemia" panose="020B0503040102020104" pitchFamily="34" charset="0"/>
+              </a:defRPr>
+            </a:lvl1pPr>
+          </a:lstStyle>
+          <a:p>
+            <a:r>
+              <a:rPr lang="es-ES" sz="1800" dirty="0" smtClean="0">
+                <a:solidFill>
+                  <a:schemeClr val="tx1">
+                    <a:lumMod val="75000"/>
+                    <a:lumOff val="25000"/>
+                  </a:schemeClr>
+                </a:solidFill>
+              </a:rPr>
+              <a:t>7:00</a:t>
+            </a:r>
+            <a:endParaRPr lang="es-ES" sz="1800" dirty="0">
+              <a:solidFill>
+                <a:schemeClr val="tx1">
+                  <a:lumMod val="75000"/>
+                  <a:lumOff val="25000"/>
+                </a:schemeClr>
+              </a:solidFill>
+            </a:endParaRPr>
+          </a:p>
+        </p:txBody>
+      </p:sp>
+      <p:sp>
+        <p:nvSpPr>
+          <p:cNvPr id="64" name="CuadroTexto 63"/>
+          <p:cNvSpPr txBox="1"/>
+          <p:nvPr/>
+        </p:nvSpPr>
+        <p:spPr>
+          <a:xfrm>
+            <a:off x="3936812" y="4757287"/>
+            <a:ext cx="1349828" cy="369332"/>
+          </a:xfrm>
+          <a:prstGeom prst="rect">
+            <a:avLst/>
+          </a:prstGeom>
+          <a:noFill/>
+        </p:spPr>
+        <p:txBody>
+          <a:bodyPr wrap="square" rtlCol="0">
+            <a:spAutoFit/>
+          </a:bodyPr>
+          <a:lstStyle>
+            <a:defPPr>
+              <a:defRPr lang="es-ES"/>
+            </a:defPPr>
+            <a:lvl1pPr>
+              <a:defRPr sz="3600">
+                <a:latin typeface="Euphemia" panose="020B0503040102020104" pitchFamily="34" charset="0"/>
+              </a:defRPr>
+            </a:lvl1pPr>
+          </a:lstStyle>
+          <a:p>
+            <a:r>
+              <a:rPr lang="es-ES" sz="1800" dirty="0" smtClean="0">
+                <a:solidFill>
+                  <a:schemeClr val="bg1">
+                    <a:lumMod val="50000"/>
+                  </a:schemeClr>
+                </a:solidFill>
+              </a:rPr>
+              <a:t>H. Salida</a:t>
+            </a:r>
+            <a:endParaRPr lang="es-ES" sz="1800" dirty="0">
+              <a:solidFill>
+                <a:schemeClr val="bg1">
+                  <a:lumMod val="50000"/>
+                </a:schemeClr>
+              </a:solidFill>
+            </a:endParaRPr>
+          </a:p>
+        </p:txBody>
+      </p:sp>
+      <p:sp>
+        <p:nvSpPr>
+          <p:cNvPr id="65" name="CuadroTexto 64"/>
+          <p:cNvSpPr txBox="1"/>
+          <p:nvPr/>
+        </p:nvSpPr>
+        <p:spPr>
+          <a:xfrm>
+            <a:off x="7716084" y="4757287"/>
+            <a:ext cx="1036033" cy="369332"/>
+          </a:xfrm>
+          <a:prstGeom prst="rect">
+            <a:avLst/>
+          </a:prstGeom>
+          <a:noFill/>
+        </p:spPr>
+        <p:txBody>
+          <a:bodyPr wrap="square" rtlCol="0">
+            <a:spAutoFit/>
+          </a:bodyPr>
+          <a:lstStyle>
+            <a:defPPr>
+              <a:defRPr lang="es-ES"/>
+            </a:defPPr>
+            <a:lvl1pPr>
+              <a:defRPr sz="3600">
+                <a:latin typeface="Euphemia" panose="020B0503040102020104" pitchFamily="34" charset="0"/>
+              </a:defRPr>
+            </a:lvl1pPr>
+          </a:lstStyle>
+          <a:p>
+            <a:r>
+              <a:rPr lang="es-ES" sz="1800" dirty="0" smtClean="0">
+                <a:solidFill>
+                  <a:schemeClr val="tx1">
+                    <a:lumMod val="75000"/>
+                    <a:lumOff val="25000"/>
+                  </a:schemeClr>
+                </a:solidFill>
+              </a:rPr>
+              <a:t>16:40</a:t>
+            </a:r>
+            <a:endParaRPr lang="es-ES" sz="1800" dirty="0">
+              <a:solidFill>
+                <a:schemeClr val="tx1">
+                  <a:lumMod val="75000"/>
+                  <a:lumOff val="25000"/>
+                </a:schemeClr>
+              </a:solidFill>
+            </a:endParaRPr>
+          </a:p>
+        </p:txBody>
+      </p:sp>
+      <p:sp>
+        <p:nvSpPr>
+          <p:cNvPr id="68" name="CuadroTexto 67"/>
+          <p:cNvSpPr txBox="1"/>
+          <p:nvPr/>
+        </p:nvSpPr>
+        <p:spPr>
+          <a:xfrm>
+            <a:off x="7716084" y="5353377"/>
+            <a:ext cx="2893859" cy="369332"/>
+          </a:xfrm>
+          <a:prstGeom prst="rect">
+            <a:avLst/>
+          </a:prstGeom>
+          <a:noFill/>
+        </p:spPr>
+        <p:txBody>
+          <a:bodyPr wrap="square" rtlCol="0">
+            <a:spAutoFit/>
+          </a:bodyPr>
+          <a:lstStyle>
+            <a:defPPr>
+              <a:defRPr lang="es-ES"/>
+            </a:defPPr>
+            <a:lvl1pPr>
+              <a:defRPr sz="3600">
+                <a:latin typeface="Euphemia" panose="020B0503040102020104" pitchFamily="34" charset="0"/>
+              </a:defRPr>
+            </a:lvl1pPr>
+          </a:lstStyle>
+          <a:p>
+            <a:r>
+              <a:rPr lang="es-ES" sz="1800" dirty="0" smtClean="0">
+                <a:solidFill>
+                  <a:schemeClr val="tx1">
+                    <a:lumMod val="75000"/>
+                    <a:lumOff val="25000"/>
+                  </a:schemeClr>
+                </a:solidFill>
+              </a:rPr>
+              <a:t>prof.unrein@gmail.com</a:t>
+            </a:r>
+            <a:endParaRPr lang="es-ES" sz="1800" dirty="0">
+              <a:solidFill>
+                <a:schemeClr val="tx1">
+                  <a:lumMod val="75000"/>
+                  <a:lumOff val="25000"/>
+                </a:schemeClr>
+              </a:solidFill>
+            </a:endParaRPr>
+          </a:p>
+        </p:txBody>
+      </p:sp>
+      <p:sp>
+        <p:nvSpPr>
+          <p:cNvPr id="69" name="CuadroTexto 68"/>
+          <p:cNvSpPr txBox="1"/>
+          <p:nvPr/>
+        </p:nvSpPr>
+        <p:spPr>
+          <a:xfrm>
+            <a:off x="3955773" y="2430278"/>
+            <a:ext cx="1720752" cy="369332"/>
+          </a:xfrm>
+          <a:prstGeom prst="rect">
+            <a:avLst/>
+          </a:prstGeom>
+          <a:noFill/>
+        </p:spPr>
+        <p:txBody>
+          <a:bodyPr wrap="square" rtlCol="0">
+            <a:spAutoFit/>
+          </a:bodyPr>
+          <a:lstStyle>
+            <a:defPPr>
+              <a:defRPr lang="es-ES"/>
+            </a:defPPr>
+            <a:lvl1pPr>
+              <a:defRPr sz="3600">
+                <a:latin typeface="Euphemia" panose="020B0503040102020104" pitchFamily="34" charset="0"/>
+              </a:defRPr>
+            </a:lvl1pPr>
+          </a:lstStyle>
+          <a:p>
+            <a:r>
+              <a:rPr lang="es-ES" sz="1800" dirty="0" smtClean="0">
+                <a:solidFill>
+                  <a:schemeClr val="bg1">
+                    <a:lumMod val="50000"/>
+                  </a:schemeClr>
+                </a:solidFill>
+              </a:rPr>
+              <a:t>Días hábiles</a:t>
+            </a:r>
+            <a:endParaRPr lang="es-ES" sz="1800" dirty="0">
+              <a:solidFill>
+                <a:schemeClr val="bg1">
+                  <a:lumMod val="50000"/>
+                </a:schemeClr>
+              </a:solidFill>
+            </a:endParaRPr>
+          </a:p>
+        </p:txBody>
+      </p:sp>
+      <p:sp>
+        <p:nvSpPr>
+          <p:cNvPr id="71" name="CuadroTexto 70"/>
+          <p:cNvSpPr txBox="1"/>
+          <p:nvPr/>
+        </p:nvSpPr>
+        <p:spPr>
+          <a:xfrm>
+            <a:off x="3935577" y="5353377"/>
+            <a:ext cx="2349205" cy="369332"/>
+          </a:xfrm>
+          <a:prstGeom prst="rect">
+            <a:avLst/>
+          </a:prstGeom>
+          <a:noFill/>
+        </p:spPr>
+        <p:txBody>
+          <a:bodyPr wrap="square" rtlCol="0">
+            <a:spAutoFit/>
+          </a:bodyPr>
+          <a:lstStyle>
+            <a:defPPr>
+              <a:defRPr lang="es-ES"/>
+            </a:defPPr>
+            <a:lvl1pPr>
+              <a:defRPr sz="3600">
+                <a:latin typeface="Euphemia" panose="020B0503040102020104" pitchFamily="34" charset="0"/>
+              </a:defRPr>
+            </a:lvl1pPr>
+          </a:lstStyle>
+          <a:p>
+            <a:r>
+              <a:rPr lang="es-ES" sz="1800" dirty="0" smtClean="0">
+                <a:solidFill>
+                  <a:schemeClr val="bg1">
+                    <a:lumMod val="50000"/>
+                  </a:schemeClr>
+                </a:solidFill>
+              </a:rPr>
+              <a:t>Correo electrónico</a:t>
+            </a:r>
+            <a:endParaRPr lang="es-ES" sz="1800" dirty="0">
+              <a:solidFill>
+                <a:schemeClr val="bg1">
+                  <a:lumMod val="50000"/>
+                </a:schemeClr>
+              </a:solidFill>
+            </a:endParaRPr>
+          </a:p>
+        </p:txBody>
+      </p:sp>
+      <p:sp>
+        <p:nvSpPr>
+          <p:cNvPr id="2071" name="Rectángulo redondeado 2070"/>
+          <p:cNvSpPr/>
+          <p:nvPr/>
+        </p:nvSpPr>
+        <p:spPr>
+          <a:xfrm>
+            <a:off x="8059420" y="2464222"/>
+            <a:ext cx="311150" cy="311150"/>
+          </a:xfrm>
+          <a:prstGeom prst="roundRect">
+            <a:avLst/>
+          </a:prstGeom>
+          <a:solidFill>
+            <a:schemeClr val="tx1">
+              <a:alpha val="16000"/>
+            </a:schemeClr>
+          </a:solidFill>
+          <a:ln>
+            <a:noFill/>
+          </a:ln>
+        </p:spPr>
+        <p:style>
+          <a:lnRef idx="2">
+            <a:schemeClr val="accent1">
+              <a:shade val="50000"/>
+            </a:schemeClr>
+          </a:lnRef>
+          <a:fillRef idx="1">
+            <a:schemeClr val="accent1"/>
+          </a:fillRef>
+          <a:effectRef idx="0">
+            <a:schemeClr val="accent1"/>
+          </a:effectRef>
+          <a:fontRef idx="minor">
+            <a:schemeClr val="lt1"/>
+          </a:fontRef>
+        </p:style>
+        <p:txBody>
+          <a:bodyPr rtlCol="0" anchor="ctr"/>
+          <a:lstStyle/>
+          <a:p>
+            <a:pPr algn="ctr"/>
+            <a:endParaRPr lang="es-ES"/>
+          </a:p>
+        </p:txBody>
+      </p:sp>
+      <p:sp>
+        <p:nvSpPr>
+          <p:cNvPr id="73" name="Rectángulo redondeado 72"/>
+          <p:cNvSpPr/>
+          <p:nvPr/>
+        </p:nvSpPr>
+        <p:spPr>
+          <a:xfrm>
+            <a:off x="8387605" y="2464222"/>
+            <a:ext cx="311150" cy="311150"/>
+          </a:xfrm>
+          <a:prstGeom prst="roundRect">
+            <a:avLst/>
+          </a:prstGeom>
+          <a:solidFill>
+            <a:schemeClr val="tx1">
+              <a:alpha val="16000"/>
+            </a:schemeClr>
+          </a:solidFill>
+          <a:ln>
+            <a:noFill/>
+          </a:ln>
+        </p:spPr>
+        <p:style>
+          <a:lnRef idx="2">
+            <a:schemeClr val="accent1">
+              <a:shade val="50000"/>
+            </a:schemeClr>
+          </a:lnRef>
+          <a:fillRef idx="1">
+            <a:schemeClr val="accent1"/>
+          </a:fillRef>
+          <a:effectRef idx="0">
+            <a:schemeClr val="accent1"/>
+          </a:effectRef>
+          <a:fontRef idx="minor">
+            <a:schemeClr val="lt1"/>
+          </a:fontRef>
+        </p:style>
+        <p:txBody>
+          <a:bodyPr rtlCol="0" anchor="ctr"/>
+          <a:lstStyle/>
+          <a:p>
+            <a:pPr algn="ctr"/>
+            <a:endParaRPr lang="es-ES"/>
+          </a:p>
+        </p:txBody>
+      </p:sp>
+      <p:sp>
+        <p:nvSpPr>
+          <p:cNvPr id="74" name="Rectángulo redondeado 73"/>
+          <p:cNvSpPr/>
+          <p:nvPr/>
+        </p:nvSpPr>
+        <p:spPr>
+          <a:xfrm>
+            <a:off x="8715790" y="2464222"/>
+            <a:ext cx="311150" cy="311150"/>
+          </a:xfrm>
+          <a:prstGeom prst="roundRect">
+            <a:avLst/>
+          </a:prstGeom>
+          <a:solidFill>
+            <a:schemeClr val="tx1">
+              <a:alpha val="16000"/>
+            </a:schemeClr>
+          </a:solidFill>
+          <a:ln>
+            <a:noFill/>
+          </a:ln>
+        </p:spPr>
+        <p:style>
+          <a:lnRef idx="2">
+            <a:schemeClr val="accent1">
+              <a:shade val="50000"/>
+            </a:schemeClr>
+          </a:lnRef>
+          <a:fillRef idx="1">
+            <a:schemeClr val="accent1"/>
+          </a:fillRef>
+          <a:effectRef idx="0">
+            <a:schemeClr val="accent1"/>
+          </a:effectRef>
+          <a:fontRef idx="minor">
+            <a:schemeClr val="lt1"/>
+          </a:fontRef>
+        </p:style>
+        <p:txBody>
+          <a:bodyPr rtlCol="0" anchor="ctr"/>
+          <a:lstStyle/>
+          <a:p>
+            <a:pPr algn="ctr"/>
+            <a:endParaRPr lang="es-ES"/>
+          </a:p>
+        </p:txBody>
+      </p:sp>
+      <p:sp>
+        <p:nvSpPr>
+          <p:cNvPr id="75" name="Rectángulo redondeado 74"/>
+          <p:cNvSpPr/>
+          <p:nvPr/>
+        </p:nvSpPr>
+        <p:spPr>
+          <a:xfrm>
+            <a:off x="9043975" y="2464222"/>
+            <a:ext cx="311150" cy="311150"/>
+          </a:xfrm>
+          <a:prstGeom prst="roundRect">
+            <a:avLst/>
+          </a:prstGeom>
+          <a:solidFill>
+            <a:schemeClr val="tx1">
+              <a:alpha val="16000"/>
+            </a:schemeClr>
+          </a:solidFill>
+          <a:ln>
+            <a:noFill/>
+          </a:ln>
+        </p:spPr>
+        <p:style>
+          <a:lnRef idx="2">
+            <a:schemeClr val="accent1">
+              <a:shade val="50000"/>
+            </a:schemeClr>
+          </a:lnRef>
+          <a:fillRef idx="1">
+            <a:schemeClr val="accent1"/>
+          </a:fillRef>
+          <a:effectRef idx="0">
+            <a:schemeClr val="accent1"/>
+          </a:effectRef>
+          <a:fontRef idx="minor">
+            <a:schemeClr val="lt1"/>
+          </a:fontRef>
+        </p:style>
+        <p:txBody>
+          <a:bodyPr rtlCol="0" anchor="ctr"/>
+          <a:lstStyle/>
+          <a:p>
+            <a:pPr algn="ctr"/>
+            <a:endParaRPr lang="es-ES"/>
+          </a:p>
+        </p:txBody>
+      </p:sp>
+      <p:sp>
+        <p:nvSpPr>
+          <p:cNvPr id="76" name="Rectángulo redondeado 75"/>
+          <p:cNvSpPr/>
+          <p:nvPr/>
+        </p:nvSpPr>
+        <p:spPr>
+          <a:xfrm>
+            <a:off x="9373112" y="2464222"/>
+            <a:ext cx="311150" cy="311150"/>
+          </a:xfrm>
+          <a:prstGeom prst="roundRect">
+            <a:avLst/>
+          </a:prstGeom>
+          <a:solidFill>
+            <a:schemeClr val="tx1">
+              <a:alpha val="16000"/>
+            </a:schemeClr>
+          </a:solidFill>
+          <a:ln>
+            <a:noFill/>
+          </a:ln>
+        </p:spPr>
+        <p:style>
+          <a:lnRef idx="2">
+            <a:schemeClr val="accent1">
+              <a:shade val="50000"/>
+            </a:schemeClr>
+          </a:lnRef>
+          <a:fillRef idx="1">
+            <a:schemeClr val="accent1"/>
+          </a:fillRef>
+          <a:effectRef idx="0">
+            <a:schemeClr val="accent1"/>
+          </a:effectRef>
+          <a:fontRef idx="minor">
+            <a:schemeClr val="lt1"/>
+          </a:fontRef>
+        </p:style>
+        <p:txBody>
+          <a:bodyPr rtlCol="0" anchor="ctr"/>
+          <a:lstStyle/>
+          <a:p>
+            <a:pPr algn="ctr"/>
+            <a:endParaRPr lang="es-ES"/>
+          </a:p>
+        </p:txBody>
+      </p:sp>
+      <p:sp>
+        <p:nvSpPr>
+          <p:cNvPr id="2072" name="CuadroTexto 2071"/>
+          <p:cNvSpPr txBox="1"/>
+          <p:nvPr/>
+        </p:nvSpPr>
+        <p:spPr>
+          <a:xfrm>
+            <a:off x="7785934" y="2434335"/>
+            <a:ext cx="273050" cy="369332"/>
+          </a:xfrm>
+          <a:prstGeom prst="rect">
+            <a:avLst/>
+          </a:prstGeom>
+          <a:noFill/>
+        </p:spPr>
+        <p:txBody>
+          <a:bodyPr wrap="square" rtlCol="0">
+            <a:spAutoFit/>
+          </a:bodyPr>
+          <a:lstStyle/>
+          <a:p>
+            <a:r>
+              <a:rPr lang="es-ES" dirty="0" smtClean="0"/>
+              <a:t>D</a:t>
+            </a:r>
+            <a:endParaRPr lang="es-ES" dirty="0"/>
+          </a:p>
+        </p:txBody>
+      </p:sp>
+      <p:sp>
+        <p:nvSpPr>
+          <p:cNvPr id="78" name="CuadroTexto 77"/>
+          <p:cNvSpPr txBox="1"/>
+          <p:nvPr/>
+        </p:nvSpPr>
+        <p:spPr>
+          <a:xfrm>
+            <a:off x="8072120" y="2434335"/>
+            <a:ext cx="273050" cy="369332"/>
+          </a:xfrm>
+          <a:prstGeom prst="rect">
+            <a:avLst/>
+          </a:prstGeom>
+          <a:noFill/>
+        </p:spPr>
+        <p:txBody>
+          <a:bodyPr wrap="square" rtlCol="0">
+            <a:spAutoFit/>
+          </a:bodyPr>
+          <a:lstStyle/>
+          <a:p>
+            <a:r>
+              <a:rPr lang="es-ES" dirty="0"/>
+              <a:t>L</a:t>
+            </a:r>
+          </a:p>
+        </p:txBody>
+      </p:sp>
+      <p:sp>
+        <p:nvSpPr>
+          <p:cNvPr id="79" name="CuadroTexto 78"/>
+          <p:cNvSpPr txBox="1"/>
+          <p:nvPr/>
+        </p:nvSpPr>
+        <p:spPr>
+          <a:xfrm>
+            <a:off x="8355822" y="2434335"/>
+            <a:ext cx="273050" cy="369332"/>
+          </a:xfrm>
+          <a:prstGeom prst="rect">
+            <a:avLst/>
+          </a:prstGeom>
+          <a:noFill/>
+        </p:spPr>
+        <p:txBody>
+          <a:bodyPr wrap="square" rtlCol="0">
+            <a:spAutoFit/>
+          </a:bodyPr>
+          <a:lstStyle/>
+          <a:p>
+            <a:r>
+              <a:rPr lang="es-ES" dirty="0"/>
+              <a:t>M</a:t>
+            </a:r>
+          </a:p>
+        </p:txBody>
+      </p:sp>
+      <p:sp>
+        <p:nvSpPr>
+          <p:cNvPr id="80" name="CuadroTexto 79"/>
+          <p:cNvSpPr txBox="1"/>
+          <p:nvPr/>
+        </p:nvSpPr>
+        <p:spPr>
+          <a:xfrm>
+            <a:off x="8682881" y="2434335"/>
+            <a:ext cx="326832" cy="369332"/>
+          </a:xfrm>
+          <a:prstGeom prst="rect">
+            <a:avLst/>
+          </a:prstGeom>
+          <a:noFill/>
+        </p:spPr>
+        <p:txBody>
+          <a:bodyPr wrap="square" rtlCol="0">
+            <a:spAutoFit/>
+          </a:bodyPr>
+          <a:lstStyle/>
+          <a:p>
+            <a:r>
+              <a:rPr lang="es-ES" dirty="0" smtClean="0"/>
+              <a:t>M</a:t>
+            </a:r>
+            <a:endParaRPr lang="es-ES" dirty="0"/>
+          </a:p>
+        </p:txBody>
+      </p:sp>
+      <p:sp>
+        <p:nvSpPr>
+          <p:cNvPr id="81" name="CuadroTexto 80"/>
+          <p:cNvSpPr txBox="1"/>
+          <p:nvPr/>
+        </p:nvSpPr>
+        <p:spPr>
+          <a:xfrm>
+            <a:off x="9077215" y="2434335"/>
+            <a:ext cx="273050" cy="369332"/>
+          </a:xfrm>
+          <a:prstGeom prst="rect">
+            <a:avLst/>
+          </a:prstGeom>
+          <a:noFill/>
+        </p:spPr>
+        <p:txBody>
+          <a:bodyPr wrap="square" rtlCol="0">
+            <a:spAutoFit/>
+          </a:bodyPr>
+          <a:lstStyle/>
+          <a:p>
+            <a:r>
+              <a:rPr lang="es-ES" dirty="0" smtClean="0"/>
+              <a:t>J</a:t>
+            </a:r>
+            <a:endParaRPr lang="es-ES" dirty="0"/>
+          </a:p>
+        </p:txBody>
+      </p:sp>
+      <p:sp>
+        <p:nvSpPr>
+          <p:cNvPr id="82" name="CuadroTexto 81"/>
+          <p:cNvSpPr txBox="1"/>
+          <p:nvPr/>
+        </p:nvSpPr>
+        <p:spPr>
+          <a:xfrm>
+            <a:off x="9378839" y="2434335"/>
+            <a:ext cx="273050" cy="369332"/>
+          </a:xfrm>
+          <a:prstGeom prst="rect">
+            <a:avLst/>
+          </a:prstGeom>
+          <a:noFill/>
+        </p:spPr>
+        <p:txBody>
+          <a:bodyPr wrap="square" rtlCol="0">
+            <a:spAutoFit/>
+          </a:bodyPr>
+          <a:lstStyle/>
+          <a:p>
+            <a:r>
+              <a:rPr lang="es-ES" dirty="0" smtClean="0"/>
+              <a:t>V</a:t>
+            </a:r>
+            <a:endParaRPr lang="es-ES" dirty="0"/>
+          </a:p>
+        </p:txBody>
+      </p:sp>
+      <p:sp>
+        <p:nvSpPr>
+          <p:cNvPr id="83" name="CuadroTexto 82"/>
+          <p:cNvSpPr txBox="1"/>
+          <p:nvPr/>
+        </p:nvSpPr>
+        <p:spPr>
+          <a:xfrm>
+            <a:off x="9672100" y="2434335"/>
+            <a:ext cx="273050" cy="369332"/>
+          </a:xfrm>
+          <a:prstGeom prst="rect">
+            <a:avLst/>
+          </a:prstGeom>
+          <a:noFill/>
+        </p:spPr>
+        <p:txBody>
+          <a:bodyPr wrap="square" rtlCol="0">
+            <a:spAutoFit/>
+          </a:bodyPr>
+          <a:lstStyle/>
+          <a:p>
+            <a:r>
+              <a:rPr lang="es-ES" dirty="0" smtClean="0"/>
+              <a:t>S</a:t>
+            </a:r>
+            <a:endParaRPr lang="es-ES" dirty="0"/>
+          </a:p>
+        </p:txBody>
+      </p:sp>
+    </p:spTree>
+    <p:extLst>
+      <p:ext uri="{BB962C8B-B14F-4D97-AF65-F5344CB8AC3E}">
+        <p14:creationId xmlns:p14="http://schemas.microsoft.com/office/powerpoint/2010/main" val="3770264811"/>
+      </p:ext>
+    </p:extLst>
+  </p:cSld>
+  <p:clrMapOvr>
+    <a:masterClrMapping/>
+  </p:clrMapOvr>
+  <mc:AlternateContent xmlns:mc="http://schemas.openxmlformats.org/markup-compatibility/2006" xmlns:p14="http://schemas.microsoft.com/office/powerpoint/2010/main">
+    <mc:Choice Requires="p14">
+      <p:transition spd="med" p14:dur="700">
+        <p:fade/>
+      </p:transition>
+    </mc:Choice>
+    <mc:Fallback xmlns="">
+      <p:transition spd="med">
+        <p:fade/>
+      </p:transition>
+    </mc:Fallback>
+  </mc:AlternateContent>
+  <p:timing>
+    <p:tnLst>
+      <p:par>
+        <p:cTn id="1" dur="indefinite" restart="never" nodeType="tmRoot"/>
+      </p:par>
+    </p:tnLst>
+  </p:timing>
+</p:sld>
+</file>
+
+<file path=ppt/slides/slide9.xml><?xml version="1.0" encoding="utf-8"?>
 <p:sld xmlns:a="http://schemas.openxmlformats.org/drawingml/2006/main" xmlns:r="http://schemas.openxmlformats.org/officeDocument/2006/relationships" xmlns:p="http://schemas.openxmlformats.org/presentationml/2006/main">
   <p:cSld>
     <p:spTree>
@@ -6942,39 +9974,9 @@
             <a:chExt cx="7585023" cy="5090615"/>
           </a:xfrm>
         </p:grpSpPr>
-        <p:pic>
-          <p:nvPicPr>
-            <p:cNvPr id="1029" name="Imagen 1028"/>
-            <p:cNvPicPr>
-              <a:picLocks noChangeAspect="1"/>
-            </p:cNvPicPr>
-            <p:nvPr/>
-          </p:nvPicPr>
-          <p:blipFill>
-            <a:blip r:embed="rId2">
-              <a:extLst>
-                <a:ext uri="{28A0092B-C50C-407E-A947-70E740481C1C}">
-                  <a14:useLocalDpi xmlns:a14="http://schemas.microsoft.com/office/drawing/2010/main" val="0"/>
-                </a:ext>
-              </a:extLst>
-            </a:blip>
-            <a:stretch>
-              <a:fillRect/>
-            </a:stretch>
-          </p:blipFill>
-          <p:spPr>
-            <a:xfrm>
-              <a:off x="2412678" y="2741383"/>
-              <a:ext cx="2078356" cy="2078356"/>
-            </a:xfrm>
-            <a:prstGeom prst="rect">
-              <a:avLst/>
-            </a:prstGeom>
-          </p:spPr>
-        </p:pic>
         <p:sp>
           <p:nvSpPr>
-            <p:cNvPr id="1036" name="Rectángulo 1035"/>
+            <p:cNvPr id="6" name="Rectángulo 5"/>
             <p:cNvSpPr/>
             <p:nvPr/>
           </p:nvSpPr>
@@ -7020,13 +10022,13 @@
         </p:sp>
         <p:sp>
           <p:nvSpPr>
-            <p:cNvPr id="1037" name="CuadroTexto 1036"/>
+            <p:cNvPr id="7" name="CuadroTexto 6"/>
             <p:cNvSpPr txBox="1"/>
             <p:nvPr/>
           </p:nvSpPr>
           <p:spPr>
             <a:xfrm>
-              <a:off x="5121912" y="3965227"/>
+              <a:off x="4529211" y="3275041"/>
               <a:ext cx="2723823" cy="369332"/>
             </a:xfrm>
             <a:prstGeom prst="rect">
@@ -7052,212 +10054,24 @@
             </a:p>
           </p:txBody>
         </p:sp>
-        <p:sp>
-          <p:nvSpPr>
-            <p:cNvPr id="56" name="CuadroTexto 55"/>
-            <p:cNvSpPr txBox="1"/>
-            <p:nvPr/>
-          </p:nvSpPr>
-          <p:spPr>
-            <a:xfrm>
-              <a:off x="4296161" y="2626415"/>
-              <a:ext cx="2610010" cy="369332"/>
-            </a:xfrm>
-            <a:prstGeom prst="rect">
-              <a:avLst/>
-            </a:prstGeom>
-            <a:noFill/>
-          </p:spPr>
-          <p:txBody>
-            <a:bodyPr wrap="none" rtlCol="0">
-              <a:spAutoFit/>
-            </a:bodyPr>
-            <a:lstStyle/>
-            <a:p>
-              <a:r>
-                <a:rPr lang="es-ES" dirty="0" smtClean="0">
-                  <a:latin typeface="Century Gothic" panose="020B0502020202020204" pitchFamily="34" charset="0"/>
-                </a:rPr>
-                <a:t>Ingrese la contraseña</a:t>
-              </a:r>
-              <a:endParaRPr lang="es-ES" dirty="0">
-                <a:latin typeface="Century Gothic" panose="020B0502020202020204" pitchFamily="34" charset="0"/>
-              </a:endParaRPr>
-            </a:p>
-          </p:txBody>
-        </p:sp>
-        <p:sp>
-          <p:nvSpPr>
-            <p:cNvPr id="2" name="1 CuadroTexto"/>
-            <p:cNvSpPr txBox="1"/>
-            <p:nvPr/>
-          </p:nvSpPr>
-          <p:spPr>
-            <a:xfrm>
-              <a:off x="2555447" y="1357439"/>
-              <a:ext cx="6671352" cy="954107"/>
-            </a:xfrm>
-            <a:prstGeom prst="rect">
-              <a:avLst/>
-            </a:prstGeom>
-            <a:noFill/>
-          </p:spPr>
-          <p:txBody>
-            <a:bodyPr wrap="square" rtlCol="0">
-              <a:spAutoFit/>
-            </a:bodyPr>
-            <a:lstStyle/>
-            <a:p>
-              <a:pPr algn="ctr"/>
-              <a:r>
-                <a:rPr lang="es-AR" sz="2800" dirty="0" smtClean="0">
-                  <a:latin typeface="Century Gothic" pitchFamily="34" charset="0"/>
-                </a:rPr>
-                <a:t>Esta acción requiere permisos de administrador</a:t>
-              </a:r>
-              <a:endParaRPr lang="es-AR" sz="2800" dirty="0">
-                <a:latin typeface="Century Gothic" pitchFamily="34" charset="0"/>
-              </a:endParaRPr>
-            </a:p>
-          </p:txBody>
-        </p:sp>
-        <p:sp>
-          <p:nvSpPr>
-            <p:cNvPr id="25" name="Rectángulo redondeado 4"/>
-            <p:cNvSpPr/>
-            <p:nvPr/>
-          </p:nvSpPr>
-          <p:spPr>
-            <a:xfrm>
-              <a:off x="4296161" y="3009168"/>
-              <a:ext cx="4211049" cy="450537"/>
-            </a:xfrm>
-            <a:prstGeom prst="roundRect">
-              <a:avLst/>
-            </a:prstGeom>
-            <a:solidFill>
-              <a:schemeClr val="tx1">
-                <a:alpha val="22000"/>
-              </a:schemeClr>
-            </a:solidFill>
-            <a:ln>
-              <a:noFill/>
-            </a:ln>
-          </p:spPr>
-          <p:style>
-            <a:lnRef idx="2">
-              <a:schemeClr val="accent1">
-                <a:shade val="50000"/>
-              </a:schemeClr>
-            </a:lnRef>
-            <a:fillRef idx="1">
-              <a:schemeClr val="accent1"/>
-            </a:fillRef>
-            <a:effectRef idx="0">
-              <a:schemeClr val="accent1"/>
-            </a:effectRef>
-            <a:fontRef idx="minor">
-              <a:schemeClr val="lt1"/>
-            </a:fontRef>
-          </p:style>
-          <p:txBody>
-            <a:bodyPr rtlCol="0" anchor="ctr"/>
-            <a:lstStyle/>
-            <a:p>
-              <a:pPr algn="r"/>
-              <a:endParaRPr lang="es-ES" dirty="0"/>
-            </a:p>
-          </p:txBody>
-        </p:sp>
-        <p:sp>
-          <p:nvSpPr>
-            <p:cNvPr id="3" name="2 CuadroTexto"/>
-            <p:cNvSpPr txBox="1"/>
-            <p:nvPr/>
-          </p:nvSpPr>
-          <p:spPr>
-            <a:xfrm>
-              <a:off x="6308098" y="3595895"/>
-              <a:ext cx="306494" cy="369332"/>
-            </a:xfrm>
-            <a:prstGeom prst="rect">
-              <a:avLst/>
-            </a:prstGeom>
-            <a:noFill/>
-          </p:spPr>
-          <p:txBody>
-            <a:bodyPr wrap="none" rtlCol="0">
-              <a:spAutoFit/>
-            </a:bodyPr>
-            <a:lstStyle/>
-            <a:p>
-              <a:r>
-                <a:rPr lang="es-AR" dirty="0" smtClean="0"/>
-                <a:t>o</a:t>
-              </a:r>
-              <a:endParaRPr lang="es-AR" dirty="0"/>
-            </a:p>
-          </p:txBody>
-        </p:sp>
-        <p:pic>
-          <p:nvPicPr>
-            <p:cNvPr id="27" name="Picture 2" descr="Resultado de imagen para Codigo de barras png"/>
-            <p:cNvPicPr>
-              <a:picLocks noChangeAspect="1" noChangeArrowheads="1"/>
-            </p:cNvPicPr>
-            <p:nvPr/>
-          </p:nvPicPr>
-          <p:blipFill>
-            <a:blip r:embed="rId3" cstate="print">
-              <a:extLst>
-                <a:ext uri="{28A0092B-C50C-407E-A947-70E740481C1C}">
-                  <a14:useLocalDpi xmlns:a14="http://schemas.microsoft.com/office/drawing/2010/main" val="0"/>
-                </a:ext>
-              </a:extLst>
-            </a:blip>
-            <a:srcRect/>
-            <a:stretch>
-              <a:fillRect/>
-            </a:stretch>
-          </p:blipFill>
-          <p:spPr bwMode="auto">
-            <a:xfrm>
-              <a:off x="5048314" y="4334559"/>
-              <a:ext cx="2871017" cy="1377144"/>
-            </a:xfrm>
-            <a:prstGeom prst="rect">
-              <a:avLst/>
-            </a:prstGeom>
-            <a:noFill/>
-            <a:extLst>
-              <a:ext uri="{909E8E84-426E-40DD-AFC4-6F175D3DCCD1}">
-                <a14:hiddenFill xmlns:a14="http://schemas.microsoft.com/office/drawing/2010/main">
-                  <a:solidFill>
-                    <a:srgbClr val="FFFFFF"/>
-                  </a:solidFill>
-                </a14:hiddenFill>
-              </a:ext>
-            </a:extLst>
-          </p:spPr>
-        </p:pic>
       </p:grpSp>
     </p:spTree>
     <p:extLst>
       <p:ext uri="{BB962C8B-B14F-4D97-AF65-F5344CB8AC3E}">
-        <p14:creationId xmlns:p14="http://schemas.microsoft.com/office/powerpoint/2010/main" val="3877697448"/>
+        <p14:creationId xmlns:p14="http://schemas.microsoft.com/office/powerpoint/2010/main" val="2052613066"/>
       </p:ext>
     </p:extLst>
   </p:cSld>
   <p:clrMapOvr>
     <a:masterClrMapping/>
   </p:clrMapOvr>
-  <mc:AlternateContent xmlns:mc="http://schemas.openxmlformats.org/markup-compatibility/2006">
-    <mc:Choice xmlns:p14="http://schemas.microsoft.com/office/powerpoint/2010/main" Requires="p14">
+  <mc:AlternateContent xmlns:mc="http://schemas.openxmlformats.org/markup-compatibility/2006" xmlns:p14="http://schemas.microsoft.com/office/powerpoint/2010/main">
+    <mc:Choice Requires="p14">
       <p:transition spd="med" p14:dur="700">
         <p:fade/>
       </p:transition>
     </mc:Choice>
-    <mc:Fallback>
+    <mc:Fallback xmlns="">
       <p:transition spd="med">
         <p:fade/>
       </p:transition>
@@ -7270,573 +10084,6 @@
       </p:par>
     </p:tnLst>
   </p:timing>
-</p:sld>
-</file>
-
-<file path=ppt/slides/slide5.xml><?xml version="1.0" encoding="utf-8"?>
-<p:sld xmlns:a="http://schemas.openxmlformats.org/drawingml/2006/main" xmlns:r="http://schemas.openxmlformats.org/officeDocument/2006/relationships" xmlns:p="http://schemas.openxmlformats.org/presentationml/2006/main">
-  <p:cSld>
-    <p:spTree>
-      <p:nvGrpSpPr>
-        <p:cNvPr id="1" name=""/>
-        <p:cNvGrpSpPr/>
-        <p:nvPr/>
-      </p:nvGrpSpPr>
-      <p:grpSpPr>
-        <a:xfrm>
-          <a:off x="0" y="0"/>
-          <a:ext cx="0" cy="0"/>
-          <a:chOff x="0" y="0"/>
-          <a:chExt cx="0" cy="0"/>
-        </a:xfrm>
-      </p:grpSpPr>
-      <p:grpSp>
-        <p:nvGrpSpPr>
-          <p:cNvPr id="16" name="15 Grupo"/>
-          <p:cNvGrpSpPr/>
-          <p:nvPr/>
-        </p:nvGrpSpPr>
-        <p:grpSpPr>
-          <a:xfrm>
-            <a:off x="2555446" y="984256"/>
-            <a:ext cx="7128187" cy="4302177"/>
-            <a:chOff x="2327029" y="914400"/>
-            <a:chExt cx="7128187" cy="4302177"/>
-          </a:xfrm>
-        </p:grpSpPr>
-        <p:pic>
-          <p:nvPicPr>
-            <p:cNvPr id="4" name="Imagen 1028"/>
-            <p:cNvPicPr>
-              <a:picLocks noChangeAspect="1"/>
-            </p:cNvPicPr>
-            <p:nvPr/>
-          </p:nvPicPr>
-          <p:blipFill>
-            <a:blip r:embed="rId2">
-              <a:extLst>
-                <a:ext uri="{28A0092B-C50C-407E-A947-70E740481C1C}">
-                  <a14:useLocalDpi xmlns:a14="http://schemas.microsoft.com/office/drawing/2010/main" val="0"/>
-                </a:ext>
-              </a:extLst>
-            </a:blip>
-            <a:stretch>
-              <a:fillRect/>
-            </a:stretch>
-          </p:blipFill>
-          <p:spPr>
-            <a:xfrm>
-              <a:off x="2641095" y="2741383"/>
-              <a:ext cx="2078356" cy="2078356"/>
-            </a:xfrm>
-            <a:prstGeom prst="rect">
-              <a:avLst/>
-            </a:prstGeom>
-          </p:spPr>
-        </p:pic>
-        <p:sp>
-          <p:nvSpPr>
-            <p:cNvPr id="5" name="Rectángulo 1035"/>
-            <p:cNvSpPr/>
-            <p:nvPr/>
-          </p:nvSpPr>
-          <p:spPr>
-            <a:xfrm>
-              <a:off x="2327029" y="914400"/>
-              <a:ext cx="7128187" cy="4302177"/>
-            </a:xfrm>
-            <a:prstGeom prst="rect">
-              <a:avLst/>
-            </a:prstGeom>
-            <a:noFill/>
-            <a:ln>
-              <a:solidFill>
-                <a:schemeClr val="tx1"/>
-              </a:solidFill>
-            </a:ln>
-          </p:spPr>
-          <p:style>
-            <a:lnRef idx="2">
-              <a:schemeClr val="accent1">
-                <a:shade val="50000"/>
-              </a:schemeClr>
-            </a:lnRef>
-            <a:fillRef idx="1">
-              <a:schemeClr val="accent1"/>
-            </a:fillRef>
-            <a:effectRef idx="0">
-              <a:schemeClr val="accent1"/>
-            </a:effectRef>
-            <a:fontRef idx="minor">
-              <a:schemeClr val="lt1"/>
-            </a:fontRef>
-          </p:style>
-          <p:txBody>
-            <a:bodyPr rtlCol="0" anchor="ctr"/>
-            <a:lstStyle/>
-            <a:p>
-              <a:pPr algn="ctr"/>
-              <a:endParaRPr lang="es-ES"/>
-            </a:p>
-          </p:txBody>
-        </p:sp>
-        <p:sp>
-          <p:nvSpPr>
-            <p:cNvPr id="8" name="7 CuadroTexto"/>
-            <p:cNvSpPr txBox="1"/>
-            <p:nvPr/>
-          </p:nvSpPr>
-          <p:spPr>
-            <a:xfrm>
-              <a:off x="2783864" y="1357439"/>
-              <a:ext cx="6671352" cy="954107"/>
-            </a:xfrm>
-            <a:prstGeom prst="rect">
-              <a:avLst/>
-            </a:prstGeom>
-            <a:noFill/>
-          </p:spPr>
-          <p:txBody>
-            <a:bodyPr wrap="square" rtlCol="0">
-              <a:spAutoFit/>
-            </a:bodyPr>
-            <a:lstStyle/>
-            <a:p>
-              <a:pPr algn="ctr"/>
-              <a:r>
-                <a:rPr lang="es-AR" sz="2800" dirty="0" smtClean="0">
-                  <a:latin typeface="Century Gothic" pitchFamily="34" charset="0"/>
-                </a:rPr>
-                <a:t>Usted está accediendo al área de eliminación de empleados</a:t>
-              </a:r>
-              <a:endParaRPr lang="es-AR" sz="2800" dirty="0">
-                <a:latin typeface="Century Gothic" pitchFamily="34" charset="0"/>
-              </a:endParaRPr>
-            </a:p>
-          </p:txBody>
-        </p:sp>
-        <p:sp>
-          <p:nvSpPr>
-            <p:cNvPr id="12" name="CuadroTexto 16"/>
-            <p:cNvSpPr txBox="1"/>
-            <p:nvPr/>
-          </p:nvSpPr>
-          <p:spPr>
-            <a:xfrm>
-              <a:off x="6499764" y="3090375"/>
-              <a:ext cx="916598" cy="369332"/>
-            </a:xfrm>
-            <a:prstGeom prst="rect">
-              <a:avLst/>
-            </a:prstGeom>
-            <a:noFill/>
-          </p:spPr>
-          <p:txBody>
-            <a:bodyPr wrap="none" rtlCol="0">
-              <a:spAutoFit/>
-            </a:bodyPr>
-            <a:lstStyle/>
-            <a:p>
-              <a:r>
-                <a:rPr lang="es-ES" dirty="0" smtClean="0"/>
-                <a:t>Aceptar</a:t>
-              </a:r>
-              <a:endParaRPr lang="es-ES" dirty="0"/>
-            </a:p>
-          </p:txBody>
-        </p:sp>
-        <p:sp>
-          <p:nvSpPr>
-            <p:cNvPr id="13" name="Rectángulo redondeado 17"/>
-            <p:cNvSpPr/>
-            <p:nvPr/>
-          </p:nvSpPr>
-          <p:spPr>
-            <a:xfrm>
-              <a:off x="5313885" y="3062194"/>
-              <a:ext cx="3176789" cy="425694"/>
-            </a:xfrm>
-            <a:prstGeom prst="roundRect">
-              <a:avLst/>
-            </a:prstGeom>
-            <a:noFill/>
-            <a:ln>
-              <a:solidFill>
-                <a:schemeClr val="tx1"/>
-              </a:solidFill>
-            </a:ln>
-          </p:spPr>
-          <p:style>
-            <a:lnRef idx="2">
-              <a:schemeClr val="accent1">
-                <a:shade val="50000"/>
-              </a:schemeClr>
-            </a:lnRef>
-            <a:fillRef idx="1">
-              <a:schemeClr val="accent1"/>
-            </a:fillRef>
-            <a:effectRef idx="0">
-              <a:schemeClr val="accent1"/>
-            </a:effectRef>
-            <a:fontRef idx="minor">
-              <a:schemeClr val="lt1"/>
-            </a:fontRef>
-          </p:style>
-          <p:txBody>
-            <a:bodyPr rtlCol="0" anchor="ctr"/>
-            <a:lstStyle/>
-            <a:p>
-              <a:pPr algn="r"/>
-              <a:endParaRPr lang="es-ES" dirty="0"/>
-            </a:p>
-          </p:txBody>
-        </p:sp>
-        <p:sp>
-          <p:nvSpPr>
-            <p:cNvPr id="14" name="CuadroTexto 16"/>
-            <p:cNvSpPr txBox="1"/>
-            <p:nvPr/>
-          </p:nvSpPr>
-          <p:spPr>
-            <a:xfrm>
-              <a:off x="6499763" y="3836923"/>
-              <a:ext cx="997389" cy="369332"/>
-            </a:xfrm>
-            <a:prstGeom prst="rect">
-              <a:avLst/>
-            </a:prstGeom>
-            <a:noFill/>
-          </p:spPr>
-          <p:txBody>
-            <a:bodyPr wrap="none" rtlCol="0">
-              <a:spAutoFit/>
-            </a:bodyPr>
-            <a:lstStyle/>
-            <a:p>
-              <a:r>
-                <a:rPr lang="es-ES" dirty="0" smtClean="0"/>
-                <a:t>Cancelar</a:t>
-              </a:r>
-              <a:endParaRPr lang="es-ES" dirty="0"/>
-            </a:p>
-          </p:txBody>
-        </p:sp>
-        <p:sp>
-          <p:nvSpPr>
-            <p:cNvPr id="15" name="Rectángulo redondeado 17"/>
-            <p:cNvSpPr/>
-            <p:nvPr/>
-          </p:nvSpPr>
-          <p:spPr>
-            <a:xfrm>
-              <a:off x="5313884" y="3808742"/>
-              <a:ext cx="3176789" cy="425694"/>
-            </a:xfrm>
-            <a:prstGeom prst="roundRect">
-              <a:avLst/>
-            </a:prstGeom>
-            <a:noFill/>
-            <a:ln>
-              <a:solidFill>
-                <a:schemeClr val="tx1"/>
-              </a:solidFill>
-            </a:ln>
-          </p:spPr>
-          <p:style>
-            <a:lnRef idx="2">
-              <a:schemeClr val="accent1">
-                <a:shade val="50000"/>
-              </a:schemeClr>
-            </a:lnRef>
-            <a:fillRef idx="1">
-              <a:schemeClr val="accent1"/>
-            </a:fillRef>
-            <a:effectRef idx="0">
-              <a:schemeClr val="accent1"/>
-            </a:effectRef>
-            <a:fontRef idx="minor">
-              <a:schemeClr val="lt1"/>
-            </a:fontRef>
-          </p:style>
-          <p:txBody>
-            <a:bodyPr rtlCol="0" anchor="ctr"/>
-            <a:lstStyle/>
-            <a:p>
-              <a:pPr algn="r"/>
-              <a:endParaRPr lang="es-ES" dirty="0"/>
-            </a:p>
-          </p:txBody>
-        </p:sp>
-      </p:grpSp>
-    </p:spTree>
-    <p:extLst>
-      <p:ext uri="{BB962C8B-B14F-4D97-AF65-F5344CB8AC3E}">
-        <p14:creationId xmlns:p14="http://schemas.microsoft.com/office/powerpoint/2010/main" val="1239175053"/>
-      </p:ext>
-    </p:extLst>
-  </p:cSld>
-  <p:clrMapOvr>
-    <a:masterClrMapping/>
-  </p:clrMapOvr>
-  <mc:AlternateContent xmlns:mc="http://schemas.openxmlformats.org/markup-compatibility/2006">
-    <mc:Choice xmlns:p14="http://schemas.microsoft.com/office/powerpoint/2010/main" Requires="p14">
-      <p:transition spd="med" p14:dur="700">
-        <p:fade/>
-      </p:transition>
-    </mc:Choice>
-    <mc:Fallback>
-      <p:transition spd="med">
-        <p:fade/>
-      </p:transition>
-    </mc:Fallback>
-  </mc:AlternateContent>
-  <p:timing>
-    <p:tnLst>
-      <p:par>
-        <p:cTn id="1" dur="indefinite" restart="never" nodeType="tmRoot"/>
-      </p:par>
-    </p:tnLst>
-  </p:timing>
-</p:sld>
-</file>
-
-<file path=ppt/slides/slide6.xml><?xml version="1.0" encoding="utf-8"?>
-<p:sld xmlns:a="http://schemas.openxmlformats.org/drawingml/2006/main" xmlns:r="http://schemas.openxmlformats.org/officeDocument/2006/relationships" xmlns:p="http://schemas.openxmlformats.org/presentationml/2006/main">
-  <p:cSld>
-    <p:spTree>
-      <p:nvGrpSpPr>
-        <p:cNvPr id="1" name=""/>
-        <p:cNvGrpSpPr/>
-        <p:nvPr/>
-      </p:nvGrpSpPr>
-      <p:grpSpPr>
-        <a:xfrm>
-          <a:off x="0" y="0"/>
-          <a:ext cx="0" cy="0"/>
-          <a:chOff x="0" y="0"/>
-          <a:chExt cx="0" cy="0"/>
-        </a:xfrm>
-      </p:grpSpPr>
-      <p:sp>
-        <p:nvSpPr>
-          <p:cNvPr id="2" name="Título 1"/>
-          <p:cNvSpPr>
-            <a:spLocks noGrp="1"/>
-          </p:cNvSpPr>
-          <p:nvPr>
-            <p:ph type="title"/>
-          </p:nvPr>
-        </p:nvSpPr>
-        <p:spPr/>
-        <p:txBody>
-          <a:bodyPr/>
-          <a:lstStyle/>
-          <a:p>
-            <a:endParaRPr lang="es-ES"/>
-          </a:p>
-        </p:txBody>
-      </p:sp>
-      <p:sp>
-        <p:nvSpPr>
-          <p:cNvPr id="3" name="Marcador de contenido 2"/>
-          <p:cNvSpPr>
-            <a:spLocks noGrp="1"/>
-          </p:cNvSpPr>
-          <p:nvPr>
-            <p:ph idx="1"/>
-          </p:nvPr>
-        </p:nvSpPr>
-        <p:spPr/>
-        <p:txBody>
-          <a:bodyPr/>
-          <a:lstStyle/>
-          <a:p>
-            <a:endParaRPr lang="es-ES"/>
-          </a:p>
-        </p:txBody>
-      </p:sp>
-    </p:spTree>
-    <p:extLst>
-      <p:ext uri="{BB962C8B-B14F-4D97-AF65-F5344CB8AC3E}">
-        <p14:creationId xmlns:p14="http://schemas.microsoft.com/office/powerpoint/2010/main" val="1264111085"/>
-      </p:ext>
-    </p:extLst>
-  </p:cSld>
-  <p:clrMapOvr>
-    <a:masterClrMapping/>
-  </p:clrMapOvr>
-  <mc:AlternateContent xmlns:mc="http://schemas.openxmlformats.org/markup-compatibility/2006">
-    <mc:Choice xmlns:p14="http://schemas.microsoft.com/office/powerpoint/2010/main" Requires="p14">
-      <p:transition spd="med" p14:dur="700">
-        <p:fade/>
-      </p:transition>
-    </mc:Choice>
-    <mc:Fallback>
-      <p:transition spd="med">
-        <p:fade/>
-      </p:transition>
-    </mc:Fallback>
-  </mc:AlternateContent>
-</p:sld>
-</file>
-
-<file path=ppt/slides/slide7.xml><?xml version="1.0" encoding="utf-8"?>
-<p:sld xmlns:a="http://schemas.openxmlformats.org/drawingml/2006/main" xmlns:r="http://schemas.openxmlformats.org/officeDocument/2006/relationships" xmlns:p="http://schemas.openxmlformats.org/presentationml/2006/main">
-  <p:cSld>
-    <p:spTree>
-      <p:nvGrpSpPr>
-        <p:cNvPr id="1" name=""/>
-        <p:cNvGrpSpPr/>
-        <p:nvPr/>
-      </p:nvGrpSpPr>
-      <p:grpSpPr>
-        <a:xfrm>
-          <a:off x="0" y="0"/>
-          <a:ext cx="0" cy="0"/>
-          <a:chOff x="0" y="0"/>
-          <a:chExt cx="0" cy="0"/>
-        </a:xfrm>
-      </p:grpSpPr>
-      <p:sp>
-        <p:nvSpPr>
-          <p:cNvPr id="2" name="Título 1"/>
-          <p:cNvSpPr>
-            <a:spLocks noGrp="1"/>
-          </p:cNvSpPr>
-          <p:nvPr>
-            <p:ph type="title"/>
-          </p:nvPr>
-        </p:nvSpPr>
-        <p:spPr/>
-        <p:txBody>
-          <a:bodyPr/>
-          <a:lstStyle/>
-          <a:p>
-            <a:endParaRPr lang="es-ES"/>
-          </a:p>
-        </p:txBody>
-      </p:sp>
-      <p:sp>
-        <p:nvSpPr>
-          <p:cNvPr id="3" name="Marcador de contenido 2"/>
-          <p:cNvSpPr>
-            <a:spLocks noGrp="1"/>
-          </p:cNvSpPr>
-          <p:nvPr>
-            <p:ph idx="1"/>
-          </p:nvPr>
-        </p:nvSpPr>
-        <p:spPr/>
-        <p:txBody>
-          <a:bodyPr/>
-          <a:lstStyle/>
-          <a:p>
-            <a:endParaRPr lang="es-ES"/>
-          </a:p>
-        </p:txBody>
-      </p:sp>
-    </p:spTree>
-    <p:extLst>
-      <p:ext uri="{BB962C8B-B14F-4D97-AF65-F5344CB8AC3E}">
-        <p14:creationId xmlns:p14="http://schemas.microsoft.com/office/powerpoint/2010/main" val="3342289920"/>
-      </p:ext>
-    </p:extLst>
-  </p:cSld>
-  <p:clrMapOvr>
-    <a:masterClrMapping/>
-  </p:clrMapOvr>
-  <mc:AlternateContent xmlns:mc="http://schemas.openxmlformats.org/markup-compatibility/2006">
-    <mc:Choice xmlns:p14="http://schemas.microsoft.com/office/powerpoint/2010/main" Requires="p14">
-      <p:transition spd="med" p14:dur="700">
-        <p:fade/>
-      </p:transition>
-    </mc:Choice>
-    <mc:Fallback>
-      <p:transition spd="med">
-        <p:fade/>
-      </p:transition>
-    </mc:Fallback>
-  </mc:AlternateContent>
-</p:sld>
-</file>
-
-<file path=ppt/slides/slide8.xml><?xml version="1.0" encoding="utf-8"?>
-<p:sld xmlns:a="http://schemas.openxmlformats.org/drawingml/2006/main" xmlns:r="http://schemas.openxmlformats.org/officeDocument/2006/relationships" xmlns:p="http://schemas.openxmlformats.org/presentationml/2006/main">
-  <p:cSld>
-    <p:spTree>
-      <p:nvGrpSpPr>
-        <p:cNvPr id="1" name=""/>
-        <p:cNvGrpSpPr/>
-        <p:nvPr/>
-      </p:nvGrpSpPr>
-      <p:grpSpPr>
-        <a:xfrm>
-          <a:off x="0" y="0"/>
-          <a:ext cx="0" cy="0"/>
-          <a:chOff x="0" y="0"/>
-          <a:chExt cx="0" cy="0"/>
-        </a:xfrm>
-      </p:grpSpPr>
-      <p:sp>
-        <p:nvSpPr>
-          <p:cNvPr id="2" name="Título 1"/>
-          <p:cNvSpPr>
-            <a:spLocks noGrp="1"/>
-          </p:cNvSpPr>
-          <p:nvPr>
-            <p:ph type="title"/>
-          </p:nvPr>
-        </p:nvSpPr>
-        <p:spPr/>
-        <p:txBody>
-          <a:bodyPr/>
-          <a:lstStyle/>
-          <a:p>
-            <a:endParaRPr lang="es-ES"/>
-          </a:p>
-        </p:txBody>
-      </p:sp>
-      <p:sp>
-        <p:nvSpPr>
-          <p:cNvPr id="3" name="Marcador de contenido 2"/>
-          <p:cNvSpPr>
-            <a:spLocks noGrp="1"/>
-          </p:cNvSpPr>
-          <p:nvPr>
-            <p:ph idx="1"/>
-          </p:nvPr>
-        </p:nvSpPr>
-        <p:spPr/>
-        <p:txBody>
-          <a:bodyPr/>
-          <a:lstStyle/>
-          <a:p>
-            <a:endParaRPr lang="es-ES"/>
-          </a:p>
-        </p:txBody>
-      </p:sp>
-    </p:spTree>
-    <p:extLst>
-      <p:ext uri="{BB962C8B-B14F-4D97-AF65-F5344CB8AC3E}">
-        <p14:creationId xmlns:p14="http://schemas.microsoft.com/office/powerpoint/2010/main" val="2052613066"/>
-      </p:ext>
-    </p:extLst>
-  </p:cSld>
-  <p:clrMapOvr>
-    <a:masterClrMapping/>
-  </p:clrMapOvr>
-  <mc:AlternateContent xmlns:mc="http://schemas.openxmlformats.org/markup-compatibility/2006">
-    <mc:Choice xmlns:p14="http://schemas.microsoft.com/office/powerpoint/2010/main" Requires="p14">
-      <p:transition spd="med" p14:dur="700">
-        <p:fade/>
-      </p:transition>
-    </mc:Choice>
-    <mc:Fallback>
-      <p:transition spd="med">
-        <p:fade/>
-      </p:transition>
-    </mc:Fallback>
-  </mc:AlternateContent>
 </p:sld>
 </file>
 
@@ -8095,7 +10342,7 @@
   <a:extraClrSchemeLst/>
   <a:extLst>
     <a:ext uri="{05A4C25C-085E-4340-85A3-A5531E510DB2}">
-      <thm15:themeFamily xmlns:thm15="http://schemas.microsoft.com/office/thememl/2012/main" xmlns="" name="Office Theme" id="{62F939B6-93AF-4DB8-9C6B-D6C7DFDC589F}" vid="{4A3C46E8-61CC-4603-A589-7422A47A8E4A}"/>
+      <thm15:themeFamily xmlns:thm15="http://schemas.microsoft.com/office/thememl/2012/main" name="Office Theme" id="{62F939B6-93AF-4DB8-9C6B-D6C7DFDC589F}" vid="{4A3C46E8-61CC-4603-A589-7422A47A8E4A}"/>
     </a:ext>
   </a:extLst>
 </a:theme>
